--- a/Fireboxsw-retreat-presentation_v2.pptx
+++ b/Fireboxsw-retreat-presentation_v2.pptx
@@ -5,8 +5,11 @@
     <p:sldMasterId id="2147483666" r:id="rId1"/>
   </p:sldMasterIdLst>
   <p:notesMasterIdLst>
-    <p:notesMasterId r:id="rId31"/>
+    <p:notesMasterId r:id="rId32"/>
   </p:notesMasterIdLst>
+  <p:handoutMasterIdLst>
+    <p:handoutMasterId r:id="rId33"/>
+  </p:handoutMasterIdLst>
   <p:sldIdLst>
     <p:sldId id="256" r:id="rId2"/>
     <p:sldId id="257" r:id="rId3"/>
@@ -18,25 +21,26 @@
     <p:sldId id="263" r:id="rId9"/>
     <p:sldId id="264" r:id="rId10"/>
     <p:sldId id="287" r:id="rId11"/>
-    <p:sldId id="284" r:id="rId12"/>
-    <p:sldId id="266" r:id="rId13"/>
-    <p:sldId id="267" r:id="rId14"/>
-    <p:sldId id="285" r:id="rId15"/>
-    <p:sldId id="286" r:id="rId16"/>
-    <p:sldId id="270" r:id="rId17"/>
-    <p:sldId id="271" r:id="rId18"/>
-    <p:sldId id="272" r:id="rId19"/>
-    <p:sldId id="274" r:id="rId20"/>
-    <p:sldId id="273" r:id="rId21"/>
-    <p:sldId id="275" r:id="rId22"/>
-    <p:sldId id="276" r:id="rId23"/>
-    <p:sldId id="277" r:id="rId24"/>
-    <p:sldId id="278" r:id="rId25"/>
-    <p:sldId id="279" r:id="rId26"/>
-    <p:sldId id="280" r:id="rId27"/>
-    <p:sldId id="281" r:id="rId28"/>
-    <p:sldId id="282" r:id="rId29"/>
-    <p:sldId id="283" r:id="rId30"/>
+    <p:sldId id="288" r:id="rId12"/>
+    <p:sldId id="284" r:id="rId13"/>
+    <p:sldId id="266" r:id="rId14"/>
+    <p:sldId id="267" r:id="rId15"/>
+    <p:sldId id="285" r:id="rId16"/>
+    <p:sldId id="286" r:id="rId17"/>
+    <p:sldId id="270" r:id="rId18"/>
+    <p:sldId id="271" r:id="rId19"/>
+    <p:sldId id="272" r:id="rId20"/>
+    <p:sldId id="274" r:id="rId21"/>
+    <p:sldId id="273" r:id="rId22"/>
+    <p:sldId id="275" r:id="rId23"/>
+    <p:sldId id="276" r:id="rId24"/>
+    <p:sldId id="277" r:id="rId25"/>
+    <p:sldId id="278" r:id="rId26"/>
+    <p:sldId id="279" r:id="rId27"/>
+    <p:sldId id="280" r:id="rId28"/>
+    <p:sldId id="281" r:id="rId29"/>
+    <p:sldId id="282" r:id="rId30"/>
+    <p:sldId id="283" r:id="rId31"/>
   </p:sldIdLst>
   <p:sldSz cx="9144000" cy="6858000" type="screen4x3"/>
   <p:notesSz cx="6858000" cy="9144000"/>
@@ -254,6 +258,172 @@
 </p:presentation>
 </file>
 
+<file path=ppt/handoutMasters/handoutMaster1.xml><?xml version="1.0" encoding="utf-8"?>
+<p:handoutMaster xmlns:a="http://schemas.openxmlformats.org/drawingml/2006/main" xmlns:r="http://schemas.openxmlformats.org/officeDocument/2006/relationships" xmlns:p="http://schemas.openxmlformats.org/presentationml/2006/main">
+  <p:cSld>
+    <p:bg>
+      <p:bgRef idx="1001">
+        <a:schemeClr val="bg1"/>
+      </p:bgRef>
+    </p:bg>
+    <p:spTree>
+      <p:nvGrpSpPr>
+        <p:cNvPr id="1" name=""/>
+        <p:cNvGrpSpPr/>
+        <p:nvPr/>
+      </p:nvGrpSpPr>
+      <p:grpSpPr>
+        <a:xfrm>
+          <a:off x="0" y="0"/>
+          <a:ext cx="0" cy="0"/>
+          <a:chOff x="0" y="0"/>
+          <a:chExt cx="0" cy="0"/>
+        </a:xfrm>
+      </p:grpSpPr>
+      <p:sp>
+        <p:nvSpPr>
+          <p:cNvPr id="2" name="Header Placeholder 1"/>
+          <p:cNvSpPr>
+            <a:spLocks noGrp="1"/>
+          </p:cNvSpPr>
+          <p:nvPr>
+            <p:ph type="hdr" sz="quarter"/>
+          </p:nvPr>
+        </p:nvSpPr>
+        <p:spPr>
+          <a:xfrm>
+            <a:off x="0" y="0"/>
+            <a:ext cx="2971800" cy="457200"/>
+          </a:xfrm>
+          <a:prstGeom prst="rect">
+            <a:avLst/>
+          </a:prstGeom>
+        </p:spPr>
+        <p:txBody>
+          <a:bodyPr vert="horz" lIns="91440" tIns="45720" rIns="91440" bIns="45720" rtlCol="0"/>
+          <a:lstStyle>
+            <a:lvl1pPr algn="l">
+              <a:defRPr sz="1200"/>
+            </a:lvl1pPr>
+          </a:lstStyle>
+          <a:p>
+            <a:endParaRPr lang="en-US"/>
+          </a:p>
+        </p:txBody>
+      </p:sp>
+      <p:sp>
+        <p:nvSpPr>
+          <p:cNvPr id="3" name="Date Placeholder 2"/>
+          <p:cNvSpPr>
+            <a:spLocks noGrp="1"/>
+          </p:cNvSpPr>
+          <p:nvPr>
+            <p:ph type="dt" sz="quarter" idx="1"/>
+          </p:nvPr>
+        </p:nvSpPr>
+        <p:spPr>
+          <a:xfrm>
+            <a:off x="3884613" y="0"/>
+            <a:ext cx="2971800" cy="457200"/>
+          </a:xfrm>
+          <a:prstGeom prst="rect">
+            <a:avLst/>
+          </a:prstGeom>
+        </p:spPr>
+        <p:txBody>
+          <a:bodyPr vert="horz" lIns="91440" tIns="45720" rIns="91440" bIns="45720" rtlCol="0"/>
+          <a:lstStyle>
+            <a:lvl1pPr algn="r">
+              <a:defRPr sz="1200"/>
+            </a:lvl1pPr>
+          </a:lstStyle>
+          <a:p>
+            <a:fld id="{783565A2-1B79-684E-8B81-0FC09C1616FB}" type="datetimeFigureOut">
+              <a:rPr lang="en-US" smtClean="0"/>
+              <a:t>1/9/15</a:t>
+            </a:fld>
+            <a:endParaRPr lang="en-US"/>
+          </a:p>
+        </p:txBody>
+      </p:sp>
+      <p:sp>
+        <p:nvSpPr>
+          <p:cNvPr id="4" name="Footer Placeholder 3"/>
+          <p:cNvSpPr>
+            <a:spLocks noGrp="1"/>
+          </p:cNvSpPr>
+          <p:nvPr>
+            <p:ph type="ftr" sz="quarter" idx="2"/>
+          </p:nvPr>
+        </p:nvSpPr>
+        <p:spPr>
+          <a:xfrm>
+            <a:off x="0" y="8685213"/>
+            <a:ext cx="2971800" cy="457200"/>
+          </a:xfrm>
+          <a:prstGeom prst="rect">
+            <a:avLst/>
+          </a:prstGeom>
+        </p:spPr>
+        <p:txBody>
+          <a:bodyPr vert="horz" lIns="91440" tIns="45720" rIns="91440" bIns="45720" rtlCol="0" anchor="b"/>
+          <a:lstStyle>
+            <a:lvl1pPr algn="l">
+              <a:defRPr sz="1200"/>
+            </a:lvl1pPr>
+          </a:lstStyle>
+          <a:p>
+            <a:endParaRPr lang="en-US"/>
+          </a:p>
+        </p:txBody>
+      </p:sp>
+      <p:sp>
+        <p:nvSpPr>
+          <p:cNvPr id="5" name="Slide Number Placeholder 4"/>
+          <p:cNvSpPr>
+            <a:spLocks noGrp="1"/>
+          </p:cNvSpPr>
+          <p:nvPr>
+            <p:ph type="sldNum" sz="quarter" idx="3"/>
+          </p:nvPr>
+        </p:nvSpPr>
+        <p:spPr>
+          <a:xfrm>
+            <a:off x="3884613" y="8685213"/>
+            <a:ext cx="2971800" cy="457200"/>
+          </a:xfrm>
+          <a:prstGeom prst="rect">
+            <a:avLst/>
+          </a:prstGeom>
+        </p:spPr>
+        <p:txBody>
+          <a:bodyPr vert="horz" lIns="91440" tIns="45720" rIns="91440" bIns="45720" rtlCol="0" anchor="b"/>
+          <a:lstStyle>
+            <a:lvl1pPr algn="r">
+              <a:defRPr sz="1200"/>
+            </a:lvl1pPr>
+          </a:lstStyle>
+          <a:p>
+            <a:fld id="{AFE75B22-7EB8-D14B-9463-58A0D810CDD0}" type="slidenum">
+              <a:rPr lang="en-US" smtClean="0"/>
+              <a:t>‹#›</a:t>
+            </a:fld>
+            <a:endParaRPr lang="en-US"/>
+          </a:p>
+        </p:txBody>
+      </p:sp>
+    </p:spTree>
+    <p:extLst>
+      <p:ext uri="{BB962C8B-B14F-4D97-AF65-F5344CB8AC3E}">
+        <p14:creationId xmlns:p14="http://schemas.microsoft.com/office/powerpoint/2010/main" val="810450452"/>
+      </p:ext>
+    </p:extLst>
+  </p:cSld>
+  <p:clrMap bg1="lt1" tx1="dk1" bg2="lt2" tx2="dk2" accent1="accent1" accent2="accent2" accent3="accent3" accent4="accent4" accent5="accent5" accent6="accent6" hlink="hlink" folHlink="folHlink"/>
+  <p:hf hdr="0" ftr="0" dt="0"/>
+</p:handoutMaster>
+</file>
+
 <file path=ppt/notesMasters/notesMaster1.xml><?xml version="1.0" encoding="utf-8"?>
 <p:notesMaster xmlns:a="http://schemas.openxmlformats.org/drawingml/2006/main" xmlns:r="http://schemas.openxmlformats.org/officeDocument/2006/relationships" xmlns:p="http://schemas.openxmlformats.org/presentationml/2006/main">
   <p:cSld>
@@ -742,6 +912,7 @@
     </p:extLst>
   </p:cSld>
   <p:clrMap bg1="lt1" tx1="dk1" bg2="dk2" tx2="lt2" accent1="accent1" accent2="accent2" accent3="accent3" accent4="accent4" accent5="accent5" accent6="accent6" hlink="hlink" folHlink="folHlink"/>
+  <p:hf hdr="0" ftr="0" dt="0"/>
   <p:notesStyle>
     <a:lvl1pPr marL="0" algn="l" defTabSz="914400" rtl="0" eaLnBrk="1" latinLnBrk="0" hangingPunct="1">
       <a:defRPr sz="1200" kern="1200">
@@ -1050,6 +1221,227 @@
 </file>
 
 <file path=ppt/notesSlides/notesSlide11.xml><?xml version="1.0" encoding="utf-8"?>
+<p:notes xmlns:a="http://schemas.openxmlformats.org/drawingml/2006/main" xmlns:r="http://schemas.openxmlformats.org/officeDocument/2006/relationships" xmlns:p="http://schemas.openxmlformats.org/presentationml/2006/main" showMasterSp="0" showMasterPhAnim="0">
+  <p:cSld>
+    <p:spTree>
+      <p:nvGrpSpPr>
+        <p:cNvPr id="1" name="Shape 192"/>
+        <p:cNvGrpSpPr/>
+        <p:nvPr/>
+      </p:nvGrpSpPr>
+      <p:grpSpPr>
+        <a:xfrm>
+          <a:off x="0" y="0"/>
+          <a:ext cx="0" cy="0"/>
+          <a:chOff x="0" y="0"/>
+          <a:chExt cx="0" cy="0"/>
+        </a:xfrm>
+      </p:grpSpPr>
+      <p:sp>
+        <p:nvSpPr>
+          <p:cNvPr id="193" name="Shape 193"/>
+          <p:cNvSpPr>
+            <a:spLocks noGrp="1" noRot="1" noChangeAspect="1"/>
+          </p:cNvSpPr>
+          <p:nvPr>
+            <p:ph type="sldImg" idx="2"/>
+          </p:nvPr>
+        </p:nvSpPr>
+        <p:spPr>
+          <a:xfrm>
+            <a:off x="1143000" y="685800"/>
+            <a:ext cx="4572000" cy="3429000"/>
+          </a:xfrm>
+          <a:custGeom>
+            <a:avLst/>
+            <a:gdLst/>
+            <a:ahLst/>
+            <a:cxnLst/>
+            <a:rect l="0" t="0" r="0" b="0"/>
+            <a:pathLst>
+              <a:path w="120000" h="120000" extrusionOk="0">
+                <a:moveTo>
+                  <a:pt x="0" y="0"/>
+                </a:moveTo>
+                <a:lnTo>
+                  <a:pt x="120000" y="0"/>
+                </a:lnTo>
+                <a:lnTo>
+                  <a:pt x="120000" y="120000"/>
+                </a:lnTo>
+                <a:lnTo>
+                  <a:pt x="0" y="120000"/>
+                </a:lnTo>
+                <a:close/>
+              </a:path>
+            </a:pathLst>
+          </a:custGeom>
+          <a:noFill/>
+          <a:ln w="12700" cap="flat">
+            <a:solidFill>
+              <a:srgbClr val="000000"/>
+            </a:solidFill>
+            <a:prstDash val="solid"/>
+            <a:round/>
+            <a:headEnd type="none" w="med" len="med"/>
+            <a:tailEnd type="none" w="med" len="med"/>
+          </a:ln>
+        </p:spPr>
+      </p:sp>
+      <p:sp>
+        <p:nvSpPr>
+          <p:cNvPr id="194" name="Shape 194"/>
+          <p:cNvSpPr txBox="1">
+            <a:spLocks noGrp="1"/>
+          </p:cNvSpPr>
+          <p:nvPr>
+            <p:ph type="body" idx="1"/>
+          </p:nvPr>
+        </p:nvSpPr>
+        <p:spPr>
+          <a:xfrm>
+            <a:off x="685800" y="4343400"/>
+            <a:ext cx="5486399" cy="4114800"/>
+          </a:xfrm>
+          <a:prstGeom prst="rect">
+            <a:avLst/>
+          </a:prstGeom>
+          <a:noFill/>
+          <a:ln>
+            <a:noFill/>
+          </a:ln>
+        </p:spPr>
+        <p:txBody>
+          <a:bodyPr lIns="91425" tIns="45700" rIns="91425" bIns="45700" anchor="t" anchorCtr="0">
+            <a:noAutofit/>
+          </a:bodyPr>
+          <a:lstStyle/>
+          <a:p>
+            <a:pPr marL="0" marR="0" lvl="0" indent="0" algn="l" rtl="0">
+              <a:spcBef>
+                <a:spcPts val="0"/>
+              </a:spcBef>
+              <a:buSzPct val="25000"/>
+              <a:buNone/>
+            </a:pPr>
+            <a:r>
+              <a:rPr lang="en-US" sz="1200" b="1" i="0" u="none" strike="noStrike" cap="none" baseline="0">
+                <a:solidFill>
+                  <a:srgbClr val="FF0000"/>
+                </a:solidFill>
+                <a:latin typeface="Times New Roman"/>
+                <a:ea typeface="Times New Roman"/>
+                <a:cs typeface="Times New Roman"/>
+                <a:sym typeface="Times New Roman"/>
+              </a:rPr>
+              <a:t>Please put in notes here to explain poster so that someone else could summarize what your poster is about</a:t>
+            </a:r>
+          </a:p>
+          <a:p>
+            <a:pPr marL="0" marR="0" lvl="0" indent="0" algn="l" rtl="0">
+              <a:spcBef>
+                <a:spcPts val="0"/>
+              </a:spcBef>
+              <a:buNone/>
+            </a:pPr>
+            <a:endParaRPr sz="1200" b="0" i="0" u="none" strike="noStrike" cap="none" baseline="0">
+              <a:solidFill>
+                <a:schemeClr val="dk1"/>
+              </a:solidFill>
+              <a:latin typeface="Times New Roman"/>
+              <a:ea typeface="Times New Roman"/>
+              <a:cs typeface="Times New Roman"/>
+              <a:sym typeface="Times New Roman"/>
+            </a:endParaRPr>
+          </a:p>
+          <a:p>
+            <a:pPr marL="0" marR="0" lvl="0" indent="0" algn="l" rtl="0">
+              <a:spcBef>
+                <a:spcPts val="0"/>
+              </a:spcBef>
+              <a:buNone/>
+            </a:pPr>
+            <a:endParaRPr sz="1200" b="0" i="0" u="none" strike="noStrike" cap="none" baseline="0">
+              <a:solidFill>
+                <a:schemeClr val="dk1"/>
+              </a:solidFill>
+              <a:latin typeface="Calibri"/>
+              <a:ea typeface="Calibri"/>
+              <a:cs typeface="Calibri"/>
+              <a:sym typeface="Calibri"/>
+            </a:endParaRPr>
+          </a:p>
+        </p:txBody>
+      </p:sp>
+      <p:sp>
+        <p:nvSpPr>
+          <p:cNvPr id="195" name="Shape 195"/>
+          <p:cNvSpPr txBox="1">
+            <a:spLocks noGrp="1"/>
+          </p:cNvSpPr>
+          <p:nvPr>
+            <p:ph type="sldNum" idx="12"/>
+          </p:nvPr>
+        </p:nvSpPr>
+        <p:spPr>
+          <a:xfrm>
+            <a:off x="3884612" y="8685213"/>
+            <a:ext cx="2971799" cy="457200"/>
+          </a:xfrm>
+          <a:prstGeom prst="rect">
+            <a:avLst/>
+          </a:prstGeom>
+          <a:noFill/>
+          <a:ln>
+            <a:noFill/>
+          </a:ln>
+        </p:spPr>
+        <p:txBody>
+          <a:bodyPr lIns="91425" tIns="45700" rIns="91425" bIns="45700" anchor="b" anchorCtr="0">
+            <a:noAutofit/>
+          </a:bodyPr>
+          <a:lstStyle/>
+          <a:p>
+            <a:pPr marL="0" marR="0" lvl="0" indent="0" algn="r" rtl="0">
+              <a:spcBef>
+                <a:spcPts val="0"/>
+              </a:spcBef>
+              <a:buSzPct val="25000"/>
+              <a:buNone/>
+            </a:pPr>
+            <a:fld id="{00000000-1234-1234-1234-123412341234}" type="slidenum">
+              <a:rPr lang="en-US" sz="1200" b="0" i="0" u="none" strike="noStrike" cap="none" baseline="0">
+                <a:solidFill>
+                  <a:schemeClr val="dk1"/>
+                </a:solidFill>
+                <a:latin typeface="Calibri"/>
+                <a:ea typeface="Calibri"/>
+                <a:cs typeface="Calibri"/>
+                <a:sym typeface="Calibri"/>
+              </a:rPr>
+              <a:t>11</a:t>
+            </a:fld>
+            <a:endParaRPr lang="en-US" sz="1200" b="0" i="0" u="none" strike="noStrike" cap="none" baseline="0">
+              <a:solidFill>
+                <a:schemeClr val="dk1"/>
+              </a:solidFill>
+              <a:latin typeface="Calibri"/>
+              <a:ea typeface="Calibri"/>
+              <a:cs typeface="Calibri"/>
+              <a:sym typeface="Calibri"/>
+            </a:endParaRPr>
+          </a:p>
+        </p:txBody>
+      </p:sp>
+    </p:spTree>
+  </p:cSld>
+  <p:clrMapOvr>
+    <a:masterClrMapping/>
+  </p:clrMapOvr>
+</p:notes>
+</file>
+
+<file path=ppt/notesSlides/notesSlide12.xml><?xml version="1.0" encoding="utf-8"?>
 <p:notes xmlns:a="http://schemas.openxmlformats.org/drawingml/2006/main" xmlns:r="http://schemas.openxmlformats.org/officeDocument/2006/relationships" xmlns:p="http://schemas.openxmlformats.org/presentationml/2006/main">
   <p:cSld>
     <p:spTree>
@@ -1133,7 +1525,7 @@
           <a:p>
             <a:fld id="{0E827EFA-5465-8D44-95A2-57B374621445}" type="slidenum">
               <a:rPr lang="en-US" smtClean="0"/>
-              <a:t>11</a:t>
+              <a:t>12</a:t>
             </a:fld>
             <a:endParaRPr lang="en-US"/>
           </a:p>
@@ -1152,7 +1544,7 @@
 </p:notes>
 </file>
 
-<file path=ppt/notesSlides/notesSlide12.xml><?xml version="1.0" encoding="utf-8"?>
+<file path=ppt/notesSlides/notesSlide13.xml><?xml version="1.0" encoding="utf-8"?>
 <p:notes xmlns:a="http://schemas.openxmlformats.org/drawingml/2006/main" xmlns:r="http://schemas.openxmlformats.org/officeDocument/2006/relationships" xmlns:p="http://schemas.openxmlformats.org/presentationml/2006/main" showMasterSp="0" showMasterPhAnim="0">
   <p:cSld>
     <p:spTree>
@@ -1351,7 +1743,7 @@
                 <a:cs typeface="Calibri"/>
                 <a:sym typeface="Calibri"/>
               </a:rPr>
-              <a:t>12</a:t>
+              <a:t>13</a:t>
             </a:fld>
             <a:endParaRPr lang="en-US" sz="1200" b="0" i="0" u="none" strike="noStrike" cap="none" baseline="0">
               <a:solidFill>
@@ -1373,7 +1765,7 @@
 </p:notes>
 </file>
 
-<file path=ppt/notesSlides/notesSlide13.xml><?xml version="1.0" encoding="utf-8"?>
+<file path=ppt/notesSlides/notesSlide14.xml><?xml version="1.0" encoding="utf-8"?>
 <p:notes xmlns:a="http://schemas.openxmlformats.org/drawingml/2006/main" xmlns:r="http://schemas.openxmlformats.org/officeDocument/2006/relationships" xmlns:p="http://schemas.openxmlformats.org/presentationml/2006/main" showMasterSp="0" showMasterPhAnim="0">
   <p:cSld>
     <p:spTree>
@@ -1677,7 +2069,7 @@
                 <a:cs typeface="Calibri"/>
                 <a:sym typeface="Calibri"/>
               </a:rPr>
-              <a:t>13</a:t>
+              <a:t>14</a:t>
             </a:fld>
             <a:endParaRPr lang="en-US" sz="1200" b="0" i="0" u="none" strike="noStrike" cap="none" baseline="0">
               <a:solidFill>
@@ -1692,94 +2084,6 @@
         </p:txBody>
       </p:sp>
     </p:spTree>
-  </p:cSld>
-  <p:clrMapOvr>
-    <a:masterClrMapping/>
-  </p:clrMapOvr>
-</p:notes>
-</file>
-
-<file path=ppt/notesSlides/notesSlide14.xml><?xml version="1.0" encoding="utf-8"?>
-<p:notes xmlns:a="http://schemas.openxmlformats.org/drawingml/2006/main" xmlns:r="http://schemas.openxmlformats.org/officeDocument/2006/relationships" xmlns:p="http://schemas.openxmlformats.org/presentationml/2006/main">
-  <p:cSld>
-    <p:spTree>
-      <p:nvGrpSpPr>
-        <p:cNvPr id="1" name=""/>
-        <p:cNvGrpSpPr/>
-        <p:nvPr/>
-      </p:nvGrpSpPr>
-      <p:grpSpPr>
-        <a:xfrm>
-          <a:off x="0" y="0"/>
-          <a:ext cx="0" cy="0"/>
-          <a:chOff x="0" y="0"/>
-          <a:chExt cx="0" cy="0"/>
-        </a:xfrm>
-      </p:grpSpPr>
-      <p:sp>
-        <p:nvSpPr>
-          <p:cNvPr id="2" name="Slide Image Placeholder 1"/>
-          <p:cNvSpPr>
-            <a:spLocks noGrp="1" noRot="1" noChangeAspect="1"/>
-          </p:cNvSpPr>
-          <p:nvPr>
-            <p:ph type="sldImg"/>
-          </p:nvPr>
-        </p:nvSpPr>
-        <p:spPr/>
-      </p:sp>
-      <p:sp>
-        <p:nvSpPr>
-          <p:cNvPr id="3" name="Notes Placeholder 2"/>
-          <p:cNvSpPr>
-            <a:spLocks noGrp="1"/>
-          </p:cNvSpPr>
-          <p:nvPr>
-            <p:ph type="body" idx="1"/>
-          </p:nvPr>
-        </p:nvSpPr>
-        <p:spPr/>
-        <p:txBody>
-          <a:bodyPr/>
-          <a:lstStyle/>
-          <a:p>
-            <a:r>
-              <a:rPr lang="en-US" dirty="0" smtClean="0"/>
-              <a:t>Mention best hardware</a:t>
-            </a:r>
-            <a:endParaRPr lang="en-US" dirty="0"/>
-          </a:p>
-        </p:txBody>
-      </p:sp>
-      <p:sp>
-        <p:nvSpPr>
-          <p:cNvPr id="4" name="Slide Number Placeholder 3"/>
-          <p:cNvSpPr>
-            <a:spLocks noGrp="1"/>
-          </p:cNvSpPr>
-          <p:nvPr>
-            <p:ph type="sldNum" sz="quarter" idx="10"/>
-          </p:nvPr>
-        </p:nvSpPr>
-        <p:spPr/>
-        <p:txBody>
-          <a:bodyPr/>
-          <a:lstStyle/>
-          <a:p>
-            <a:fld id="{0E827EFA-5465-8D44-95A2-57B374621445}" type="slidenum">
-              <a:rPr lang="en-US" smtClean="0"/>
-              <a:t>14</a:t>
-            </a:fld>
-            <a:endParaRPr lang="en-US"/>
-          </a:p>
-        </p:txBody>
-      </p:sp>
-    </p:spTree>
-    <p:extLst>
-      <p:ext uri="{BB962C8B-B14F-4D97-AF65-F5344CB8AC3E}">
-        <p14:creationId xmlns:p14="http://schemas.microsoft.com/office/powerpoint/2010/main" val="1381619385"/>
-      </p:ext>
-    </p:extLst>
   </p:cSld>
   <p:clrMapOvr>
     <a:masterClrMapping/>
@@ -1833,166 +2137,18 @@
           <a:p>
             <a:r>
               <a:rPr lang="en-US" dirty="0" smtClean="0"/>
-              <a:t>Two</a:t>
-            </a:r>
-            <a:r>
-              <a:rPr lang="en-US" baseline="0" dirty="0" smtClean="0"/>
-              <a:t> key-value stores:</a:t>
-            </a:r>
-          </a:p>
-          <a:p>
-            <a:pPr marL="171450" indent="-171450">
-              <a:buFontTx/>
-              <a:buChar char="-"/>
-            </a:pPr>
-            <a:r>
-              <a:rPr lang="en-US" baseline="0" dirty="0" err="1" smtClean="0"/>
-              <a:t>Aerospike</a:t>
-            </a:r>
-            <a:r>
-              <a:rPr lang="en-US" baseline="0" dirty="0" smtClean="0"/>
-              <a:t>:</a:t>
-            </a:r>
-          </a:p>
-          <a:p>
-            <a:pPr marL="0" indent="0">
-              <a:buFontTx/>
-              <a:buNone/>
-            </a:pPr>
-            <a:r>
-              <a:rPr lang="en-US" baseline="0" dirty="0" smtClean="0"/>
-              <a:t>In-memory </a:t>
-            </a:r>
-            <a:r>
-              <a:rPr lang="en-US" baseline="0" dirty="0" err="1" smtClean="0"/>
-              <a:t>NoSQL</a:t>
-            </a:r>
-            <a:r>
-              <a:rPr lang="en-US" baseline="0" dirty="0" smtClean="0"/>
-              <a:t> key-value store. Optimized for flash storage. Can achieve high throughput</a:t>
-            </a:r>
-          </a:p>
-          <a:p>
-            <a:pPr marL="171450" indent="-171450">
-              <a:buFontTx/>
-              <a:buChar char="-"/>
-            </a:pPr>
-            <a:r>
-              <a:rPr lang="en-US" baseline="0" dirty="0" smtClean="0"/>
-              <a:t>Cassandra:</a:t>
-            </a:r>
-            <a:endParaRPr lang="en-US" dirty="0" smtClean="0"/>
-          </a:p>
-          <a:p>
-            <a:endParaRPr lang="en-US" dirty="0" smtClean="0"/>
-          </a:p>
-          <a:p>
+              <a:t>Mention best </a:t>
+            </a:r>
             <a:r>
               <a:rPr lang="en-US" dirty="0" smtClean="0"/>
-              <a:t>How does YCSB work:</a:t>
+              <a:t>hardware</a:t>
             </a:r>
           </a:p>
           <a:p>
             <a:r>
               <a:rPr lang="en-US" dirty="0" smtClean="0"/>
-              <a:t>1) </a:t>
-            </a:r>
-          </a:p>
-          <a:p>
-            <a:r>
-              <a:rPr lang="en-US" dirty="0" smtClean="0"/>
-              <a:t>2) </a:t>
-            </a:r>
-          </a:p>
-          <a:p>
-            <a:r>
-              <a:rPr lang="en-US" dirty="0" smtClean="0"/>
-              <a:t>3) </a:t>
-            </a:r>
-          </a:p>
-          <a:p>
-            <a:endParaRPr lang="en-US" dirty="0" smtClean="0"/>
-          </a:p>
-          <a:p>
-            <a:r>
-              <a:rPr lang="en-US" dirty="0" smtClean="0"/>
-              <a:t>- YCSB</a:t>
-            </a:r>
-          </a:p>
-          <a:p>
-            <a:r>
-              <a:rPr lang="en-US" dirty="0" smtClean="0"/>
-              <a:t>Workloads</a:t>
-            </a:r>
-            <a:r>
-              <a:rPr lang="en-US" baseline="0" dirty="0" smtClean="0"/>
-              <a:t>:</a:t>
-            </a:r>
-          </a:p>
-          <a:p>
-            <a:pPr marL="228600" indent="-228600">
-              <a:buAutoNum type="arabicParenR"/>
-            </a:pPr>
-            <a:r>
-              <a:rPr lang="en-US" baseline="0" dirty="0" smtClean="0"/>
-              <a:t>A: </a:t>
-            </a:r>
-          </a:p>
-          <a:p>
-            <a:pPr marL="228600" indent="-228600">
-              <a:buAutoNum type="arabicParenR"/>
-            </a:pPr>
-            <a:r>
-              <a:rPr lang="en-US" baseline="0" dirty="0" smtClean="0"/>
-              <a:t>B: </a:t>
-            </a:r>
-          </a:p>
-          <a:p>
-            <a:pPr marL="228600" indent="-228600">
-              <a:buAutoNum type="arabicParenR"/>
-            </a:pPr>
-            <a:r>
-              <a:rPr lang="en-US" baseline="0" dirty="0" smtClean="0"/>
-              <a:t>C: </a:t>
-            </a:r>
-          </a:p>
-          <a:p>
-            <a:pPr marL="228600" indent="-228600">
-              <a:buAutoNum type="arabicParenR"/>
-            </a:pPr>
-            <a:r>
-              <a:rPr lang="en-US" baseline="0" dirty="0" smtClean="0"/>
-              <a:t>D: </a:t>
-            </a:r>
-          </a:p>
-          <a:p>
-            <a:pPr marL="228600" indent="-228600">
-              <a:buAutoNum type="arabicParenR"/>
-            </a:pPr>
-            <a:r>
-              <a:rPr lang="en-US" baseline="0" dirty="0" smtClean="0"/>
-              <a:t>E: </a:t>
-            </a:r>
-          </a:p>
-          <a:p>
-            <a:pPr marL="228600" indent="-228600">
-              <a:buAutoNum type="arabicParenR"/>
-            </a:pPr>
-            <a:r>
-              <a:rPr lang="en-US" baseline="0" dirty="0" smtClean="0"/>
-              <a:t>F: </a:t>
-            </a:r>
-          </a:p>
-          <a:p>
-            <a:pPr marL="228600" indent="-228600">
-              <a:buAutoNum type="arabicParenR"/>
-            </a:pPr>
-            <a:endParaRPr lang="en-US" baseline="0" dirty="0" smtClean="0"/>
-          </a:p>
-          <a:p>
-            <a:pPr marL="0" indent="0">
-              <a:buNone/>
-            </a:pPr>
+              <a:t>Remove ‘basic’</a:t>
+            </a:r>
             <a:endParaRPr lang="en-US" dirty="0"/>
           </a:p>
         </p:txBody>
@@ -2023,6 +2179,252 @@
     </p:spTree>
     <p:extLst>
       <p:ext uri="{BB962C8B-B14F-4D97-AF65-F5344CB8AC3E}">
+        <p14:creationId xmlns:p14="http://schemas.microsoft.com/office/powerpoint/2010/main" val="1381619385"/>
+      </p:ext>
+    </p:extLst>
+  </p:cSld>
+  <p:clrMapOvr>
+    <a:masterClrMapping/>
+  </p:clrMapOvr>
+</p:notes>
+</file>
+
+<file path=ppt/notesSlides/notesSlide16.xml><?xml version="1.0" encoding="utf-8"?>
+<p:notes xmlns:a="http://schemas.openxmlformats.org/drawingml/2006/main" xmlns:r="http://schemas.openxmlformats.org/officeDocument/2006/relationships" xmlns:p="http://schemas.openxmlformats.org/presentationml/2006/main">
+  <p:cSld>
+    <p:spTree>
+      <p:nvGrpSpPr>
+        <p:cNvPr id="1" name=""/>
+        <p:cNvGrpSpPr/>
+        <p:nvPr/>
+      </p:nvGrpSpPr>
+      <p:grpSpPr>
+        <a:xfrm>
+          <a:off x="0" y="0"/>
+          <a:ext cx="0" cy="0"/>
+          <a:chOff x="0" y="0"/>
+          <a:chExt cx="0" cy="0"/>
+        </a:xfrm>
+      </p:grpSpPr>
+      <p:sp>
+        <p:nvSpPr>
+          <p:cNvPr id="2" name="Slide Image Placeholder 1"/>
+          <p:cNvSpPr>
+            <a:spLocks noGrp="1" noRot="1" noChangeAspect="1"/>
+          </p:cNvSpPr>
+          <p:nvPr>
+            <p:ph type="sldImg"/>
+          </p:nvPr>
+        </p:nvSpPr>
+        <p:spPr/>
+      </p:sp>
+      <p:sp>
+        <p:nvSpPr>
+          <p:cNvPr id="3" name="Notes Placeholder 2"/>
+          <p:cNvSpPr>
+            <a:spLocks noGrp="1"/>
+          </p:cNvSpPr>
+          <p:nvPr>
+            <p:ph type="body" idx="1"/>
+          </p:nvPr>
+        </p:nvSpPr>
+        <p:spPr/>
+        <p:txBody>
+          <a:bodyPr/>
+          <a:lstStyle/>
+          <a:p>
+            <a:r>
+              <a:rPr lang="en-US" dirty="0" smtClean="0"/>
+              <a:t>Two</a:t>
+            </a:r>
+            <a:r>
+              <a:rPr lang="en-US" baseline="0" dirty="0" smtClean="0"/>
+              <a:t> key-value stores:</a:t>
+            </a:r>
+          </a:p>
+          <a:p>
+            <a:pPr marL="171450" indent="-171450">
+              <a:buFontTx/>
+              <a:buChar char="-"/>
+            </a:pPr>
+            <a:r>
+              <a:rPr lang="en-US" baseline="0" dirty="0" err="1" smtClean="0"/>
+              <a:t>Aerospike</a:t>
+            </a:r>
+            <a:r>
+              <a:rPr lang="en-US" baseline="0" dirty="0" smtClean="0"/>
+              <a:t>:</a:t>
+            </a:r>
+          </a:p>
+          <a:p>
+            <a:pPr marL="0" indent="0">
+              <a:buFontTx/>
+              <a:buNone/>
+            </a:pPr>
+            <a:r>
+              <a:rPr lang="en-US" baseline="0" dirty="0" smtClean="0"/>
+              <a:t>In-memory </a:t>
+            </a:r>
+            <a:r>
+              <a:rPr lang="en-US" baseline="0" dirty="0" err="1" smtClean="0"/>
+              <a:t>NoSQL</a:t>
+            </a:r>
+            <a:r>
+              <a:rPr lang="en-US" baseline="0" dirty="0" smtClean="0"/>
+              <a:t> key-value store. Optimized for flash storage. Can achieve high throughput</a:t>
+            </a:r>
+          </a:p>
+          <a:p>
+            <a:pPr marL="171450" indent="-171450">
+              <a:buFontTx/>
+              <a:buChar char="-"/>
+            </a:pPr>
+            <a:r>
+              <a:rPr lang="en-US" baseline="0" dirty="0" smtClean="0"/>
+              <a:t>Cassandra:</a:t>
+            </a:r>
+            <a:endParaRPr lang="en-US" dirty="0" smtClean="0"/>
+          </a:p>
+          <a:p>
+            <a:endParaRPr lang="en-US" dirty="0" smtClean="0"/>
+          </a:p>
+          <a:p>
+            <a:r>
+              <a:rPr lang="en-US" dirty="0" smtClean="0"/>
+              <a:t>How does YCSB work:</a:t>
+            </a:r>
+          </a:p>
+          <a:p>
+            <a:r>
+              <a:rPr lang="en-US" dirty="0" smtClean="0"/>
+              <a:t>1) </a:t>
+            </a:r>
+          </a:p>
+          <a:p>
+            <a:r>
+              <a:rPr lang="en-US" dirty="0" smtClean="0"/>
+              <a:t>2) </a:t>
+            </a:r>
+          </a:p>
+          <a:p>
+            <a:r>
+              <a:rPr lang="en-US" dirty="0" smtClean="0"/>
+              <a:t>3) </a:t>
+            </a:r>
+          </a:p>
+          <a:p>
+            <a:endParaRPr lang="en-US" dirty="0" smtClean="0"/>
+          </a:p>
+          <a:p>
+            <a:r>
+              <a:rPr lang="en-US" dirty="0" smtClean="0"/>
+              <a:t>- YCSB</a:t>
+            </a:r>
+          </a:p>
+          <a:p>
+            <a:r>
+              <a:rPr lang="en-US" dirty="0" smtClean="0"/>
+              <a:t>Workloads</a:t>
+            </a:r>
+            <a:r>
+              <a:rPr lang="en-US" baseline="0" dirty="0" smtClean="0"/>
+              <a:t>:</a:t>
+            </a:r>
+          </a:p>
+          <a:p>
+            <a:pPr marL="228600" indent="-228600">
+              <a:buAutoNum type="arabicParenR"/>
+            </a:pPr>
+            <a:r>
+              <a:rPr lang="en-US" baseline="0" dirty="0" smtClean="0"/>
+              <a:t>A: </a:t>
+            </a:r>
+          </a:p>
+          <a:p>
+            <a:pPr marL="228600" indent="-228600">
+              <a:buAutoNum type="arabicParenR"/>
+            </a:pPr>
+            <a:r>
+              <a:rPr lang="en-US" baseline="0" dirty="0" smtClean="0"/>
+              <a:t>B: </a:t>
+            </a:r>
+          </a:p>
+          <a:p>
+            <a:pPr marL="228600" indent="-228600">
+              <a:buAutoNum type="arabicParenR"/>
+            </a:pPr>
+            <a:r>
+              <a:rPr lang="en-US" baseline="0" dirty="0" smtClean="0"/>
+              <a:t>C: </a:t>
+            </a:r>
+          </a:p>
+          <a:p>
+            <a:pPr marL="228600" indent="-228600">
+              <a:buAutoNum type="arabicParenR"/>
+            </a:pPr>
+            <a:r>
+              <a:rPr lang="en-US" baseline="0" dirty="0" smtClean="0"/>
+              <a:t>D: </a:t>
+            </a:r>
+          </a:p>
+          <a:p>
+            <a:pPr marL="228600" indent="-228600">
+              <a:buAutoNum type="arabicParenR"/>
+            </a:pPr>
+            <a:r>
+              <a:rPr lang="en-US" baseline="0" dirty="0" smtClean="0"/>
+              <a:t>E: </a:t>
+            </a:r>
+          </a:p>
+          <a:p>
+            <a:pPr marL="228600" indent="-228600">
+              <a:buAutoNum type="arabicParenR"/>
+            </a:pPr>
+            <a:r>
+              <a:rPr lang="en-US" baseline="0" dirty="0" smtClean="0"/>
+              <a:t>F: </a:t>
+            </a:r>
+          </a:p>
+          <a:p>
+            <a:pPr marL="228600" indent="-228600">
+              <a:buAutoNum type="arabicParenR"/>
+            </a:pPr>
+            <a:endParaRPr lang="en-US" baseline="0" dirty="0" smtClean="0"/>
+          </a:p>
+          <a:p>
+            <a:pPr marL="0" indent="0">
+              <a:buNone/>
+            </a:pPr>
+            <a:endParaRPr lang="en-US" dirty="0"/>
+          </a:p>
+        </p:txBody>
+      </p:sp>
+      <p:sp>
+        <p:nvSpPr>
+          <p:cNvPr id="4" name="Slide Number Placeholder 3"/>
+          <p:cNvSpPr>
+            <a:spLocks noGrp="1"/>
+          </p:cNvSpPr>
+          <p:nvPr>
+            <p:ph type="sldNum" sz="quarter" idx="10"/>
+          </p:nvPr>
+        </p:nvSpPr>
+        <p:spPr/>
+        <p:txBody>
+          <a:bodyPr/>
+          <a:lstStyle/>
+          <a:p>
+            <a:fld id="{0E827EFA-5465-8D44-95A2-57B374621445}" type="slidenum">
+              <a:rPr lang="en-US" smtClean="0"/>
+              <a:t>16</a:t>
+            </a:fld>
+            <a:endParaRPr lang="en-US"/>
+          </a:p>
+        </p:txBody>
+      </p:sp>
+    </p:spTree>
+    <p:extLst>
+      <p:ext uri="{BB962C8B-B14F-4D97-AF65-F5344CB8AC3E}">
         <p14:creationId xmlns:p14="http://schemas.microsoft.com/office/powerpoint/2010/main" val="576484738"/>
       </p:ext>
     </p:extLst>
@@ -2033,7 +2435,7 @@
 </p:notes>
 </file>
 
-<file path=ppt/notesSlides/notesSlide16.xml><?xml version="1.0" encoding="utf-8"?>
+<file path=ppt/notesSlides/notesSlide17.xml><?xml version="1.0" encoding="utf-8"?>
 <p:notes xmlns:a="http://schemas.openxmlformats.org/drawingml/2006/main" xmlns:r="http://schemas.openxmlformats.org/officeDocument/2006/relationships" xmlns:p="http://schemas.openxmlformats.org/presentationml/2006/main" showMasterSp="0" showMasterPhAnim="0">
   <p:cSld>
     <p:spTree>
@@ -2232,7 +2634,7 @@
                 <a:cs typeface="Calibri"/>
                 <a:sym typeface="Calibri"/>
               </a:rPr>
-              <a:t>16</a:t>
+              <a:t>17</a:t>
             </a:fld>
             <a:endParaRPr lang="en-US" sz="1200" b="0" i="0" u="none" strike="noStrike" cap="none" baseline="0">
               <a:solidFill>
@@ -2254,7 +2656,7 @@
 </p:notes>
 </file>
 
-<file path=ppt/notesSlides/notesSlide17.xml><?xml version="1.0" encoding="utf-8"?>
+<file path=ppt/notesSlides/notesSlide18.xml><?xml version="1.0" encoding="utf-8"?>
 <p:notes xmlns:a="http://schemas.openxmlformats.org/drawingml/2006/main" xmlns:r="http://schemas.openxmlformats.org/officeDocument/2006/relationships" xmlns:p="http://schemas.openxmlformats.org/presentationml/2006/main" showMasterSp="0" showMasterPhAnim="0">
   <p:cSld>
     <p:spTree>
@@ -2365,7 +2767,7 @@
 </p:notes>
 </file>
 
-<file path=ppt/notesSlides/notesSlide18.xml><?xml version="1.0" encoding="utf-8"?>
+<file path=ppt/notesSlides/notesSlide19.xml><?xml version="1.0" encoding="utf-8"?>
 <p:notes xmlns:a="http://schemas.openxmlformats.org/drawingml/2006/main" xmlns:r="http://schemas.openxmlformats.org/officeDocument/2006/relationships" xmlns:p="http://schemas.openxmlformats.org/presentationml/2006/main" showMasterSp="0" showMasterPhAnim="0">
   <p:cSld>
     <p:spTree>
@@ -2525,141 +2927,6 @@
               <a:buNone/>
             </a:pPr>
             <a:endParaRPr/>
-          </a:p>
-        </p:txBody>
-      </p:sp>
-    </p:spTree>
-  </p:cSld>
-  <p:clrMapOvr>
-    <a:masterClrMapping/>
-  </p:clrMapOvr>
-</p:notes>
-</file>
-
-<file path=ppt/notesSlides/notesSlide19.xml><?xml version="1.0" encoding="utf-8"?>
-<p:notes xmlns:a="http://schemas.openxmlformats.org/drawingml/2006/main" xmlns:r="http://schemas.openxmlformats.org/officeDocument/2006/relationships" xmlns:p="http://schemas.openxmlformats.org/presentationml/2006/main" showMasterSp="0" showMasterPhAnim="0">
-  <p:cSld>
-    <p:spTree>
-      <p:nvGrpSpPr>
-        <p:cNvPr id="1" name="Shape 396"/>
-        <p:cNvGrpSpPr/>
-        <p:nvPr/>
-      </p:nvGrpSpPr>
-      <p:grpSpPr>
-        <a:xfrm>
-          <a:off x="0" y="0"/>
-          <a:ext cx="0" cy="0"/>
-          <a:chOff x="0" y="0"/>
-          <a:chExt cx="0" cy="0"/>
-        </a:xfrm>
-      </p:grpSpPr>
-      <p:sp>
-        <p:nvSpPr>
-          <p:cNvPr id="397" name="Shape 397"/>
-          <p:cNvSpPr>
-            <a:spLocks noGrp="1" noRot="1" noChangeAspect="1"/>
-          </p:cNvSpPr>
-          <p:nvPr>
-            <p:ph type="sldImg" idx="2"/>
-          </p:nvPr>
-        </p:nvSpPr>
-        <p:spPr>
-          <a:xfrm>
-            <a:off x="1143000" y="685800"/>
-            <a:ext cx="4572000" cy="3429000"/>
-          </a:xfrm>
-          <a:custGeom>
-            <a:avLst/>
-            <a:gdLst/>
-            <a:ahLst/>
-            <a:cxnLst/>
-            <a:rect l="0" t="0" r="0" b="0"/>
-            <a:pathLst>
-              <a:path w="120000" h="120000" extrusionOk="0">
-                <a:moveTo>
-                  <a:pt x="0" y="0"/>
-                </a:moveTo>
-                <a:lnTo>
-                  <a:pt x="120000" y="0"/>
-                </a:lnTo>
-                <a:lnTo>
-                  <a:pt x="120000" y="120000"/>
-                </a:lnTo>
-                <a:lnTo>
-                  <a:pt x="0" y="120000"/>
-                </a:lnTo>
-                <a:close/>
-              </a:path>
-            </a:pathLst>
-          </a:custGeom>
-          <a:noFill/>
-          <a:ln w="9525" cap="flat">
-            <a:solidFill>
-              <a:srgbClr val="000000"/>
-            </a:solidFill>
-            <a:prstDash val="solid"/>
-            <a:round/>
-            <a:headEnd type="none" w="med" len="med"/>
-            <a:tailEnd type="none" w="med" len="med"/>
-          </a:ln>
-        </p:spPr>
-      </p:sp>
-      <p:sp>
-        <p:nvSpPr>
-          <p:cNvPr id="398" name="Shape 398"/>
-          <p:cNvSpPr txBox="1">
-            <a:spLocks noGrp="1"/>
-          </p:cNvSpPr>
-          <p:nvPr>
-            <p:ph type="body" idx="1"/>
-          </p:nvPr>
-        </p:nvSpPr>
-        <p:spPr>
-          <a:xfrm>
-            <a:off x="685800" y="4343400"/>
-            <a:ext cx="5486399" cy="4114800"/>
-          </a:xfrm>
-          <a:prstGeom prst="rect">
-            <a:avLst/>
-          </a:prstGeom>
-        </p:spPr>
-        <p:txBody>
-          <a:bodyPr lIns="91425" tIns="91425" rIns="91425" bIns="91425" anchor="ctr" anchorCtr="0">
-            <a:noAutofit/>
-          </a:bodyPr>
-          <a:lstStyle/>
-          <a:p>
-            <a:pPr lvl="0" rtl="0">
-              <a:spcBef>
-                <a:spcPts val="0"/>
-              </a:spcBef>
-              <a:buNone/>
-            </a:pPr>
-            <a:r>
-              <a:rPr lang="en-US"/>
-              <a:t>This experiment is designed less for low latency or high query rate than it was to take advantage of disk bandwidth. You can see the PCIe SSD interface is roughly 25 % in this experiment. In this case, the Solr index is large (~30 GB a shard). It can fit in memory but suffers from high GC activity that kill latency performance. </a:t>
-            </a:r>
-          </a:p>
-          <a:p>
-            <a:pPr lvl="0" rtl="0">
-              <a:spcBef>
-                <a:spcPts val="0"/>
-              </a:spcBef>
-              <a:buNone/>
-            </a:pPr>
-            <a:endParaRPr/>
-          </a:p>
-          <a:p>
-            <a:pPr lvl="0" rtl="0">
-              <a:spcBef>
-                <a:spcPts val="0"/>
-              </a:spcBef>
-              <a:buNone/>
-            </a:pPr>
-            <a:r>
-              <a:rPr lang="en-US"/>
-              <a:t>What happens if attempt to keep search index on disk, rather than load it into memory...</a:t>
-            </a:r>
           </a:p>
         </p:txBody>
       </p:sp>
@@ -2897,7 +3164,7 @@
   <p:cSld>
     <p:spTree>
       <p:nvGrpSpPr>
-        <p:cNvPr id="1" name="Shape 385"/>
+        <p:cNvPr id="1" name="Shape 396"/>
         <p:cNvGrpSpPr/>
         <p:nvPr/>
       </p:nvGrpSpPr>
@@ -2911,7 +3178,7 @@
       </p:grpSpPr>
       <p:sp>
         <p:nvSpPr>
-          <p:cNvPr id="386" name="Shape 386"/>
+          <p:cNvPr id="397" name="Shape 397"/>
           <p:cNvSpPr>
             <a:spLocks noGrp="1" noRot="1" noChangeAspect="1"/>
           </p:cNvSpPr>
@@ -2962,7 +3229,7 @@
       </p:sp>
       <p:sp>
         <p:nvSpPr>
-          <p:cNvPr id="387" name="Shape 387"/>
+          <p:cNvPr id="398" name="Shape 398"/>
           <p:cNvSpPr txBox="1">
             <a:spLocks noGrp="1"/>
           </p:cNvSpPr>
@@ -2985,13 +3252,37 @@
           </a:bodyPr>
           <a:lstStyle/>
           <a:p>
-            <a:pPr>
+            <a:pPr lvl="0" rtl="0">
+              <a:spcBef>
+                <a:spcPts val="0"/>
+              </a:spcBef>
+              <a:buNone/>
+            </a:pPr>
+            <a:r>
+              <a:rPr lang="en-US"/>
+              <a:t>This experiment is designed less for low latency or high query rate than it was to take advantage of disk bandwidth. You can see the PCIe SSD interface is roughly 25 % in this experiment. In this case, the Solr index is large (~30 GB a shard). It can fit in memory but suffers from high GC activity that kill latency performance. </a:t>
+            </a:r>
+          </a:p>
+          <a:p>
+            <a:pPr lvl="0" rtl="0">
               <a:spcBef>
                 <a:spcPts val="0"/>
               </a:spcBef>
               <a:buNone/>
             </a:pPr>
             <a:endParaRPr/>
+          </a:p>
+          <a:p>
+            <a:pPr lvl="0" rtl="0">
+              <a:spcBef>
+                <a:spcPts val="0"/>
+              </a:spcBef>
+              <a:buNone/>
+            </a:pPr>
+            <a:r>
+              <a:rPr lang="en-US"/>
+              <a:t>What happens if attempt to keep search index on disk, rather than load it into memory...</a:t>
+            </a:r>
           </a:p>
         </p:txBody>
       </p:sp>
@@ -3004,6 +3295,117 @@
 </file>
 
 <file path=ppt/notesSlides/notesSlide21.xml><?xml version="1.0" encoding="utf-8"?>
+<p:notes xmlns:a="http://schemas.openxmlformats.org/drawingml/2006/main" xmlns:r="http://schemas.openxmlformats.org/officeDocument/2006/relationships" xmlns:p="http://schemas.openxmlformats.org/presentationml/2006/main" showMasterSp="0" showMasterPhAnim="0">
+  <p:cSld>
+    <p:spTree>
+      <p:nvGrpSpPr>
+        <p:cNvPr id="1" name="Shape 385"/>
+        <p:cNvGrpSpPr/>
+        <p:nvPr/>
+      </p:nvGrpSpPr>
+      <p:grpSpPr>
+        <a:xfrm>
+          <a:off x="0" y="0"/>
+          <a:ext cx="0" cy="0"/>
+          <a:chOff x="0" y="0"/>
+          <a:chExt cx="0" cy="0"/>
+        </a:xfrm>
+      </p:grpSpPr>
+      <p:sp>
+        <p:nvSpPr>
+          <p:cNvPr id="386" name="Shape 386"/>
+          <p:cNvSpPr>
+            <a:spLocks noGrp="1" noRot="1" noChangeAspect="1"/>
+          </p:cNvSpPr>
+          <p:nvPr>
+            <p:ph type="sldImg" idx="2"/>
+          </p:nvPr>
+        </p:nvSpPr>
+        <p:spPr>
+          <a:xfrm>
+            <a:off x="1143000" y="685800"/>
+            <a:ext cx="4572000" cy="3429000"/>
+          </a:xfrm>
+          <a:custGeom>
+            <a:avLst/>
+            <a:gdLst/>
+            <a:ahLst/>
+            <a:cxnLst/>
+            <a:rect l="0" t="0" r="0" b="0"/>
+            <a:pathLst>
+              <a:path w="120000" h="120000" extrusionOk="0">
+                <a:moveTo>
+                  <a:pt x="0" y="0"/>
+                </a:moveTo>
+                <a:lnTo>
+                  <a:pt x="120000" y="0"/>
+                </a:lnTo>
+                <a:lnTo>
+                  <a:pt x="120000" y="120000"/>
+                </a:lnTo>
+                <a:lnTo>
+                  <a:pt x="0" y="120000"/>
+                </a:lnTo>
+                <a:close/>
+              </a:path>
+            </a:pathLst>
+          </a:custGeom>
+          <a:noFill/>
+          <a:ln w="9525" cap="flat">
+            <a:solidFill>
+              <a:srgbClr val="000000"/>
+            </a:solidFill>
+            <a:prstDash val="solid"/>
+            <a:round/>
+            <a:headEnd type="none" w="med" len="med"/>
+            <a:tailEnd type="none" w="med" len="med"/>
+          </a:ln>
+        </p:spPr>
+      </p:sp>
+      <p:sp>
+        <p:nvSpPr>
+          <p:cNvPr id="387" name="Shape 387"/>
+          <p:cNvSpPr txBox="1">
+            <a:spLocks noGrp="1"/>
+          </p:cNvSpPr>
+          <p:nvPr>
+            <p:ph type="body" idx="1"/>
+          </p:nvPr>
+        </p:nvSpPr>
+        <p:spPr>
+          <a:xfrm>
+            <a:off x="685800" y="4343400"/>
+            <a:ext cx="5486399" cy="4114800"/>
+          </a:xfrm>
+          <a:prstGeom prst="rect">
+            <a:avLst/>
+          </a:prstGeom>
+        </p:spPr>
+        <p:txBody>
+          <a:bodyPr lIns="91425" tIns="91425" rIns="91425" bIns="91425" anchor="ctr" anchorCtr="0">
+            <a:noAutofit/>
+          </a:bodyPr>
+          <a:lstStyle/>
+          <a:p>
+            <a:pPr>
+              <a:spcBef>
+                <a:spcPts val="0"/>
+              </a:spcBef>
+              <a:buNone/>
+            </a:pPr>
+            <a:endParaRPr/>
+          </a:p>
+        </p:txBody>
+      </p:sp>
+    </p:spTree>
+  </p:cSld>
+  <p:clrMapOvr>
+    <a:masterClrMapping/>
+  </p:clrMapOvr>
+</p:notes>
+</file>
+
+<file path=ppt/notesSlides/notesSlide22.xml><?xml version="1.0" encoding="utf-8"?>
 <p:notes xmlns:a="http://schemas.openxmlformats.org/drawingml/2006/main" xmlns:r="http://schemas.openxmlformats.org/officeDocument/2006/relationships" xmlns:p="http://schemas.openxmlformats.org/presentationml/2006/main" showMasterSp="0" showMasterPhAnim="0">
   <p:cSld>
     <p:spTree>
@@ -3202,7 +3604,7 @@
                 <a:cs typeface="Calibri"/>
                 <a:sym typeface="Calibri"/>
               </a:rPr>
-              <a:t>21</a:t>
+              <a:t>22</a:t>
             </a:fld>
             <a:endParaRPr lang="en-US" sz="1200" b="0" i="0" u="none" strike="noStrike" cap="none" baseline="0">
               <a:solidFill>
@@ -3224,7 +3626,7 @@
 </p:notes>
 </file>
 
-<file path=ppt/notesSlides/notesSlide22.xml><?xml version="1.0" encoding="utf-8"?>
+<file path=ppt/notesSlides/notesSlide23.xml><?xml version="1.0" encoding="utf-8"?>
 <p:notes xmlns:a="http://schemas.openxmlformats.org/drawingml/2006/main" xmlns:r="http://schemas.openxmlformats.org/officeDocument/2006/relationships" xmlns:p="http://schemas.openxmlformats.org/presentationml/2006/main" showMasterSp="0" showMasterPhAnim="0">
   <p:cSld>
     <p:spTree>
@@ -3463,7 +3865,7 @@
                 <a:cs typeface="Calibri"/>
                 <a:sym typeface="Calibri"/>
               </a:rPr>
-              <a:t>22</a:t>
+              <a:t>23</a:t>
             </a:fld>
             <a:endParaRPr lang="en-US" sz="1200" b="0" i="0" u="none" strike="noStrike" cap="none" baseline="0">
               <a:solidFill>
@@ -3485,7 +3887,7 @@
 </p:notes>
 </file>
 
-<file path=ppt/notesSlides/notesSlide23.xml><?xml version="1.0" encoding="utf-8"?>
+<file path=ppt/notesSlides/notesSlide24.xml><?xml version="1.0" encoding="utf-8"?>
 <p:notes xmlns:a="http://schemas.openxmlformats.org/drawingml/2006/main" xmlns:r="http://schemas.openxmlformats.org/officeDocument/2006/relationships" xmlns:p="http://schemas.openxmlformats.org/presentationml/2006/main" showMasterSp="0" showMasterPhAnim="0">
   <p:cSld>
     <p:spTree>
@@ -3596,7 +3998,7 @@
 </p:notes>
 </file>
 
-<file path=ppt/notesSlides/notesSlide24.xml><?xml version="1.0" encoding="utf-8"?>
+<file path=ppt/notesSlides/notesSlide25.xml><?xml version="1.0" encoding="utf-8"?>
 <p:notes xmlns:a="http://schemas.openxmlformats.org/drawingml/2006/main" xmlns:r="http://schemas.openxmlformats.org/officeDocument/2006/relationships" xmlns:p="http://schemas.openxmlformats.org/presentationml/2006/main" showMasterSp="0" showMasterPhAnim="0">
   <p:cSld>
     <p:spTree>
@@ -3707,7 +4109,7 @@
 </p:notes>
 </file>
 
-<file path=ppt/notesSlides/notesSlide25.xml><?xml version="1.0" encoding="utf-8"?>
+<file path=ppt/notesSlides/notesSlide26.xml><?xml version="1.0" encoding="utf-8"?>
 <p:notes xmlns:a="http://schemas.openxmlformats.org/drawingml/2006/main" xmlns:r="http://schemas.openxmlformats.org/officeDocument/2006/relationships" xmlns:p="http://schemas.openxmlformats.org/presentationml/2006/main" showMasterSp="0" showMasterPhAnim="0">
   <p:cSld>
     <p:spTree>
@@ -3818,7 +4220,7 @@
 </p:notes>
 </file>
 
-<file path=ppt/notesSlides/notesSlide26.xml><?xml version="1.0" encoding="utf-8"?>
+<file path=ppt/notesSlides/notesSlide27.xml><?xml version="1.0" encoding="utf-8"?>
 <p:notes xmlns:a="http://schemas.openxmlformats.org/drawingml/2006/main" xmlns:r="http://schemas.openxmlformats.org/officeDocument/2006/relationships" xmlns:p="http://schemas.openxmlformats.org/presentationml/2006/main" showMasterSp="0" showMasterPhAnim="0">
   <p:cSld>
     <p:spTree>
@@ -3929,7 +4331,7 @@
 </p:notes>
 </file>
 
-<file path=ppt/notesSlides/notesSlide27.xml><?xml version="1.0" encoding="utf-8"?>
+<file path=ppt/notesSlides/notesSlide28.xml><?xml version="1.0" encoding="utf-8"?>
 <p:notes xmlns:a="http://schemas.openxmlformats.org/drawingml/2006/main" xmlns:r="http://schemas.openxmlformats.org/officeDocument/2006/relationships" xmlns:p="http://schemas.openxmlformats.org/presentationml/2006/main" showMasterSp="0" showMasterPhAnim="0">
   <p:cSld>
     <p:spTree>
@@ -4040,7 +4442,7 @@
 </p:notes>
 </file>
 
-<file path=ppt/notesSlides/notesSlide28.xml><?xml version="1.0" encoding="utf-8"?>
+<file path=ppt/notesSlides/notesSlide29.xml><?xml version="1.0" encoding="utf-8"?>
 <p:notes xmlns:a="http://schemas.openxmlformats.org/drawingml/2006/main" xmlns:r="http://schemas.openxmlformats.org/officeDocument/2006/relationships" xmlns:p="http://schemas.openxmlformats.org/presentationml/2006/main" showMasterSp="0" showMasterPhAnim="0">
   <p:cSld>
     <p:spTree>
@@ -4217,248 +4619,6 @@
       <p:sp>
         <p:nvSpPr>
           <p:cNvPr id="455" name="Shape 455"/>
-          <p:cNvSpPr txBox="1">
-            <a:spLocks noGrp="1"/>
-          </p:cNvSpPr>
-          <p:nvPr>
-            <p:ph type="sldNum" idx="12"/>
-          </p:nvPr>
-        </p:nvSpPr>
-        <p:spPr>
-          <a:xfrm>
-            <a:off x="3884612" y="8685213"/>
-            <a:ext cx="2971799" cy="457200"/>
-          </a:xfrm>
-          <a:prstGeom prst="rect">
-            <a:avLst/>
-          </a:prstGeom>
-          <a:noFill/>
-          <a:ln>
-            <a:noFill/>
-          </a:ln>
-        </p:spPr>
-        <p:txBody>
-          <a:bodyPr lIns="91425" tIns="45700" rIns="91425" bIns="45700" anchor="b" anchorCtr="0">
-            <a:noAutofit/>
-          </a:bodyPr>
-          <a:lstStyle/>
-          <a:p>
-            <a:pPr marL="0" marR="0" lvl="0" indent="0" algn="r" rtl="0">
-              <a:spcBef>
-                <a:spcPts val="0"/>
-              </a:spcBef>
-              <a:buSzPct val="25000"/>
-              <a:buNone/>
-            </a:pPr>
-            <a:fld id="{00000000-1234-1234-1234-123412341234}" type="slidenum">
-              <a:rPr lang="en-US" sz="1200" b="0" i="0" u="none" strike="noStrike" cap="none" baseline="0">
-                <a:solidFill>
-                  <a:schemeClr val="dk1"/>
-                </a:solidFill>
-                <a:latin typeface="Calibri"/>
-                <a:ea typeface="Calibri"/>
-                <a:cs typeface="Calibri"/>
-                <a:sym typeface="Calibri"/>
-              </a:rPr>
-              <a:t>28</a:t>
-            </a:fld>
-            <a:endParaRPr lang="en-US" sz="1200" b="0" i="0" u="none" strike="noStrike" cap="none" baseline="0">
-              <a:solidFill>
-                <a:schemeClr val="dk1"/>
-              </a:solidFill>
-              <a:latin typeface="Calibri"/>
-              <a:ea typeface="Calibri"/>
-              <a:cs typeface="Calibri"/>
-              <a:sym typeface="Calibri"/>
-            </a:endParaRPr>
-          </a:p>
-        </p:txBody>
-      </p:sp>
-    </p:spTree>
-  </p:cSld>
-  <p:clrMapOvr>
-    <a:masterClrMapping/>
-  </p:clrMapOvr>
-</p:notes>
-</file>
-
-<file path=ppt/notesSlides/notesSlide29.xml><?xml version="1.0" encoding="utf-8"?>
-<p:notes xmlns:a="http://schemas.openxmlformats.org/drawingml/2006/main" xmlns:r="http://schemas.openxmlformats.org/officeDocument/2006/relationships" xmlns:p="http://schemas.openxmlformats.org/presentationml/2006/main" showMasterSp="0" showMasterPhAnim="0">
-  <p:cSld>
-    <p:spTree>
-      <p:nvGrpSpPr>
-        <p:cNvPr id="1" name="Shape 459"/>
-        <p:cNvGrpSpPr/>
-        <p:nvPr/>
-      </p:nvGrpSpPr>
-      <p:grpSpPr>
-        <a:xfrm>
-          <a:off x="0" y="0"/>
-          <a:ext cx="0" cy="0"/>
-          <a:chOff x="0" y="0"/>
-          <a:chExt cx="0" cy="0"/>
-        </a:xfrm>
-      </p:grpSpPr>
-      <p:sp>
-        <p:nvSpPr>
-          <p:cNvPr id="460" name="Shape 460"/>
-          <p:cNvSpPr>
-            <a:spLocks noGrp="1" noRot="1" noChangeAspect="1"/>
-          </p:cNvSpPr>
-          <p:nvPr>
-            <p:ph type="sldImg" idx="2"/>
-          </p:nvPr>
-        </p:nvSpPr>
-        <p:spPr>
-          <a:xfrm>
-            <a:off x="1143000" y="685800"/>
-            <a:ext cx="4572000" cy="3429000"/>
-          </a:xfrm>
-          <a:custGeom>
-            <a:avLst/>
-            <a:gdLst/>
-            <a:ahLst/>
-            <a:cxnLst/>
-            <a:rect l="0" t="0" r="0" b="0"/>
-            <a:pathLst>
-              <a:path w="120000" h="120000" extrusionOk="0">
-                <a:moveTo>
-                  <a:pt x="0" y="0"/>
-                </a:moveTo>
-                <a:lnTo>
-                  <a:pt x="120000" y="0"/>
-                </a:lnTo>
-                <a:lnTo>
-                  <a:pt x="120000" y="120000"/>
-                </a:lnTo>
-                <a:lnTo>
-                  <a:pt x="0" y="120000"/>
-                </a:lnTo>
-                <a:close/>
-              </a:path>
-            </a:pathLst>
-          </a:custGeom>
-          <a:noFill/>
-          <a:ln w="12700" cap="flat">
-            <a:solidFill>
-              <a:srgbClr val="000000"/>
-            </a:solidFill>
-            <a:prstDash val="solid"/>
-            <a:round/>
-            <a:headEnd type="none" w="med" len="med"/>
-            <a:tailEnd type="none" w="med" len="med"/>
-          </a:ln>
-        </p:spPr>
-      </p:sp>
-      <p:sp>
-        <p:nvSpPr>
-          <p:cNvPr id="461" name="Shape 461"/>
-          <p:cNvSpPr txBox="1">
-            <a:spLocks noGrp="1"/>
-          </p:cNvSpPr>
-          <p:nvPr>
-            <p:ph type="body" idx="1"/>
-          </p:nvPr>
-        </p:nvSpPr>
-        <p:spPr>
-          <a:xfrm>
-            <a:off x="685800" y="4343400"/>
-            <a:ext cx="5486399" cy="4114800"/>
-          </a:xfrm>
-          <a:prstGeom prst="rect">
-            <a:avLst/>
-          </a:prstGeom>
-          <a:noFill/>
-          <a:ln>
-            <a:noFill/>
-          </a:ln>
-        </p:spPr>
-        <p:txBody>
-          <a:bodyPr lIns="91425" tIns="45700" rIns="91425" bIns="45700" anchor="t" anchorCtr="0">
-            <a:noAutofit/>
-          </a:bodyPr>
-          <a:lstStyle/>
-          <a:p>
-            <a:pPr marL="0" marR="0" lvl="0" indent="0" algn="l" rtl="0">
-              <a:spcBef>
-                <a:spcPts val="0"/>
-              </a:spcBef>
-              <a:buSzPct val="25000"/>
-              <a:buNone/>
-            </a:pPr>
-            <a:r>
-              <a:rPr lang="en-US" sz="1200" b="0" i="0" u="none" strike="noStrike" cap="none" baseline="0">
-                <a:solidFill>
-                  <a:schemeClr val="dk1"/>
-                </a:solidFill>
-                <a:latin typeface="Calibri"/>
-                <a:ea typeface="Calibri"/>
-                <a:cs typeface="Calibri"/>
-                <a:sym typeface="Calibri"/>
-              </a:rPr>
-              <a:t>Raw benchmark of Firebox Network</a:t>
-            </a:r>
-          </a:p>
-          <a:p>
-            <a:pPr marL="0" marR="0" lvl="0" indent="0" algn="l" rtl="0">
-              <a:spcBef>
-                <a:spcPts val="0"/>
-              </a:spcBef>
-              <a:buNone/>
-            </a:pPr>
-            <a:endParaRPr sz="1200" b="0" i="0" u="none" strike="noStrike" cap="none" baseline="0">
-              <a:solidFill>
-                <a:schemeClr val="dk1"/>
-              </a:solidFill>
-              <a:latin typeface="Calibri"/>
-              <a:ea typeface="Calibri"/>
-              <a:cs typeface="Calibri"/>
-              <a:sym typeface="Calibri"/>
-            </a:endParaRPr>
-          </a:p>
-          <a:p>
-            <a:pPr marL="0" marR="0" lvl="0" indent="0" algn="l" rtl="0">
-              <a:spcBef>
-                <a:spcPts val="0"/>
-              </a:spcBef>
-              <a:buSzPct val="25000"/>
-              <a:buNone/>
-            </a:pPr>
-            <a:r>
-              <a:rPr lang="en-US" sz="1200" b="0" i="0" u="none" strike="noStrike" cap="none" baseline="0">
-                <a:solidFill>
-                  <a:schemeClr val="dk1"/>
-                </a:solidFill>
-                <a:latin typeface="Calibri"/>
-                <a:ea typeface="Calibri"/>
-                <a:cs typeface="Calibri"/>
-                <a:sym typeface="Calibri"/>
-              </a:rPr>
-              <a:t>TODO:</a:t>
-            </a:r>
-          </a:p>
-          <a:p>
-            <a:pPr marL="0" marR="0" lvl="0" indent="0" algn="l" rtl="0">
-              <a:spcBef>
-                <a:spcPts val="0"/>
-              </a:spcBef>
-              <a:buNone/>
-            </a:pPr>
-            <a:endParaRPr sz="1200" b="0" i="0" u="none" strike="noStrike" cap="none" baseline="0">
-              <a:solidFill>
-                <a:schemeClr val="dk1"/>
-              </a:solidFill>
-              <a:latin typeface="Calibri"/>
-              <a:ea typeface="Calibri"/>
-              <a:cs typeface="Calibri"/>
-              <a:sym typeface="Calibri"/>
-            </a:endParaRPr>
-          </a:p>
-        </p:txBody>
-      </p:sp>
-      <p:sp>
-        <p:nvSpPr>
-          <p:cNvPr id="462" name="Shape 462"/>
           <p:cNvSpPr txBox="1">
             <a:spLocks noGrp="1"/>
           </p:cNvSpPr>
@@ -4770,6 +4930,248 @@
                 <a:sym typeface="Calibri"/>
               </a:rPr>
               <a:t>3</a:t>
+            </a:fld>
+            <a:endParaRPr lang="en-US" sz="1200" b="0" i="0" u="none" strike="noStrike" cap="none" baseline="0">
+              <a:solidFill>
+                <a:schemeClr val="dk1"/>
+              </a:solidFill>
+              <a:latin typeface="Calibri"/>
+              <a:ea typeface="Calibri"/>
+              <a:cs typeface="Calibri"/>
+              <a:sym typeface="Calibri"/>
+            </a:endParaRPr>
+          </a:p>
+        </p:txBody>
+      </p:sp>
+    </p:spTree>
+  </p:cSld>
+  <p:clrMapOvr>
+    <a:masterClrMapping/>
+  </p:clrMapOvr>
+</p:notes>
+</file>
+
+<file path=ppt/notesSlides/notesSlide30.xml><?xml version="1.0" encoding="utf-8"?>
+<p:notes xmlns:a="http://schemas.openxmlformats.org/drawingml/2006/main" xmlns:r="http://schemas.openxmlformats.org/officeDocument/2006/relationships" xmlns:p="http://schemas.openxmlformats.org/presentationml/2006/main" showMasterSp="0" showMasterPhAnim="0">
+  <p:cSld>
+    <p:spTree>
+      <p:nvGrpSpPr>
+        <p:cNvPr id="1" name="Shape 459"/>
+        <p:cNvGrpSpPr/>
+        <p:nvPr/>
+      </p:nvGrpSpPr>
+      <p:grpSpPr>
+        <a:xfrm>
+          <a:off x="0" y="0"/>
+          <a:ext cx="0" cy="0"/>
+          <a:chOff x="0" y="0"/>
+          <a:chExt cx="0" cy="0"/>
+        </a:xfrm>
+      </p:grpSpPr>
+      <p:sp>
+        <p:nvSpPr>
+          <p:cNvPr id="460" name="Shape 460"/>
+          <p:cNvSpPr>
+            <a:spLocks noGrp="1" noRot="1" noChangeAspect="1"/>
+          </p:cNvSpPr>
+          <p:nvPr>
+            <p:ph type="sldImg" idx="2"/>
+          </p:nvPr>
+        </p:nvSpPr>
+        <p:spPr>
+          <a:xfrm>
+            <a:off x="1143000" y="685800"/>
+            <a:ext cx="4572000" cy="3429000"/>
+          </a:xfrm>
+          <a:custGeom>
+            <a:avLst/>
+            <a:gdLst/>
+            <a:ahLst/>
+            <a:cxnLst/>
+            <a:rect l="0" t="0" r="0" b="0"/>
+            <a:pathLst>
+              <a:path w="120000" h="120000" extrusionOk="0">
+                <a:moveTo>
+                  <a:pt x="0" y="0"/>
+                </a:moveTo>
+                <a:lnTo>
+                  <a:pt x="120000" y="0"/>
+                </a:lnTo>
+                <a:lnTo>
+                  <a:pt x="120000" y="120000"/>
+                </a:lnTo>
+                <a:lnTo>
+                  <a:pt x="0" y="120000"/>
+                </a:lnTo>
+                <a:close/>
+              </a:path>
+            </a:pathLst>
+          </a:custGeom>
+          <a:noFill/>
+          <a:ln w="12700" cap="flat">
+            <a:solidFill>
+              <a:srgbClr val="000000"/>
+            </a:solidFill>
+            <a:prstDash val="solid"/>
+            <a:round/>
+            <a:headEnd type="none" w="med" len="med"/>
+            <a:tailEnd type="none" w="med" len="med"/>
+          </a:ln>
+        </p:spPr>
+      </p:sp>
+      <p:sp>
+        <p:nvSpPr>
+          <p:cNvPr id="461" name="Shape 461"/>
+          <p:cNvSpPr txBox="1">
+            <a:spLocks noGrp="1"/>
+          </p:cNvSpPr>
+          <p:nvPr>
+            <p:ph type="body" idx="1"/>
+          </p:nvPr>
+        </p:nvSpPr>
+        <p:spPr>
+          <a:xfrm>
+            <a:off x="685800" y="4343400"/>
+            <a:ext cx="5486399" cy="4114800"/>
+          </a:xfrm>
+          <a:prstGeom prst="rect">
+            <a:avLst/>
+          </a:prstGeom>
+          <a:noFill/>
+          <a:ln>
+            <a:noFill/>
+          </a:ln>
+        </p:spPr>
+        <p:txBody>
+          <a:bodyPr lIns="91425" tIns="45700" rIns="91425" bIns="45700" anchor="t" anchorCtr="0">
+            <a:noAutofit/>
+          </a:bodyPr>
+          <a:lstStyle/>
+          <a:p>
+            <a:pPr marL="0" marR="0" lvl="0" indent="0" algn="l" rtl="0">
+              <a:spcBef>
+                <a:spcPts val="0"/>
+              </a:spcBef>
+              <a:buSzPct val="25000"/>
+              <a:buNone/>
+            </a:pPr>
+            <a:r>
+              <a:rPr lang="en-US" sz="1200" b="0" i="0" u="none" strike="noStrike" cap="none" baseline="0">
+                <a:solidFill>
+                  <a:schemeClr val="dk1"/>
+                </a:solidFill>
+                <a:latin typeface="Calibri"/>
+                <a:ea typeface="Calibri"/>
+                <a:cs typeface="Calibri"/>
+                <a:sym typeface="Calibri"/>
+              </a:rPr>
+              <a:t>Raw benchmark of Firebox Network</a:t>
+            </a:r>
+          </a:p>
+          <a:p>
+            <a:pPr marL="0" marR="0" lvl="0" indent="0" algn="l" rtl="0">
+              <a:spcBef>
+                <a:spcPts val="0"/>
+              </a:spcBef>
+              <a:buNone/>
+            </a:pPr>
+            <a:endParaRPr sz="1200" b="0" i="0" u="none" strike="noStrike" cap="none" baseline="0">
+              <a:solidFill>
+                <a:schemeClr val="dk1"/>
+              </a:solidFill>
+              <a:latin typeface="Calibri"/>
+              <a:ea typeface="Calibri"/>
+              <a:cs typeface="Calibri"/>
+              <a:sym typeface="Calibri"/>
+            </a:endParaRPr>
+          </a:p>
+          <a:p>
+            <a:pPr marL="0" marR="0" lvl="0" indent="0" algn="l" rtl="0">
+              <a:spcBef>
+                <a:spcPts val="0"/>
+              </a:spcBef>
+              <a:buSzPct val="25000"/>
+              <a:buNone/>
+            </a:pPr>
+            <a:r>
+              <a:rPr lang="en-US" sz="1200" b="0" i="0" u="none" strike="noStrike" cap="none" baseline="0">
+                <a:solidFill>
+                  <a:schemeClr val="dk1"/>
+                </a:solidFill>
+                <a:latin typeface="Calibri"/>
+                <a:ea typeface="Calibri"/>
+                <a:cs typeface="Calibri"/>
+                <a:sym typeface="Calibri"/>
+              </a:rPr>
+              <a:t>TODO:</a:t>
+            </a:r>
+          </a:p>
+          <a:p>
+            <a:pPr marL="0" marR="0" lvl="0" indent="0" algn="l" rtl="0">
+              <a:spcBef>
+                <a:spcPts val="0"/>
+              </a:spcBef>
+              <a:buNone/>
+            </a:pPr>
+            <a:endParaRPr sz="1200" b="0" i="0" u="none" strike="noStrike" cap="none" baseline="0">
+              <a:solidFill>
+                <a:schemeClr val="dk1"/>
+              </a:solidFill>
+              <a:latin typeface="Calibri"/>
+              <a:ea typeface="Calibri"/>
+              <a:cs typeface="Calibri"/>
+              <a:sym typeface="Calibri"/>
+            </a:endParaRPr>
+          </a:p>
+        </p:txBody>
+      </p:sp>
+      <p:sp>
+        <p:nvSpPr>
+          <p:cNvPr id="462" name="Shape 462"/>
+          <p:cNvSpPr txBox="1">
+            <a:spLocks noGrp="1"/>
+          </p:cNvSpPr>
+          <p:nvPr>
+            <p:ph type="sldNum" idx="12"/>
+          </p:nvPr>
+        </p:nvSpPr>
+        <p:spPr>
+          <a:xfrm>
+            <a:off x="3884612" y="8685213"/>
+            <a:ext cx="2971799" cy="457200"/>
+          </a:xfrm>
+          <a:prstGeom prst="rect">
+            <a:avLst/>
+          </a:prstGeom>
+          <a:noFill/>
+          <a:ln>
+            <a:noFill/>
+          </a:ln>
+        </p:spPr>
+        <p:txBody>
+          <a:bodyPr lIns="91425" tIns="45700" rIns="91425" bIns="45700" anchor="b" anchorCtr="0">
+            <a:noAutofit/>
+          </a:bodyPr>
+          <a:lstStyle/>
+          <a:p>
+            <a:pPr marL="0" marR="0" lvl="0" indent="0" algn="r" rtl="0">
+              <a:spcBef>
+                <a:spcPts val="0"/>
+              </a:spcBef>
+              <a:buSzPct val="25000"/>
+              <a:buNone/>
+            </a:pPr>
+            <a:fld id="{00000000-1234-1234-1234-123412341234}" type="slidenum">
+              <a:rPr lang="en-US" sz="1200" b="0" i="0" u="none" strike="noStrike" cap="none" baseline="0">
+                <a:solidFill>
+                  <a:schemeClr val="dk1"/>
+                </a:solidFill>
+                <a:latin typeface="Calibri"/>
+                <a:ea typeface="Calibri"/>
+                <a:cs typeface="Calibri"/>
+                <a:sym typeface="Calibri"/>
+              </a:rPr>
+              <a:t>30</a:t>
             </a:fld>
             <a:endParaRPr lang="en-US" sz="1200" b="0" i="0" u="none" strike="noStrike" cap="none" baseline="0">
               <a:solidFill>
@@ -8419,6 +8821,36 @@
           </a:ln>
         </p:spPr>
       </p:pic>
+      <p:sp>
+        <p:nvSpPr>
+          <p:cNvPr id="4" name="Slide Number Placeholder 3"/>
+          <p:cNvSpPr>
+            <a:spLocks noGrp="1"/>
+          </p:cNvSpPr>
+          <p:nvPr>
+            <p:ph type="sldNum" idx="12"/>
+          </p:nvPr>
+        </p:nvSpPr>
+        <p:spPr/>
+        <p:txBody>
+          <a:bodyPr/>
+          <a:lstStyle/>
+          <a:p>
+            <a:pPr marL="0" lvl="0" indent="0">
+              <a:spcBef>
+                <a:spcPts val="0"/>
+              </a:spcBef>
+              <a:buSzPct val="25000"/>
+              <a:buNone/>
+            </a:pPr>
+            <a:fld id="{00000000-1234-1234-1234-123412341234}" type="slidenum">
+              <a:rPr lang="en-US" smtClean="0"/>
+              <a:t>‹#›</a:t>
+            </a:fld>
+            <a:endParaRPr lang="en-US" dirty="0"/>
+          </a:p>
+        </p:txBody>
+      </p:sp>
     </p:spTree>
   </p:cSld>
   <p:clrMapOvr>
@@ -8901,7 +9333,7 @@
               <a:rPr lang="en-US"/>
               <a:t>‹#›</a:t>
             </a:fld>
-            <a:endParaRPr lang="en-US"/>
+            <a:endParaRPr lang="en-US" dirty="0"/>
           </a:p>
         </p:txBody>
       </p:sp>
@@ -12091,7 +12523,7 @@
     <p:sldLayoutId id="2147483660" r:id="rId13"/>
     <p:sldLayoutId id="2147483661" r:id="rId14"/>
   </p:sldLayoutIdLst>
-  <p:hf sldNum="0" hdr="0" ftr="0" dt="0"/>
+  <p:hf hdr="0" ftr="0" dt="0"/>
   <p:txStyles>
     <p:titleStyle>
       <a:defPPr marR="0" algn="l" rtl="0">
@@ -12962,6 +13394,41 @@
           </a:ln>
         </p:spPr>
       </p:pic>
+      <p:sp>
+        <p:nvSpPr>
+          <p:cNvPr id="7" name="Slide Number Placeholder 2"/>
+          <p:cNvSpPr>
+            <a:spLocks noGrp="1"/>
+          </p:cNvSpPr>
+          <p:nvPr>
+            <p:ph type="sldNum" idx="12"/>
+          </p:nvPr>
+        </p:nvSpPr>
+        <p:spPr>
+          <a:xfrm>
+            <a:off x="6781800" y="6400800"/>
+            <a:ext cx="2133599" cy="365099"/>
+          </a:xfrm>
+        </p:spPr>
+        <p:txBody>
+          <a:bodyPr/>
+          <a:lstStyle/>
+          <a:p>
+            <a:pPr marL="0" lvl="0" indent="0">
+              <a:spcBef>
+                <a:spcPts val="0"/>
+              </a:spcBef>
+              <a:buSzPct val="25000"/>
+              <a:buNone/>
+            </a:pPr>
+            <a:fld id="{00000000-1234-1234-1234-123412341234}" type="slidenum">
+              <a:rPr lang="en-US" smtClean="0"/>
+              <a:t>1</a:t>
+            </a:fld>
+            <a:endParaRPr lang="en-US" dirty="0"/>
+          </a:p>
+        </p:txBody>
+      </p:sp>
     </p:spTree>
   </p:cSld>
   <p:clrMapOvr>
@@ -12997,6 +13464,41 @@
           <a:chExt cx="0" cy="0"/>
         </a:xfrm>
       </p:grpSpPr>
+      <p:sp>
+        <p:nvSpPr>
+          <p:cNvPr id="2" name="Slide Number Placeholder 2"/>
+          <p:cNvSpPr>
+            <a:spLocks noGrp="1"/>
+          </p:cNvSpPr>
+          <p:nvPr>
+            <p:ph type="sldNum" idx="12"/>
+          </p:nvPr>
+        </p:nvSpPr>
+        <p:spPr>
+          <a:xfrm>
+            <a:off x="6781800" y="6400800"/>
+            <a:ext cx="2133599" cy="365099"/>
+          </a:xfrm>
+        </p:spPr>
+        <p:txBody>
+          <a:bodyPr/>
+          <a:lstStyle/>
+          <a:p>
+            <a:pPr marL="0" lvl="0" indent="0">
+              <a:spcBef>
+                <a:spcPts val="0"/>
+              </a:spcBef>
+              <a:buSzPct val="25000"/>
+              <a:buNone/>
+            </a:pPr>
+            <a:fld id="{00000000-1234-1234-1234-123412341234}" type="slidenum">
+              <a:rPr lang="en-US" smtClean="0"/>
+              <a:t>10</a:t>
+            </a:fld>
+            <a:endParaRPr lang="en-US" dirty="0"/>
+          </a:p>
+        </p:txBody>
+      </p:sp>
     </p:spTree>
     <p:extLst>
       <p:ext uri="{BB962C8B-B14F-4D97-AF65-F5344CB8AC3E}">
@@ -13022,6 +13524,1334 @@
   <p:cSld>
     <p:spTree>
       <p:nvGrpSpPr>
+        <p:cNvPr id="1" name="Shape 174"/>
+        <p:cNvGrpSpPr/>
+        <p:nvPr/>
+      </p:nvGrpSpPr>
+      <p:grpSpPr>
+        <a:xfrm>
+          <a:off x="0" y="0"/>
+          <a:ext cx="0" cy="0"/>
+          <a:chOff x="0" y="0"/>
+          <a:chExt cx="0" cy="0"/>
+        </a:xfrm>
+      </p:grpSpPr>
+      <p:sp>
+        <p:nvSpPr>
+          <p:cNvPr id="175" name="Shape 175"/>
+          <p:cNvSpPr txBox="1"/>
+          <p:nvPr/>
+        </p:nvSpPr>
+        <p:spPr>
+          <a:xfrm>
+            <a:off x="182561" y="533400"/>
+            <a:ext cx="8732836" cy="762000"/>
+          </a:xfrm>
+          <a:prstGeom prst="rect">
+            <a:avLst/>
+          </a:prstGeom>
+          <a:noFill/>
+          <a:ln>
+            <a:noFill/>
+          </a:ln>
+        </p:spPr>
+        <p:txBody>
+          <a:bodyPr lIns="91425" tIns="45700" rIns="91425" bIns="45700" anchor="t" anchorCtr="0">
+            <a:noAutofit/>
+          </a:bodyPr>
+          <a:lstStyle/>
+          <a:p>
+            <a:pPr marL="0" marR="0" lvl="0" indent="0" algn="ctr" rtl="0">
+              <a:spcBef>
+                <a:spcPts val="0"/>
+              </a:spcBef>
+              <a:buClr>
+                <a:schemeClr val="dk1"/>
+              </a:buClr>
+              <a:buSzPct val="25000"/>
+              <a:buFont typeface="Calibri"/>
+              <a:buNone/>
+            </a:pPr>
+            <a:r>
+              <a:rPr lang="en-US" sz="4400" b="0" i="0" u="none" strike="noStrike" cap="none" baseline="0">
+                <a:solidFill>
+                  <a:schemeClr val="dk1"/>
+                </a:solidFill>
+                <a:latin typeface="Calibri"/>
+                <a:ea typeface="Calibri"/>
+                <a:cs typeface="Calibri"/>
+                <a:sym typeface="Calibri"/>
+              </a:rPr>
+              <a:t>Tessellation</a:t>
+            </a:r>
+          </a:p>
+        </p:txBody>
+      </p:sp>
+      <p:grpSp>
+        <p:nvGrpSpPr>
+          <p:cNvPr id="176" name="Shape 176"/>
+          <p:cNvGrpSpPr/>
+          <p:nvPr/>
+        </p:nvGrpSpPr>
+        <p:grpSpPr>
+          <a:xfrm>
+            <a:off x="609600" y="1904999"/>
+            <a:ext cx="8295334" cy="4002174"/>
+            <a:chOff x="685800" y="1539366"/>
+            <a:chExt cx="8295334" cy="3163974"/>
+          </a:xfrm>
+        </p:grpSpPr>
+        <p:sp>
+          <p:nvSpPr>
+            <p:cNvPr id="177" name="Shape 177"/>
+            <p:cNvSpPr/>
+            <p:nvPr/>
+          </p:nvSpPr>
+          <p:spPr>
+            <a:xfrm>
+              <a:off x="685800" y="4283455"/>
+              <a:ext cx="7109232" cy="419886"/>
+            </a:xfrm>
+            <a:prstGeom prst="rect">
+              <a:avLst/>
+            </a:prstGeom>
+            <a:solidFill>
+              <a:srgbClr val="93B3D7"/>
+            </a:solidFill>
+            <a:ln w="9525" cap="flat">
+              <a:solidFill>
+                <a:schemeClr val="dk1"/>
+              </a:solidFill>
+              <a:prstDash val="solid"/>
+              <a:round/>
+              <a:headEnd type="none" w="med" len="med"/>
+              <a:tailEnd type="none" w="med" len="med"/>
+            </a:ln>
+          </p:spPr>
+          <p:txBody>
+            <a:bodyPr lIns="91425" tIns="45700" rIns="91425" bIns="45700" anchor="ctr" anchorCtr="0">
+              <a:noAutofit/>
+            </a:bodyPr>
+            <a:lstStyle/>
+            <a:p>
+              <a:pPr marL="0" marR="0" lvl="0" indent="0" algn="ctr" rtl="0">
+                <a:lnSpc>
+                  <a:spcPct val="100000"/>
+                </a:lnSpc>
+                <a:spcBef>
+                  <a:spcPts val="0"/>
+                </a:spcBef>
+                <a:spcAft>
+                  <a:spcPts val="0"/>
+                </a:spcAft>
+                <a:buClr>
+                  <a:schemeClr val="dk1"/>
+                </a:buClr>
+                <a:buSzPct val="25000"/>
+                <a:buFont typeface="Arial"/>
+                <a:buNone/>
+              </a:pPr>
+              <a:r>
+                <a:rPr lang="en-US" sz="1600" b="0" i="0" u="none" strike="noStrike" cap="none" baseline="0">
+                  <a:solidFill>
+                    <a:schemeClr val="dk1"/>
+                  </a:solidFill>
+                  <a:latin typeface="Arial"/>
+                  <a:ea typeface="Arial"/>
+                  <a:cs typeface="Arial"/>
+                  <a:sym typeface="Arial"/>
+                </a:rPr>
+                <a:t>“WSC Executive” (</a:t>
+              </a:r>
+              <a:r>
+                <a:rPr lang="en-US" sz="1600" b="1" i="0" u="none" strike="noStrike" cap="none" baseline="0">
+                  <a:solidFill>
+                    <a:schemeClr val="dk1"/>
+                  </a:solidFill>
+                  <a:latin typeface="Arial"/>
+                  <a:ea typeface="Arial"/>
+                  <a:cs typeface="Arial"/>
+                  <a:sym typeface="Arial"/>
+                </a:rPr>
+                <a:t>Xen</a:t>
+              </a:r>
+              <a:r>
+                <a:rPr lang="en-US" sz="1600" b="0" i="0" u="none" strike="noStrike" cap="none" baseline="0">
+                  <a:solidFill>
+                    <a:schemeClr val="dk1"/>
+                  </a:solidFill>
+                  <a:latin typeface="Arial"/>
+                  <a:ea typeface="Arial"/>
+                  <a:cs typeface="Arial"/>
+                  <a:sym typeface="Arial"/>
+                </a:rPr>
+                <a:t> + resource partitioning)</a:t>
+              </a:r>
+            </a:p>
+          </p:txBody>
+        </p:sp>
+        <p:sp>
+          <p:nvSpPr>
+            <p:cNvPr id="178" name="Shape 178"/>
+            <p:cNvSpPr/>
+            <p:nvPr/>
+          </p:nvSpPr>
+          <p:spPr>
+            <a:xfrm>
+              <a:off x="685800" y="3762551"/>
+              <a:ext cx="5006010" cy="419886"/>
+            </a:xfrm>
+            <a:prstGeom prst="rect">
+              <a:avLst/>
+            </a:prstGeom>
+            <a:solidFill>
+              <a:srgbClr val="93B3D7"/>
+            </a:solidFill>
+            <a:ln w="9525" cap="flat">
+              <a:solidFill>
+                <a:schemeClr val="dk1"/>
+              </a:solidFill>
+              <a:prstDash val="solid"/>
+              <a:round/>
+              <a:headEnd type="none" w="med" len="med"/>
+              <a:tailEnd type="none" w="med" len="med"/>
+            </a:ln>
+          </p:spPr>
+          <p:txBody>
+            <a:bodyPr lIns="91425" tIns="45700" rIns="91425" bIns="45700" anchor="ctr" anchorCtr="0">
+              <a:noAutofit/>
+            </a:bodyPr>
+            <a:lstStyle/>
+            <a:p>
+              <a:pPr marL="0" marR="0" lvl="0" indent="0" algn="ctr" rtl="0">
+                <a:lnSpc>
+                  <a:spcPct val="100000"/>
+                </a:lnSpc>
+                <a:spcBef>
+                  <a:spcPts val="0"/>
+                </a:spcBef>
+                <a:spcAft>
+                  <a:spcPts val="0"/>
+                </a:spcAft>
+                <a:buClr>
+                  <a:schemeClr val="dk1"/>
+                </a:buClr>
+                <a:buSzPct val="25000"/>
+                <a:buFont typeface="Arial"/>
+                <a:buNone/>
+              </a:pPr>
+              <a:r>
+                <a:rPr lang="en-US" sz="1600" b="0" i="0" u="none" strike="noStrike" cap="none" baseline="0">
+                  <a:solidFill>
+                    <a:schemeClr val="dk1"/>
+                  </a:solidFill>
+                  <a:latin typeface="Arial"/>
+                  <a:ea typeface="Arial"/>
+                  <a:cs typeface="Arial"/>
+                  <a:sym typeface="Arial"/>
+                </a:rPr>
+                <a:t>Bulk Memory API (</a:t>
+              </a:r>
+              <a:r>
+                <a:rPr lang="en-US" sz="1600" b="1" i="0" u="none" strike="noStrike" cap="none" baseline="0">
+                  <a:solidFill>
+                    <a:schemeClr val="dk1"/>
+                  </a:solidFill>
+                  <a:latin typeface="Arial"/>
+                  <a:ea typeface="Arial"/>
+                  <a:cs typeface="Arial"/>
+                  <a:sym typeface="Arial"/>
+                </a:rPr>
+                <a:t>RAMCloud</a:t>
+              </a:r>
+              <a:r>
+                <a:rPr lang="en-US" sz="1600" b="0" i="0" u="none" strike="noStrike" cap="none" baseline="0">
+                  <a:solidFill>
+                    <a:schemeClr val="dk1"/>
+                  </a:solidFill>
+                  <a:latin typeface="Arial"/>
+                  <a:ea typeface="Arial"/>
+                  <a:cs typeface="Arial"/>
+                  <a:sym typeface="Arial"/>
+                </a:rPr>
+                <a:t> + transactions)</a:t>
+              </a:r>
+            </a:p>
+          </p:txBody>
+        </p:sp>
+        <p:sp>
+          <p:nvSpPr>
+            <p:cNvPr id="179" name="Shape 179"/>
+            <p:cNvSpPr/>
+            <p:nvPr/>
+          </p:nvSpPr>
+          <p:spPr>
+            <a:xfrm>
+              <a:off x="685800" y="2645402"/>
+              <a:ext cx="989614" cy="557989"/>
+            </a:xfrm>
+            <a:prstGeom prst="rect">
+              <a:avLst/>
+            </a:prstGeom>
+            <a:solidFill>
+              <a:srgbClr val="D8D8D8"/>
+            </a:solidFill>
+            <a:ln w="9525" cap="flat">
+              <a:solidFill>
+                <a:schemeClr val="dk1"/>
+              </a:solidFill>
+              <a:prstDash val="solid"/>
+              <a:round/>
+              <a:headEnd type="none" w="med" len="med"/>
+              <a:tailEnd type="none" w="med" len="med"/>
+            </a:ln>
+          </p:spPr>
+          <p:txBody>
+            <a:bodyPr lIns="91425" tIns="45700" rIns="91425" bIns="45700" anchor="ctr" anchorCtr="0">
+              <a:noAutofit/>
+            </a:bodyPr>
+            <a:lstStyle/>
+            <a:p>
+              <a:pPr marL="0" marR="0" lvl="0" indent="0" algn="ctr" rtl="0">
+                <a:lnSpc>
+                  <a:spcPct val="100000"/>
+                </a:lnSpc>
+                <a:spcBef>
+                  <a:spcPts val="0"/>
+                </a:spcBef>
+                <a:spcAft>
+                  <a:spcPts val="0"/>
+                </a:spcAft>
+                <a:buClr>
+                  <a:schemeClr val="dk1"/>
+                </a:buClr>
+                <a:buSzPct val="25000"/>
+                <a:buFont typeface="Arial"/>
+                <a:buNone/>
+              </a:pPr>
+              <a:r>
+                <a:rPr lang="en-US" sz="1600" b="0" i="0" u="none" strike="noStrike" cap="none" baseline="0">
+                  <a:solidFill>
+                    <a:schemeClr val="dk1"/>
+                  </a:solidFill>
+                  <a:latin typeface="Arial"/>
+                  <a:ea typeface="Arial"/>
+                  <a:cs typeface="Arial"/>
+                  <a:sym typeface="Arial"/>
+                </a:rPr>
+                <a:t>Batch</a:t>
+              </a:r>
+            </a:p>
+          </p:txBody>
+        </p:sp>
+        <p:sp>
+          <p:nvSpPr>
+            <p:cNvPr id="180" name="Shape 180"/>
+            <p:cNvSpPr/>
+            <p:nvPr/>
+          </p:nvSpPr>
+          <p:spPr>
+            <a:xfrm>
+              <a:off x="2922408" y="2645402"/>
+              <a:ext cx="2769402" cy="557989"/>
+            </a:xfrm>
+            <a:prstGeom prst="rect">
+              <a:avLst/>
+            </a:prstGeom>
+            <a:solidFill>
+              <a:srgbClr val="C2D59B"/>
+            </a:solidFill>
+            <a:ln w="9525" cap="flat">
+              <a:solidFill>
+                <a:schemeClr val="dk1"/>
+              </a:solidFill>
+              <a:prstDash val="solid"/>
+              <a:round/>
+              <a:headEnd type="none" w="med" len="med"/>
+              <a:tailEnd type="none" w="med" len="med"/>
+            </a:ln>
+          </p:spPr>
+          <p:txBody>
+            <a:bodyPr lIns="91425" tIns="45700" rIns="91425" bIns="45700" anchor="ctr" anchorCtr="0">
+              <a:noAutofit/>
+            </a:bodyPr>
+            <a:lstStyle/>
+            <a:p>
+              <a:pPr marL="0" marR="0" lvl="0" indent="0" algn="ctr" rtl="0">
+                <a:lnSpc>
+                  <a:spcPct val="100000"/>
+                </a:lnSpc>
+                <a:spcBef>
+                  <a:spcPts val="0"/>
+                </a:spcBef>
+                <a:spcAft>
+                  <a:spcPts val="0"/>
+                </a:spcAft>
+                <a:buClr>
+                  <a:schemeClr val="dk1"/>
+                </a:buClr>
+                <a:buSzPct val="25000"/>
+                <a:buFont typeface="Arial"/>
+                <a:buNone/>
+              </a:pPr>
+              <a:r>
+                <a:rPr lang="en-US" sz="1600" b="0" i="0" u="none" strike="noStrike" cap="none" baseline="0">
+                  <a:solidFill>
+                    <a:schemeClr val="dk1"/>
+                  </a:solidFill>
+                  <a:latin typeface="Arial"/>
+                  <a:ea typeface="Arial"/>
+                  <a:cs typeface="Arial"/>
+                  <a:sym typeface="Arial"/>
+                </a:rPr>
+                <a:t>Interactive</a:t>
+              </a:r>
+            </a:p>
+          </p:txBody>
+        </p:sp>
+        <p:sp>
+          <p:nvSpPr>
+            <p:cNvPr id="181" name="Shape 181"/>
+            <p:cNvSpPr/>
+            <p:nvPr/>
+          </p:nvSpPr>
+          <p:spPr>
+            <a:xfrm>
+              <a:off x="685802" y="2085953"/>
+              <a:ext cx="989613" cy="419886"/>
+            </a:xfrm>
+            <a:prstGeom prst="rect">
+              <a:avLst/>
+            </a:prstGeom>
+            <a:solidFill>
+              <a:srgbClr val="D99593"/>
+            </a:solidFill>
+            <a:ln w="9525" cap="flat">
+              <a:solidFill>
+                <a:schemeClr val="dk1"/>
+              </a:solidFill>
+              <a:prstDash val="solid"/>
+              <a:round/>
+              <a:headEnd type="none" w="med" len="med"/>
+              <a:tailEnd type="none" w="med" len="med"/>
+            </a:ln>
+          </p:spPr>
+          <p:txBody>
+            <a:bodyPr lIns="91425" tIns="45700" rIns="91425" bIns="45700" anchor="ctr" anchorCtr="0">
+              <a:noAutofit/>
+            </a:bodyPr>
+            <a:lstStyle/>
+            <a:p>
+              <a:pPr marL="0" marR="0" lvl="0" indent="0" algn="ctr" rtl="0">
+                <a:lnSpc>
+                  <a:spcPct val="100000"/>
+                </a:lnSpc>
+                <a:spcBef>
+                  <a:spcPts val="0"/>
+                </a:spcBef>
+                <a:spcAft>
+                  <a:spcPts val="0"/>
+                </a:spcAft>
+                <a:buClr>
+                  <a:schemeClr val="dk1"/>
+                </a:buClr>
+                <a:buSzPct val="25000"/>
+                <a:buFont typeface="Arial"/>
+                <a:buNone/>
+              </a:pPr>
+              <a:r>
+                <a:rPr lang="en-US" sz="1600" b="0" i="0" u="none" strike="noStrike" cap="none" baseline="0">
+                  <a:solidFill>
+                    <a:schemeClr val="dk1"/>
+                  </a:solidFill>
+                  <a:latin typeface="Arial"/>
+                  <a:ea typeface="Arial"/>
+                  <a:cs typeface="Arial"/>
+                  <a:sym typeface="Arial"/>
+                </a:rPr>
+                <a:t>Hadoop</a:t>
+              </a:r>
+            </a:p>
+          </p:txBody>
+        </p:sp>
+        <p:sp>
+          <p:nvSpPr>
+            <p:cNvPr id="182" name="Shape 182"/>
+            <p:cNvSpPr/>
+            <p:nvPr/>
+          </p:nvSpPr>
+          <p:spPr>
+            <a:xfrm>
+              <a:off x="1774869" y="2085953"/>
+              <a:ext cx="986885" cy="419886"/>
+            </a:xfrm>
+            <a:prstGeom prst="rect">
+              <a:avLst/>
+            </a:prstGeom>
+            <a:solidFill>
+              <a:srgbClr val="D99593"/>
+            </a:solidFill>
+            <a:ln w="9525" cap="flat">
+              <a:solidFill>
+                <a:schemeClr val="dk1"/>
+              </a:solidFill>
+              <a:prstDash val="solid"/>
+              <a:round/>
+              <a:headEnd type="none" w="med" len="med"/>
+              <a:tailEnd type="none" w="med" len="med"/>
+            </a:ln>
+          </p:spPr>
+          <p:txBody>
+            <a:bodyPr lIns="91425" tIns="45700" rIns="91425" bIns="45700" anchor="ctr" anchorCtr="0">
+              <a:noAutofit/>
+            </a:bodyPr>
+            <a:lstStyle/>
+            <a:p>
+              <a:pPr marL="0" marR="0" lvl="0" indent="0" algn="ctr" rtl="0">
+                <a:lnSpc>
+                  <a:spcPct val="100000"/>
+                </a:lnSpc>
+                <a:spcBef>
+                  <a:spcPts val="0"/>
+                </a:spcBef>
+                <a:spcAft>
+                  <a:spcPts val="0"/>
+                </a:spcAft>
+                <a:buClr>
+                  <a:schemeClr val="dk1"/>
+                </a:buClr>
+                <a:buSzPct val="25000"/>
+                <a:buFont typeface="Arial"/>
+                <a:buNone/>
+              </a:pPr>
+              <a:r>
+                <a:rPr lang="en-US" sz="1600" b="0" i="0" u="none" strike="noStrike" cap="none" baseline="0">
+                  <a:solidFill>
+                    <a:schemeClr val="dk1"/>
+                  </a:solidFill>
+                  <a:latin typeface="Arial"/>
+                  <a:ea typeface="Arial"/>
+                  <a:cs typeface="Arial"/>
+                  <a:sym typeface="Arial"/>
+                </a:rPr>
+                <a:t>Spark</a:t>
+              </a:r>
+            </a:p>
+          </p:txBody>
+        </p:sp>
+        <p:sp>
+          <p:nvSpPr>
+            <p:cNvPr id="183" name="Shape 183"/>
+            <p:cNvSpPr/>
+            <p:nvPr/>
+          </p:nvSpPr>
+          <p:spPr>
+            <a:xfrm>
+              <a:off x="685800" y="1539366"/>
+              <a:ext cx="989614" cy="419886"/>
+            </a:xfrm>
+            <a:prstGeom prst="rect">
+              <a:avLst/>
+            </a:prstGeom>
+            <a:solidFill>
+              <a:srgbClr val="D8D8D8"/>
+            </a:solidFill>
+            <a:ln w="9525" cap="flat">
+              <a:solidFill>
+                <a:schemeClr val="dk1"/>
+              </a:solidFill>
+              <a:prstDash val="solid"/>
+              <a:round/>
+              <a:headEnd type="none" w="med" len="med"/>
+              <a:tailEnd type="none" w="med" len="med"/>
+            </a:ln>
+          </p:spPr>
+          <p:txBody>
+            <a:bodyPr lIns="91425" tIns="45700" rIns="91425" bIns="45700" anchor="ctr" anchorCtr="0">
+              <a:noAutofit/>
+            </a:bodyPr>
+            <a:lstStyle/>
+            <a:p>
+              <a:pPr marL="0" marR="0" lvl="0" indent="0" algn="ctr" rtl="0">
+                <a:lnSpc>
+                  <a:spcPct val="100000"/>
+                </a:lnSpc>
+                <a:spcBef>
+                  <a:spcPts val="0"/>
+                </a:spcBef>
+                <a:spcAft>
+                  <a:spcPts val="0"/>
+                </a:spcAft>
+                <a:buClr>
+                  <a:schemeClr val="dk1"/>
+                </a:buClr>
+                <a:buSzPct val="25000"/>
+                <a:buFont typeface="Arial"/>
+                <a:buNone/>
+              </a:pPr>
+              <a:r>
+                <a:rPr lang="en-US" sz="1600" b="0" i="0" u="none" strike="noStrike" cap="none" baseline="0">
+                  <a:solidFill>
+                    <a:schemeClr val="dk1"/>
+                  </a:solidFill>
+                  <a:latin typeface="Arial"/>
+                  <a:ea typeface="Arial"/>
+                  <a:cs typeface="Arial"/>
+                  <a:sym typeface="Arial"/>
+                </a:rPr>
+                <a:t>App</a:t>
+              </a:r>
+            </a:p>
+          </p:txBody>
+        </p:sp>
+        <p:sp>
+          <p:nvSpPr>
+            <p:cNvPr id="184" name="Shape 184"/>
+            <p:cNvSpPr/>
+            <p:nvPr/>
+          </p:nvSpPr>
+          <p:spPr>
+            <a:xfrm>
+              <a:off x="1774869" y="1539366"/>
+              <a:ext cx="986885" cy="419886"/>
+            </a:xfrm>
+            <a:prstGeom prst="rect">
+              <a:avLst/>
+            </a:prstGeom>
+            <a:solidFill>
+              <a:srgbClr val="D8D8D8"/>
+            </a:solidFill>
+            <a:ln w="9525" cap="flat">
+              <a:solidFill>
+                <a:schemeClr val="dk1"/>
+              </a:solidFill>
+              <a:prstDash val="solid"/>
+              <a:round/>
+              <a:headEnd type="none" w="med" len="med"/>
+              <a:tailEnd type="none" w="med" len="med"/>
+            </a:ln>
+          </p:spPr>
+          <p:txBody>
+            <a:bodyPr lIns="91425" tIns="45700" rIns="91425" bIns="45700" anchor="ctr" anchorCtr="0">
+              <a:noAutofit/>
+            </a:bodyPr>
+            <a:lstStyle/>
+            <a:p>
+              <a:pPr marL="0" marR="0" lvl="0" indent="0" algn="ctr" rtl="0">
+                <a:lnSpc>
+                  <a:spcPct val="100000"/>
+                </a:lnSpc>
+                <a:spcBef>
+                  <a:spcPts val="0"/>
+                </a:spcBef>
+                <a:spcAft>
+                  <a:spcPts val="0"/>
+                </a:spcAft>
+                <a:buClr>
+                  <a:schemeClr val="dk1"/>
+                </a:buClr>
+                <a:buSzPct val="25000"/>
+                <a:buFont typeface="Arial"/>
+                <a:buNone/>
+              </a:pPr>
+              <a:r>
+                <a:rPr lang="en-US" sz="1600" b="0" i="0" u="none" strike="noStrike" cap="none" baseline="0">
+                  <a:solidFill>
+                    <a:schemeClr val="dk1"/>
+                  </a:solidFill>
+                  <a:latin typeface="Arial"/>
+                  <a:ea typeface="Arial"/>
+                  <a:cs typeface="Arial"/>
+                  <a:sym typeface="Arial"/>
+                </a:rPr>
+                <a:t>App</a:t>
+              </a:r>
+            </a:p>
+          </p:txBody>
+        </p:sp>
+        <p:sp>
+          <p:nvSpPr>
+            <p:cNvPr id="185" name="Shape 185"/>
+            <p:cNvSpPr/>
+            <p:nvPr/>
+          </p:nvSpPr>
+          <p:spPr>
+            <a:xfrm>
+              <a:off x="685802" y="3203392"/>
+              <a:ext cx="5006010" cy="419886"/>
+            </a:xfrm>
+            <a:prstGeom prst="rect">
+              <a:avLst/>
+            </a:prstGeom>
+            <a:solidFill>
+              <a:srgbClr val="93B3D7"/>
+            </a:solidFill>
+            <a:ln w="9525" cap="flat">
+              <a:solidFill>
+                <a:schemeClr val="dk1"/>
+              </a:solidFill>
+              <a:prstDash val="solid"/>
+              <a:round/>
+              <a:headEnd type="none" w="med" len="med"/>
+              <a:tailEnd type="none" w="med" len="med"/>
+            </a:ln>
+          </p:spPr>
+          <p:txBody>
+            <a:bodyPr lIns="91425" tIns="45700" rIns="91425" bIns="45700" anchor="ctr" anchorCtr="0">
+              <a:noAutofit/>
+            </a:bodyPr>
+            <a:lstStyle/>
+            <a:p>
+              <a:pPr marL="0" marR="0" lvl="0" indent="0" algn="ctr" rtl="0">
+                <a:lnSpc>
+                  <a:spcPct val="100000"/>
+                </a:lnSpc>
+                <a:spcBef>
+                  <a:spcPts val="0"/>
+                </a:spcBef>
+                <a:spcAft>
+                  <a:spcPts val="0"/>
+                </a:spcAft>
+                <a:buClr>
+                  <a:schemeClr val="dk1"/>
+                </a:buClr>
+                <a:buSzPct val="25000"/>
+                <a:buFont typeface="Arial"/>
+                <a:buNone/>
+              </a:pPr>
+              <a:r>
+                <a:rPr lang="en-US" sz="1600" b="0" i="0" u="none" strike="noStrike" cap="none" baseline="0">
+                  <a:solidFill>
+                    <a:schemeClr val="dk1"/>
+                  </a:solidFill>
+                  <a:latin typeface="Arial"/>
+                  <a:ea typeface="Arial"/>
+                  <a:cs typeface="Arial"/>
+                  <a:sym typeface="Arial"/>
+                </a:rPr>
+                <a:t>Cluster Manager (</a:t>
+              </a:r>
+              <a:r>
+                <a:rPr lang="en-US" sz="1600" b="1" i="0" u="none" strike="noStrike" cap="none" baseline="0">
+                  <a:solidFill>
+                    <a:schemeClr val="dk1"/>
+                  </a:solidFill>
+                  <a:latin typeface="Arial"/>
+                  <a:ea typeface="Arial"/>
+                  <a:cs typeface="Arial"/>
+                  <a:sym typeface="Arial"/>
+                </a:rPr>
+                <a:t>Mesos</a:t>
+              </a:r>
+              <a:r>
+                <a:rPr lang="en-US" sz="1600" b="0" i="0" u="none" strike="noStrike" cap="none" baseline="0">
+                  <a:solidFill>
+                    <a:schemeClr val="dk1"/>
+                  </a:solidFill>
+                  <a:latin typeface="Arial"/>
+                  <a:ea typeface="Arial"/>
+                  <a:cs typeface="Arial"/>
+                  <a:sym typeface="Arial"/>
+                </a:rPr>
+                <a:t> + interactive)</a:t>
+              </a:r>
+            </a:p>
+          </p:txBody>
+        </p:sp>
+        <p:sp>
+          <p:nvSpPr>
+            <p:cNvPr id="186" name="Shape 186"/>
+            <p:cNvSpPr/>
+            <p:nvPr/>
+          </p:nvSpPr>
+          <p:spPr>
+            <a:xfrm>
+              <a:off x="1774869" y="2643943"/>
+              <a:ext cx="989614" cy="557989"/>
+            </a:xfrm>
+            <a:prstGeom prst="rect">
+              <a:avLst/>
+            </a:prstGeom>
+            <a:solidFill>
+              <a:srgbClr val="D8D8D8"/>
+            </a:solidFill>
+            <a:ln w="9525" cap="flat">
+              <a:solidFill>
+                <a:schemeClr val="dk1"/>
+              </a:solidFill>
+              <a:prstDash val="solid"/>
+              <a:round/>
+              <a:headEnd type="none" w="med" len="med"/>
+              <a:tailEnd type="none" w="med" len="med"/>
+            </a:ln>
+          </p:spPr>
+          <p:txBody>
+            <a:bodyPr lIns="91425" tIns="45700" rIns="91425" bIns="45700" anchor="ctr" anchorCtr="0">
+              <a:noAutofit/>
+            </a:bodyPr>
+            <a:lstStyle/>
+            <a:p>
+              <a:pPr marL="0" marR="0" lvl="0" indent="0" algn="ctr" rtl="0">
+                <a:lnSpc>
+                  <a:spcPct val="100000"/>
+                </a:lnSpc>
+                <a:spcBef>
+                  <a:spcPts val="0"/>
+                </a:spcBef>
+                <a:spcAft>
+                  <a:spcPts val="0"/>
+                </a:spcAft>
+                <a:buClr>
+                  <a:schemeClr val="dk1"/>
+                </a:buClr>
+                <a:buSzPct val="25000"/>
+                <a:buFont typeface="Arial"/>
+                <a:buNone/>
+              </a:pPr>
+              <a:r>
+                <a:rPr lang="en-US" sz="1600" b="0" i="0" u="none" strike="noStrike" cap="none" baseline="0">
+                  <a:solidFill>
+                    <a:schemeClr val="dk1"/>
+                  </a:solidFill>
+                  <a:latin typeface="Arial"/>
+                  <a:ea typeface="Arial"/>
+                  <a:cs typeface="Arial"/>
+                  <a:sym typeface="Arial"/>
+                </a:rPr>
+                <a:t>Batch</a:t>
+              </a:r>
+            </a:p>
+          </p:txBody>
+        </p:sp>
+        <p:sp>
+          <p:nvSpPr>
+            <p:cNvPr id="187" name="Shape 187"/>
+            <p:cNvSpPr/>
+            <p:nvPr/>
+          </p:nvSpPr>
+          <p:spPr>
+            <a:xfrm>
+              <a:off x="5766132" y="1630649"/>
+              <a:ext cx="188886" cy="186018"/>
+            </a:xfrm>
+            <a:prstGeom prst="rect">
+              <a:avLst/>
+            </a:prstGeom>
+            <a:solidFill>
+              <a:srgbClr val="C2D59B"/>
+            </a:solidFill>
+            <a:ln w="9525" cap="flat">
+              <a:solidFill>
+                <a:schemeClr val="dk1"/>
+              </a:solidFill>
+              <a:prstDash val="solid"/>
+              <a:round/>
+              <a:headEnd type="none" w="med" len="med"/>
+              <a:tailEnd type="none" w="med" len="med"/>
+            </a:ln>
+          </p:spPr>
+          <p:txBody>
+            <a:bodyPr lIns="91425" tIns="45700" rIns="91425" bIns="45700" anchor="ctr" anchorCtr="0">
+              <a:noAutofit/>
+            </a:bodyPr>
+            <a:lstStyle/>
+            <a:p>
+              <a:pPr marL="0" marR="0" lvl="0" indent="0" algn="ctr" rtl="0">
+                <a:lnSpc>
+                  <a:spcPct val="100000"/>
+                </a:lnSpc>
+                <a:spcBef>
+                  <a:spcPts val="0"/>
+                </a:spcBef>
+                <a:spcAft>
+                  <a:spcPts val="0"/>
+                </a:spcAft>
+                <a:buClr>
+                  <a:schemeClr val="dk1"/>
+                </a:buClr>
+                <a:buFont typeface="Calibri"/>
+                <a:buNone/>
+              </a:pPr>
+              <a:endParaRPr sz="1600" b="0" i="0" u="none" strike="noStrike" cap="none" baseline="0">
+                <a:solidFill>
+                  <a:schemeClr val="dk1"/>
+                </a:solidFill>
+                <a:latin typeface="Arial"/>
+                <a:ea typeface="Arial"/>
+                <a:cs typeface="Arial"/>
+                <a:sym typeface="Arial"/>
+              </a:endParaRPr>
+            </a:p>
+          </p:txBody>
+        </p:sp>
+        <p:sp>
+          <p:nvSpPr>
+            <p:cNvPr id="188" name="Shape 188"/>
+            <p:cNvSpPr/>
+            <p:nvPr/>
+          </p:nvSpPr>
+          <p:spPr>
+            <a:xfrm>
+              <a:off x="5943600" y="1599608"/>
+              <a:ext cx="3037534" cy="714574"/>
+            </a:xfrm>
+            <a:prstGeom prst="rect">
+              <a:avLst/>
+            </a:prstGeom>
+            <a:noFill/>
+            <a:ln>
+              <a:noFill/>
+            </a:ln>
+          </p:spPr>
+          <p:txBody>
+            <a:bodyPr lIns="91425" tIns="45700" rIns="91425" bIns="45700" anchor="ctr" anchorCtr="0">
+              <a:noAutofit/>
+            </a:bodyPr>
+            <a:lstStyle/>
+            <a:p>
+              <a:pPr marL="0" marR="0" lvl="0" indent="0" algn="l" rtl="0">
+                <a:lnSpc>
+                  <a:spcPct val="130000"/>
+                </a:lnSpc>
+                <a:spcBef>
+                  <a:spcPts val="0"/>
+                </a:spcBef>
+                <a:spcAft>
+                  <a:spcPts val="0"/>
+                </a:spcAft>
+                <a:buClr>
+                  <a:schemeClr val="dk1"/>
+                </a:buClr>
+                <a:buSzPct val="25000"/>
+                <a:buFont typeface="Arial"/>
+                <a:buNone/>
+              </a:pPr>
+              <a:r>
+                <a:rPr lang="en-US" sz="1600" b="0" i="0" u="none" strike="noStrike" cap="none" baseline="0">
+                  <a:solidFill>
+                    <a:schemeClr val="dk1"/>
+                  </a:solidFill>
+                  <a:latin typeface="Arial"/>
+                  <a:ea typeface="Arial"/>
+                  <a:cs typeface="Arial"/>
+                  <a:sym typeface="Arial"/>
+                </a:rPr>
+                <a:t>New component</a:t>
+              </a:r>
+            </a:p>
+            <a:p>
+              <a:pPr marL="0" marR="0" lvl="0" indent="0" algn="l" rtl="0">
+                <a:lnSpc>
+                  <a:spcPct val="130000"/>
+                </a:lnSpc>
+                <a:spcBef>
+                  <a:spcPts val="0"/>
+                </a:spcBef>
+                <a:spcAft>
+                  <a:spcPts val="0"/>
+                </a:spcAft>
+                <a:buClr>
+                  <a:schemeClr val="dk1"/>
+                </a:buClr>
+                <a:buSzPct val="25000"/>
+                <a:buFont typeface="Arial"/>
+                <a:buNone/>
+              </a:pPr>
+              <a:r>
+                <a:rPr lang="en-US" sz="1600" b="0" i="0" u="none" strike="noStrike" cap="none" baseline="0">
+                  <a:solidFill>
+                    <a:schemeClr val="dk1"/>
+                  </a:solidFill>
+                  <a:latin typeface="Arial"/>
+                  <a:ea typeface="Arial"/>
+                  <a:cs typeface="Arial"/>
+                  <a:sym typeface="Arial"/>
+                </a:rPr>
+                <a:t>Modified existing component</a:t>
+              </a:r>
+            </a:p>
+            <a:p>
+              <a:pPr marL="0" marR="0" lvl="0" indent="0" algn="l" rtl="0">
+                <a:lnSpc>
+                  <a:spcPct val="130000"/>
+                </a:lnSpc>
+                <a:spcBef>
+                  <a:spcPts val="0"/>
+                </a:spcBef>
+                <a:spcAft>
+                  <a:spcPts val="0"/>
+                </a:spcAft>
+                <a:buClr>
+                  <a:schemeClr val="dk1"/>
+                </a:buClr>
+                <a:buSzPct val="25000"/>
+                <a:buFont typeface="Arial"/>
+                <a:buNone/>
+              </a:pPr>
+              <a:r>
+                <a:rPr lang="en-US" sz="1600" b="0" i="0" u="none" strike="noStrike" cap="none" baseline="0">
+                  <a:solidFill>
+                    <a:schemeClr val="dk1"/>
+                  </a:solidFill>
+                  <a:latin typeface="Arial"/>
+                  <a:ea typeface="Arial"/>
+                  <a:cs typeface="Arial"/>
+                  <a:sym typeface="Arial"/>
+                </a:rPr>
+                <a:t>Unmodified existing component</a:t>
+              </a:r>
+            </a:p>
+          </p:txBody>
+        </p:sp>
+        <p:sp>
+          <p:nvSpPr>
+            <p:cNvPr id="189" name="Shape 189"/>
+            <p:cNvSpPr/>
+            <p:nvPr/>
+          </p:nvSpPr>
+          <p:spPr>
+            <a:xfrm>
+              <a:off x="5770212" y="1875749"/>
+              <a:ext cx="188886" cy="186018"/>
+            </a:xfrm>
+            <a:prstGeom prst="rect">
+              <a:avLst/>
+            </a:prstGeom>
+            <a:solidFill>
+              <a:srgbClr val="93B3D7"/>
+            </a:solidFill>
+            <a:ln w="9525" cap="flat">
+              <a:solidFill>
+                <a:schemeClr val="dk1"/>
+              </a:solidFill>
+              <a:prstDash val="solid"/>
+              <a:round/>
+              <a:headEnd type="none" w="med" len="med"/>
+              <a:tailEnd type="none" w="med" len="med"/>
+            </a:ln>
+          </p:spPr>
+          <p:txBody>
+            <a:bodyPr lIns="91425" tIns="45700" rIns="91425" bIns="45700" anchor="ctr" anchorCtr="0">
+              <a:noAutofit/>
+            </a:bodyPr>
+            <a:lstStyle/>
+            <a:p>
+              <a:pPr marL="0" marR="0" lvl="0" indent="0" algn="ctr" rtl="0">
+                <a:lnSpc>
+                  <a:spcPct val="100000"/>
+                </a:lnSpc>
+                <a:spcBef>
+                  <a:spcPts val="0"/>
+                </a:spcBef>
+                <a:spcAft>
+                  <a:spcPts val="0"/>
+                </a:spcAft>
+                <a:buClr>
+                  <a:schemeClr val="dk1"/>
+                </a:buClr>
+                <a:buFont typeface="Calibri"/>
+                <a:buNone/>
+              </a:pPr>
+              <a:endParaRPr sz="1600" b="0" i="0" u="none" strike="noStrike" cap="none" baseline="0">
+                <a:solidFill>
+                  <a:schemeClr val="dk1"/>
+                </a:solidFill>
+                <a:latin typeface="Arial"/>
+                <a:ea typeface="Arial"/>
+                <a:cs typeface="Arial"/>
+                <a:sym typeface="Arial"/>
+              </a:endParaRPr>
+            </a:p>
+          </p:txBody>
+        </p:sp>
+        <p:sp>
+          <p:nvSpPr>
+            <p:cNvPr id="190" name="Shape 190"/>
+            <p:cNvSpPr/>
+            <p:nvPr/>
+          </p:nvSpPr>
+          <p:spPr>
+            <a:xfrm>
+              <a:off x="5770212" y="2125403"/>
+              <a:ext cx="188886" cy="186018"/>
+            </a:xfrm>
+            <a:prstGeom prst="rect">
+              <a:avLst/>
+            </a:prstGeom>
+            <a:solidFill>
+              <a:srgbClr val="D99593"/>
+            </a:solidFill>
+            <a:ln w="9525" cap="flat">
+              <a:solidFill>
+                <a:schemeClr val="dk1"/>
+              </a:solidFill>
+              <a:prstDash val="solid"/>
+              <a:round/>
+              <a:headEnd type="none" w="med" len="med"/>
+              <a:tailEnd type="none" w="med" len="med"/>
+            </a:ln>
+          </p:spPr>
+          <p:txBody>
+            <a:bodyPr lIns="91425" tIns="45700" rIns="91425" bIns="45700" anchor="ctr" anchorCtr="0">
+              <a:noAutofit/>
+            </a:bodyPr>
+            <a:lstStyle/>
+            <a:p>
+              <a:pPr marL="0" marR="0" lvl="0" indent="0" algn="ctr" rtl="0">
+                <a:lnSpc>
+                  <a:spcPct val="100000"/>
+                </a:lnSpc>
+                <a:spcBef>
+                  <a:spcPts val="0"/>
+                </a:spcBef>
+                <a:spcAft>
+                  <a:spcPts val="0"/>
+                </a:spcAft>
+                <a:buClr>
+                  <a:schemeClr val="dk1"/>
+                </a:buClr>
+                <a:buFont typeface="Calibri"/>
+                <a:buNone/>
+              </a:pPr>
+              <a:endParaRPr sz="1600" b="0" i="0" u="none" strike="noStrike" cap="none" baseline="0">
+                <a:solidFill>
+                  <a:schemeClr val="dk1"/>
+                </a:solidFill>
+                <a:latin typeface="Arial"/>
+                <a:ea typeface="Arial"/>
+                <a:cs typeface="Arial"/>
+                <a:sym typeface="Arial"/>
+              </a:endParaRPr>
+            </a:p>
+          </p:txBody>
+        </p:sp>
+      </p:grpSp>
+      <p:sp>
+        <p:nvSpPr>
+          <p:cNvPr id="19" name="Shape 178"/>
+          <p:cNvSpPr/>
+          <p:nvPr/>
+        </p:nvSpPr>
+        <p:spPr>
+          <a:xfrm>
+            <a:off x="609600" y="6096000"/>
+            <a:ext cx="7086600" cy="531122"/>
+          </a:xfrm>
+          <a:prstGeom prst="rect">
+            <a:avLst/>
+          </a:prstGeom>
+          <a:solidFill>
+            <a:srgbClr val="93B3D7"/>
+          </a:solidFill>
+          <a:ln w="9525" cap="flat">
+            <a:solidFill>
+              <a:schemeClr val="dk1"/>
+            </a:solidFill>
+            <a:prstDash val="solid"/>
+            <a:round/>
+            <a:headEnd type="none" w="med" len="med"/>
+            <a:tailEnd type="none" w="med" len="med"/>
+          </a:ln>
+        </p:spPr>
+        <p:txBody>
+          <a:bodyPr lIns="91425" tIns="45700" rIns="91425" bIns="45700" anchor="ctr" anchorCtr="0">
+            <a:noAutofit/>
+          </a:bodyPr>
+          <a:lstStyle/>
+          <a:p>
+            <a:pPr marL="0" marR="0" lvl="0" indent="0" algn="ctr" rtl="0">
+              <a:lnSpc>
+                <a:spcPct val="100000"/>
+              </a:lnSpc>
+              <a:spcBef>
+                <a:spcPts val="0"/>
+              </a:spcBef>
+              <a:spcAft>
+                <a:spcPts val="0"/>
+              </a:spcAft>
+              <a:buClr>
+                <a:schemeClr val="dk1"/>
+              </a:buClr>
+              <a:buSzPct val="25000"/>
+              <a:buFont typeface="Arial"/>
+              <a:buNone/>
+            </a:pPr>
+            <a:r>
+              <a:rPr lang="en-US" sz="1600" b="0" i="0" u="none" strike="noStrike" cap="none" baseline="0" dirty="0" smtClean="0">
+                <a:solidFill>
+                  <a:schemeClr val="dk1"/>
+                </a:solidFill>
+                <a:latin typeface="Arial"/>
+                <a:ea typeface="Arial"/>
+                <a:cs typeface="Arial"/>
+                <a:sym typeface="Arial"/>
+              </a:rPr>
+              <a:t>Network</a:t>
+            </a:r>
+            <a:r>
+              <a:rPr lang="en-US" sz="1600" b="0" i="0" u="none" strike="noStrike" cap="none" dirty="0" smtClean="0">
+                <a:solidFill>
+                  <a:schemeClr val="dk1"/>
+                </a:solidFill>
+                <a:latin typeface="Arial"/>
+                <a:ea typeface="Arial"/>
+                <a:cs typeface="Arial"/>
+                <a:sym typeface="Arial"/>
+              </a:rPr>
+              <a:t> (Ethernet + </a:t>
+            </a:r>
+            <a:r>
+              <a:rPr lang="en-US" sz="1600" b="0" i="0" u="none" strike="noStrike" cap="none" dirty="0" err="1" smtClean="0">
+                <a:solidFill>
+                  <a:schemeClr val="dk1"/>
+                </a:solidFill>
+                <a:latin typeface="Arial"/>
+                <a:ea typeface="Arial"/>
+                <a:cs typeface="Arial"/>
+                <a:sym typeface="Arial"/>
+              </a:rPr>
+              <a:t>Infiniband</a:t>
+            </a:r>
+            <a:r>
+              <a:rPr lang="en-US" sz="1600" b="0" i="0" u="none" strike="noStrike" cap="none" baseline="0" dirty="0" smtClean="0">
+                <a:solidFill>
+                  <a:schemeClr val="dk1"/>
+                </a:solidFill>
+                <a:latin typeface="Arial"/>
+                <a:ea typeface="Arial"/>
+                <a:cs typeface="Arial"/>
+                <a:sym typeface="Arial"/>
+              </a:rPr>
+              <a:t>)</a:t>
+            </a:r>
+            <a:endParaRPr lang="en-US" sz="1600" b="0" i="0" u="none" strike="noStrike" cap="none" baseline="0" dirty="0">
+              <a:solidFill>
+                <a:schemeClr val="dk1"/>
+              </a:solidFill>
+              <a:latin typeface="Arial"/>
+              <a:ea typeface="Arial"/>
+              <a:cs typeface="Arial"/>
+              <a:sym typeface="Arial"/>
+            </a:endParaRPr>
+          </a:p>
+        </p:txBody>
+      </p:sp>
+      <p:sp>
+        <p:nvSpPr>
+          <p:cNvPr id="191" name="Shape 191"/>
+          <p:cNvSpPr/>
+          <p:nvPr/>
+        </p:nvSpPr>
+        <p:spPr>
+          <a:xfrm>
+            <a:off x="533400" y="6019800"/>
+            <a:ext cx="7239000" cy="609599"/>
+          </a:xfrm>
+          <a:prstGeom prst="rect">
+            <a:avLst/>
+          </a:prstGeom>
+          <a:solidFill>
+            <a:srgbClr val="FF0000">
+              <a:alpha val="41960"/>
+            </a:srgbClr>
+          </a:solidFill>
+          <a:ln w="38100" cap="flat">
+            <a:solidFill>
+              <a:srgbClr val="FF0000"/>
+            </a:solidFill>
+            <a:prstDash val="solid"/>
+            <a:round/>
+            <a:headEnd type="none" w="med" len="med"/>
+            <a:tailEnd type="none" w="med" len="med"/>
+          </a:ln>
+        </p:spPr>
+        <p:txBody>
+          <a:bodyPr lIns="91425" tIns="45700" rIns="91425" bIns="45700" anchor="ctr" anchorCtr="0">
+            <a:noAutofit/>
+          </a:bodyPr>
+          <a:lstStyle/>
+          <a:p>
+            <a:pPr marL="0" marR="0" lvl="0" indent="0" algn="ctr" rtl="0">
+              <a:spcBef>
+                <a:spcPts val="0"/>
+              </a:spcBef>
+              <a:buNone/>
+            </a:pPr>
+            <a:endParaRPr sz="1800" b="0" i="0" u="none" strike="noStrike" cap="none" baseline="0">
+              <a:solidFill>
+                <a:schemeClr val="dk1"/>
+              </a:solidFill>
+              <a:latin typeface="Calibri"/>
+              <a:ea typeface="Calibri"/>
+              <a:cs typeface="Calibri"/>
+              <a:sym typeface="Calibri"/>
+            </a:endParaRPr>
+          </a:p>
+        </p:txBody>
+      </p:sp>
+      <p:sp>
+        <p:nvSpPr>
+          <p:cNvPr id="20" name="Slide Number Placeholder 2"/>
+          <p:cNvSpPr>
+            <a:spLocks noGrp="1"/>
+          </p:cNvSpPr>
+          <p:nvPr>
+            <p:ph type="sldNum" idx="12"/>
+          </p:nvPr>
+        </p:nvSpPr>
+        <p:spPr>
+          <a:xfrm>
+            <a:off x="6781800" y="6400800"/>
+            <a:ext cx="2133599" cy="365099"/>
+          </a:xfrm>
+        </p:spPr>
+        <p:txBody>
+          <a:bodyPr/>
+          <a:lstStyle/>
+          <a:p>
+            <a:pPr marL="0" lvl="0" indent="0">
+              <a:spcBef>
+                <a:spcPts val="0"/>
+              </a:spcBef>
+              <a:buSzPct val="25000"/>
+              <a:buNone/>
+            </a:pPr>
+            <a:fld id="{00000000-1234-1234-1234-123412341234}" type="slidenum">
+              <a:rPr lang="en-US" smtClean="0"/>
+              <a:t>11</a:t>
+            </a:fld>
+            <a:endParaRPr lang="en-US" dirty="0"/>
+          </a:p>
+        </p:txBody>
+      </p:sp>
+    </p:spTree>
+    <p:extLst>
+      <p:ext uri="{BB962C8B-B14F-4D97-AF65-F5344CB8AC3E}">
+        <p14:creationId xmlns:p14="http://schemas.microsoft.com/office/powerpoint/2010/main" val="1176150755"/>
+      </p:ext>
+    </p:extLst>
+  </p:cSld>
+  <p:clrMapOvr>
+    <a:masterClrMapping/>
+  </p:clrMapOvr>
+  <p:transition xmlns:p14="http://schemas.microsoft.com/office/powerpoint/2010/main" spd="slow">
+    <p:cut/>
+  </p:transition>
+  <p:timing>
+    <p:tnLst>
+      <p:par>
+        <p:cTn xmlns:p14="http://schemas.microsoft.com/office/powerpoint/2010/main" id="1" dur="indefinite" restart="never" nodeType="tmRoot"/>
+      </p:par>
+    </p:tnLst>
+  </p:timing>
+</p:sld>
+</file>
+
+<file path=ppt/slides/slide12.xml><?xml version="1.0" encoding="utf-8"?>
+<p:sld xmlns:a="http://schemas.openxmlformats.org/drawingml/2006/main" xmlns:r="http://schemas.openxmlformats.org/officeDocument/2006/relationships" xmlns:p="http://schemas.openxmlformats.org/presentationml/2006/main">
+  <p:cSld>
+    <p:spTree>
+      <p:nvGrpSpPr>
         <p:cNvPr id="1" name=""/>
         <p:cNvGrpSpPr/>
         <p:nvPr/>
@@ -13249,7 +15079,6 @@
               <a:rPr lang="en-US" dirty="0" smtClean="0"/>
               <a:t>High latency for big (&gt;1MB) packets</a:t>
             </a:r>
-            <a:endParaRPr lang="en-US" dirty="0" smtClean="0"/>
           </a:p>
           <a:p>
             <a:pPr marL="0" lvl="1"/>
@@ -13257,7 +15086,6 @@
               <a:rPr lang="en-US" dirty="0" smtClean="0"/>
               <a:t>Bandwidth:</a:t>
             </a:r>
-            <a:endParaRPr lang="en-US" dirty="0" smtClean="0"/>
           </a:p>
           <a:p>
             <a:pPr marL="581025" lvl="1" indent="-290513">
@@ -13282,6 +15110,41 @@
               <a:rPr lang="en-US" dirty="0" smtClean="0"/>
               <a:t>s</a:t>
             </a:r>
+            <a:endParaRPr lang="en-US" dirty="0"/>
+          </a:p>
+        </p:txBody>
+      </p:sp>
+      <p:sp>
+        <p:nvSpPr>
+          <p:cNvPr id="11" name="Slide Number Placeholder 2"/>
+          <p:cNvSpPr>
+            <a:spLocks noGrp="1"/>
+          </p:cNvSpPr>
+          <p:nvPr>
+            <p:ph type="sldNum" idx="12"/>
+          </p:nvPr>
+        </p:nvSpPr>
+        <p:spPr>
+          <a:xfrm>
+            <a:off x="6858001" y="6400800"/>
+            <a:ext cx="2133599" cy="365099"/>
+          </a:xfrm>
+        </p:spPr>
+        <p:txBody>
+          <a:bodyPr/>
+          <a:lstStyle/>
+          <a:p>
+            <a:pPr marL="0" lvl="0" indent="0">
+              <a:spcBef>
+                <a:spcPts val="0"/>
+              </a:spcBef>
+              <a:buSzPct val="25000"/>
+              <a:buNone/>
+            </a:pPr>
+            <a:fld id="{00000000-1234-1234-1234-123412341234}" type="slidenum">
+              <a:rPr lang="en-US" smtClean="0"/>
+              <a:t>12</a:t>
+            </a:fld>
             <a:endParaRPr lang="en-US" dirty="0"/>
           </a:p>
         </p:txBody>
@@ -13306,7 +15169,7 @@
 </p:sld>
 </file>
 
-<file path=ppt/slides/slide12.xml><?xml version="1.0" encoding="utf-8"?>
+<file path=ppt/slides/slide13.xml><?xml version="1.0" encoding="utf-8"?>
 <p:sld xmlns:a="http://schemas.openxmlformats.org/drawingml/2006/main" xmlns:r="http://schemas.openxmlformats.org/officeDocument/2006/relationships" xmlns:p="http://schemas.openxmlformats.org/presentationml/2006/main">
   <p:cSld>
     <p:spTree>
@@ -14466,6 +16329,151 @@
           </a:p>
         </p:txBody>
       </p:sp>
+      <p:sp>
+        <p:nvSpPr>
+          <p:cNvPr id="19" name="Shape 178"/>
+          <p:cNvSpPr/>
+          <p:nvPr/>
+        </p:nvSpPr>
+        <p:spPr>
+          <a:xfrm>
+            <a:off x="609600" y="6096000"/>
+            <a:ext cx="7086600" cy="531122"/>
+          </a:xfrm>
+          <a:prstGeom prst="rect">
+            <a:avLst/>
+          </a:prstGeom>
+          <a:solidFill>
+            <a:srgbClr val="93B3D7"/>
+          </a:solidFill>
+          <a:ln w="9525" cap="flat">
+            <a:solidFill>
+              <a:schemeClr val="dk1"/>
+            </a:solidFill>
+            <a:prstDash val="solid"/>
+            <a:round/>
+            <a:headEnd type="none" w="med" len="med"/>
+            <a:tailEnd type="none" w="med" len="med"/>
+          </a:ln>
+        </p:spPr>
+        <p:txBody>
+          <a:bodyPr lIns="91425" tIns="45700" rIns="91425" bIns="45700" anchor="ctr" anchorCtr="0">
+            <a:noAutofit/>
+          </a:bodyPr>
+          <a:lstStyle/>
+          <a:p>
+            <a:pPr marL="0" marR="0" lvl="0" indent="0" algn="ctr" rtl="0">
+              <a:lnSpc>
+                <a:spcPct val="100000"/>
+              </a:lnSpc>
+              <a:spcBef>
+                <a:spcPts val="0"/>
+              </a:spcBef>
+              <a:spcAft>
+                <a:spcPts val="0"/>
+              </a:spcAft>
+              <a:buClr>
+                <a:schemeClr val="dk1"/>
+              </a:buClr>
+              <a:buSzPct val="25000"/>
+              <a:buFont typeface="Arial"/>
+              <a:buNone/>
+            </a:pPr>
+            <a:r>
+              <a:rPr lang="en-US" sz="1600" b="0" i="0" u="none" strike="noStrike" cap="none" baseline="0" dirty="0" smtClean="0">
+                <a:solidFill>
+                  <a:schemeClr val="dk1"/>
+                </a:solidFill>
+                <a:latin typeface="Arial"/>
+                <a:ea typeface="Arial"/>
+                <a:cs typeface="Arial"/>
+                <a:sym typeface="Arial"/>
+              </a:rPr>
+              <a:t>Network</a:t>
+            </a:r>
+            <a:r>
+              <a:rPr lang="en-US" sz="1600" b="0" i="0" u="none" strike="noStrike" cap="none" dirty="0" smtClean="0">
+                <a:solidFill>
+                  <a:schemeClr val="dk1"/>
+                </a:solidFill>
+                <a:latin typeface="Arial"/>
+                <a:ea typeface="Arial"/>
+                <a:cs typeface="Arial"/>
+                <a:sym typeface="Arial"/>
+              </a:rPr>
+              <a:t> (Ethernet + </a:t>
+            </a:r>
+            <a:r>
+              <a:rPr lang="en-US" sz="1600" b="0" i="0" u="none" strike="noStrike" cap="none" dirty="0" err="1" smtClean="0">
+                <a:solidFill>
+                  <a:schemeClr val="dk1"/>
+                </a:solidFill>
+                <a:latin typeface="Arial"/>
+                <a:ea typeface="Arial"/>
+                <a:cs typeface="Arial"/>
+                <a:sym typeface="Arial"/>
+              </a:rPr>
+              <a:t>Infiniband</a:t>
+            </a:r>
+            <a:r>
+              <a:rPr lang="en-US" sz="1600" b="0" i="0" u="none" strike="noStrike" cap="none" baseline="0" dirty="0" smtClean="0">
+                <a:solidFill>
+                  <a:schemeClr val="dk1"/>
+                </a:solidFill>
+                <a:latin typeface="Arial"/>
+                <a:ea typeface="Arial"/>
+                <a:cs typeface="Arial"/>
+                <a:sym typeface="Arial"/>
+              </a:rPr>
+              <a:t>)</a:t>
+            </a:r>
+            <a:endParaRPr lang="en-US" sz="1600" b="0" i="0" u="none" strike="noStrike" cap="none" baseline="0" dirty="0">
+              <a:solidFill>
+                <a:schemeClr val="dk1"/>
+              </a:solidFill>
+              <a:latin typeface="Arial"/>
+              <a:ea typeface="Arial"/>
+              <a:cs typeface="Arial"/>
+              <a:sym typeface="Arial"/>
+            </a:endParaRPr>
+          </a:p>
+        </p:txBody>
+      </p:sp>
+      <p:sp>
+        <p:nvSpPr>
+          <p:cNvPr id="24" name="Slide Number Placeholder 2"/>
+          <p:cNvSpPr>
+            <a:spLocks noGrp="1"/>
+          </p:cNvSpPr>
+          <p:nvPr>
+            <p:ph type="sldNum" idx="12"/>
+          </p:nvPr>
+        </p:nvSpPr>
+        <p:spPr>
+          <a:xfrm>
+            <a:off x="6781800" y="6400800"/>
+            <a:ext cx="2133599" cy="365099"/>
+          </a:xfrm>
+        </p:spPr>
+        <p:txBody>
+          <a:bodyPr/>
+          <a:lstStyle/>
+          <a:p>
+            <a:pPr marL="0" lvl="0" indent="0">
+              <a:spcBef>
+                <a:spcPts val="0"/>
+              </a:spcBef>
+              <a:buSzPct val="25000"/>
+              <a:buNone/>
+            </a:pPr>
+            <a:fld id="{00000000-1234-1234-1234-123412341234}" type="slidenum">
+              <a:rPr lang="en-US" smtClean="0"/>
+              <a:t>13</a:t>
+            </a:fld>
+            <a:endParaRPr lang="en-US" dirty="0"/>
+          </a:p>
+        </p:txBody>
+      </p:sp>
     </p:spTree>
   </p:cSld>
   <p:clrMapOvr>
@@ -14484,7 +16492,7 @@
 </p:sld>
 </file>
 
-<file path=ppt/slides/slide13.xml><?xml version="1.0" encoding="utf-8"?>
+<file path=ppt/slides/slide14.xml><?xml version="1.0" encoding="utf-8"?>
 <p:sld xmlns:a="http://schemas.openxmlformats.org/drawingml/2006/main" xmlns:r="http://schemas.openxmlformats.org/officeDocument/2006/relationships" xmlns:p="http://schemas.openxmlformats.org/presentationml/2006/main">
   <p:cSld>
     <p:spTree>
@@ -15140,6 +17148,41 @@
           </a:p>
         </p:txBody>
       </p:sp>
+      <p:sp>
+        <p:nvSpPr>
+          <p:cNvPr id="7" name="Slide Number Placeholder 2"/>
+          <p:cNvSpPr>
+            <a:spLocks noGrp="1"/>
+          </p:cNvSpPr>
+          <p:nvPr>
+            <p:ph type="sldNum" idx="12"/>
+          </p:nvPr>
+        </p:nvSpPr>
+        <p:spPr>
+          <a:xfrm>
+            <a:off x="6781800" y="6400800"/>
+            <a:ext cx="2133599" cy="365099"/>
+          </a:xfrm>
+        </p:spPr>
+        <p:txBody>
+          <a:bodyPr/>
+          <a:lstStyle/>
+          <a:p>
+            <a:pPr marL="0" lvl="0" indent="0">
+              <a:spcBef>
+                <a:spcPts val="0"/>
+              </a:spcBef>
+              <a:buSzPct val="25000"/>
+              <a:buNone/>
+            </a:pPr>
+            <a:fld id="{00000000-1234-1234-1234-123412341234}" type="slidenum">
+              <a:rPr lang="en-US" smtClean="0"/>
+              <a:t>14</a:t>
+            </a:fld>
+            <a:endParaRPr lang="en-US" dirty="0"/>
+          </a:p>
+        </p:txBody>
+      </p:sp>
     </p:spTree>
   </p:cSld>
   <p:clrMapOvr>
@@ -15148,401 +17191,6 @@
   <p:transition xmlns:p14="http://schemas.microsoft.com/office/powerpoint/2010/main" spd="slow">
     <p:cut/>
   </p:transition>
-  <p:timing>
-    <p:tnLst>
-      <p:par>
-        <p:cTn xmlns:p14="http://schemas.microsoft.com/office/powerpoint/2010/main" id="1" dur="indefinite" restart="never" nodeType="tmRoot"/>
-      </p:par>
-    </p:tnLst>
-  </p:timing>
-</p:sld>
-</file>
-
-<file path=ppt/slides/slide14.xml><?xml version="1.0" encoding="utf-8"?>
-<p:sld xmlns:a="http://schemas.openxmlformats.org/drawingml/2006/main" xmlns:r="http://schemas.openxmlformats.org/officeDocument/2006/relationships" xmlns:p="http://schemas.openxmlformats.org/presentationml/2006/main">
-  <p:cSld>
-    <p:spTree>
-      <p:nvGrpSpPr>
-        <p:cNvPr id="1" name=""/>
-        <p:cNvGrpSpPr/>
-        <p:nvPr/>
-      </p:nvGrpSpPr>
-      <p:grpSpPr>
-        <a:xfrm>
-          <a:off x="0" y="0"/>
-          <a:ext cx="0" cy="0"/>
-          <a:chOff x="0" y="0"/>
-          <a:chExt cx="0" cy="0"/>
-        </a:xfrm>
-      </p:grpSpPr>
-      <p:sp>
-        <p:nvSpPr>
-          <p:cNvPr id="7" name="TextBox 6"/>
-          <p:cNvSpPr txBox="1"/>
-          <p:nvPr/>
-        </p:nvSpPr>
-        <p:spPr>
-          <a:xfrm>
-            <a:off x="128046" y="302842"/>
-            <a:ext cx="1888483" cy="553998"/>
-          </a:xfrm>
-          <a:prstGeom prst="rect">
-            <a:avLst/>
-          </a:prstGeom>
-          <a:noFill/>
-        </p:spPr>
-        <p:txBody>
-          <a:bodyPr wrap="none" rtlCol="0">
-            <a:spAutoFit/>
-          </a:bodyPr>
-          <a:lstStyle/>
-          <a:p>
-            <a:r>
-              <a:rPr lang="en-US" sz="3000" b="1" dirty="0" err="1" smtClean="0"/>
-              <a:t>RAMCloud</a:t>
-            </a:r>
-            <a:endParaRPr lang="en-US" sz="3000" b="1" dirty="0"/>
-          </a:p>
-        </p:txBody>
-      </p:sp>
-      <p:sp>
-        <p:nvSpPr>
-          <p:cNvPr id="11" name="TextBox 10"/>
-          <p:cNvSpPr txBox="1"/>
-          <p:nvPr/>
-        </p:nvSpPr>
-        <p:spPr>
-          <a:xfrm>
-            <a:off x="4953000" y="4876800"/>
-            <a:ext cx="4038600" cy="1848977"/>
-          </a:xfrm>
-          <a:prstGeom prst="rect">
-            <a:avLst/>
-          </a:prstGeom>
-          <a:noFill/>
-          <a:ln>
-            <a:solidFill>
-              <a:schemeClr val="tx1"/>
-            </a:solidFill>
-          </a:ln>
-        </p:spPr>
-        <p:txBody>
-          <a:bodyPr wrap="none" rtlCol="0">
-            <a:noAutofit/>
-          </a:bodyPr>
-          <a:lstStyle/>
-          <a:p>
-            <a:r>
-              <a:rPr lang="en-US" dirty="0" smtClean="0"/>
-              <a:t>Latency / Bandwidth:</a:t>
-            </a:r>
-          </a:p>
-          <a:p>
-            <a:pPr marL="285750" indent="-285750">
-              <a:buFont typeface="Arial"/>
-              <a:buChar char="•"/>
-            </a:pPr>
-            <a:r>
-              <a:rPr lang="en-US" dirty="0" smtClean="0"/>
-              <a:t>67</a:t>
-            </a:r>
-            <a:r>
-              <a:rPr lang="en-US" dirty="0"/>
-              <a:t>-107% higher read </a:t>
-            </a:r>
-            <a:r>
-              <a:rPr lang="en-US" dirty="0" smtClean="0"/>
-              <a:t>bandwidth</a:t>
-            </a:r>
-          </a:p>
-          <a:p>
-            <a:pPr marL="285750" indent="-285750">
-              <a:buFont typeface="Arial"/>
-              <a:buChar char="•"/>
-            </a:pPr>
-            <a:r>
-              <a:rPr lang="en-US" dirty="0" smtClean="0"/>
-              <a:t>45-</a:t>
-            </a:r>
-            <a:r>
-              <a:rPr lang="en-US" dirty="0"/>
-              <a:t>53% lower read </a:t>
-            </a:r>
-            <a:r>
-              <a:rPr lang="en-US" dirty="0" smtClean="0"/>
-              <a:t>latency</a:t>
-            </a:r>
-          </a:p>
-          <a:p>
-            <a:endParaRPr lang="en-US" dirty="0" smtClean="0"/>
-          </a:p>
-          <a:p>
-            <a:r>
-              <a:rPr lang="en-US" dirty="0" smtClean="0"/>
-              <a:t>Challenges:</a:t>
-            </a:r>
-          </a:p>
-          <a:p>
-            <a:pPr marL="285750" indent="-285750">
-              <a:buFont typeface="Arial"/>
-              <a:buChar char="•"/>
-            </a:pPr>
-            <a:r>
-              <a:rPr lang="en-US" dirty="0" smtClean="0"/>
-              <a:t>ACID multi-key transactions with</a:t>
-            </a:r>
-          </a:p>
-          <a:p>
-            <a:r>
-              <a:rPr lang="en-US" dirty="0" smtClean="0"/>
-              <a:t> low-latency and at scale</a:t>
-            </a:r>
-          </a:p>
-          <a:p>
-            <a:endParaRPr lang="en-US" dirty="0"/>
-          </a:p>
-        </p:txBody>
-      </p:sp>
-      <p:sp>
-        <p:nvSpPr>
-          <p:cNvPr id="13" name="TextBox 12"/>
-          <p:cNvSpPr txBox="1"/>
-          <p:nvPr/>
-        </p:nvSpPr>
-        <p:spPr>
-          <a:xfrm>
-            <a:off x="522111" y="2398889"/>
-            <a:ext cx="184666" cy="369332"/>
-          </a:xfrm>
-          <a:prstGeom prst="rect">
-            <a:avLst/>
-          </a:prstGeom>
-          <a:noFill/>
-        </p:spPr>
-        <p:txBody>
-          <a:bodyPr wrap="none" rtlCol="0">
-            <a:spAutoFit/>
-          </a:bodyPr>
-          <a:lstStyle/>
-          <a:p>
-            <a:endParaRPr lang="en-US" dirty="0"/>
-          </a:p>
-        </p:txBody>
-      </p:sp>
-      <p:sp>
-        <p:nvSpPr>
-          <p:cNvPr id="14" name="TextBox 13"/>
-          <p:cNvSpPr txBox="1"/>
-          <p:nvPr/>
-        </p:nvSpPr>
-        <p:spPr>
-          <a:xfrm>
-            <a:off x="818444" y="3048000"/>
-            <a:ext cx="184666" cy="369332"/>
-          </a:xfrm>
-          <a:prstGeom prst="rect">
-            <a:avLst/>
-          </a:prstGeom>
-          <a:noFill/>
-        </p:spPr>
-        <p:txBody>
-          <a:bodyPr wrap="none" rtlCol="0">
-            <a:spAutoFit/>
-          </a:bodyPr>
-          <a:lstStyle/>
-          <a:p>
-            <a:endParaRPr lang="en-US" dirty="0"/>
-          </a:p>
-        </p:txBody>
-      </p:sp>
-      <p:pic>
-        <p:nvPicPr>
-          <p:cNvPr id="15" name="Picture 14" descr="ramcloud_benchmark_lat_illus.pdf"/>
-          <p:cNvPicPr>
-            <a:picLocks noChangeAspect="1"/>
-          </p:cNvPicPr>
-          <p:nvPr/>
-        </p:nvPicPr>
-        <p:blipFill>
-          <a:blip r:embed="rId3">
-            <a:extLst>
-              <a:ext uri="{28A0092B-C50C-407E-A947-70E740481C1C}">
-                <a14:useLocalDpi xmlns:a14="http://schemas.microsoft.com/office/drawing/2010/main" val="0"/>
-              </a:ext>
-            </a:extLst>
-          </a:blip>
-          <a:stretch>
-            <a:fillRect/>
-          </a:stretch>
-        </p:blipFill>
-        <p:spPr>
-          <a:xfrm>
-            <a:off x="243914" y="913284"/>
-            <a:ext cx="3580197" cy="3674947"/>
-          </a:xfrm>
-          <a:prstGeom prst="rect">
-            <a:avLst/>
-          </a:prstGeom>
-        </p:spPr>
-      </p:pic>
-      <p:sp>
-        <p:nvSpPr>
-          <p:cNvPr id="8" name="TextBox 7"/>
-          <p:cNvSpPr txBox="1"/>
-          <p:nvPr/>
-        </p:nvSpPr>
-        <p:spPr>
-          <a:xfrm>
-            <a:off x="228600" y="4876800"/>
-            <a:ext cx="4495800" cy="1848977"/>
-          </a:xfrm>
-          <a:prstGeom prst="rect">
-            <a:avLst/>
-          </a:prstGeom>
-          <a:noFill/>
-          <a:ln>
-            <a:solidFill>
-              <a:schemeClr val="tx1"/>
-            </a:solidFill>
-          </a:ln>
-        </p:spPr>
-        <p:txBody>
-          <a:bodyPr wrap="none" rtlCol="0">
-            <a:noAutofit/>
-          </a:bodyPr>
-          <a:lstStyle/>
-          <a:p>
-            <a:r>
-              <a:rPr lang="en-US" dirty="0" err="1" smtClean="0"/>
-              <a:t>ClusterPerf</a:t>
-            </a:r>
-            <a:r>
-              <a:rPr lang="en-US" dirty="0" smtClean="0"/>
-              <a:t>: </a:t>
-            </a:r>
-          </a:p>
-          <a:p>
-            <a:pPr marL="285750" indent="-285750">
-              <a:buFont typeface="Arial"/>
-              <a:buChar char="•"/>
-            </a:pPr>
-            <a:r>
-              <a:rPr lang="en-US" dirty="0" err="1" smtClean="0"/>
-              <a:t>RAMCloud</a:t>
-            </a:r>
-            <a:r>
-              <a:rPr lang="en-US" dirty="0" smtClean="0"/>
-              <a:t> test suite (</a:t>
-            </a:r>
-            <a:r>
-              <a:rPr lang="en-US" dirty="0" err="1" smtClean="0"/>
-              <a:t>eg</a:t>
-            </a:r>
-            <a:r>
-              <a:rPr lang="en-US" dirty="0" smtClean="0"/>
-              <a:t>., </a:t>
-            </a:r>
-            <a:r>
-              <a:rPr lang="en-US" dirty="0" err="1" smtClean="0"/>
-              <a:t>multiReads</a:t>
-            </a:r>
-            <a:r>
-              <a:rPr lang="en-US" dirty="0" smtClean="0"/>
-              <a:t>, broadcasts)</a:t>
-            </a:r>
-          </a:p>
-          <a:p>
-            <a:pPr marL="285750" indent="-285750">
-              <a:buFont typeface="Arial"/>
-              <a:buChar char="•"/>
-            </a:pPr>
-            <a:r>
-              <a:rPr lang="en-US" dirty="0" smtClean="0"/>
-              <a:t>We use one test (sequential read/write of </a:t>
-            </a:r>
-          </a:p>
-          <a:p>
-            <a:r>
-              <a:rPr lang="en-US" dirty="0" smtClean="0"/>
-              <a:t>random objects)</a:t>
-            </a:r>
-          </a:p>
-          <a:p>
-            <a:pPr marL="285750" indent="-285750">
-              <a:buFontTx/>
-              <a:buChar char="-"/>
-            </a:pPr>
-            <a:endParaRPr lang="en-US" dirty="0"/>
-          </a:p>
-          <a:p>
-            <a:r>
-              <a:rPr lang="en-US" dirty="0" err="1" smtClean="0"/>
-              <a:t>RAMCloud</a:t>
-            </a:r>
-            <a:r>
-              <a:rPr lang="en-US" dirty="0" smtClean="0"/>
-              <a:t>:</a:t>
-            </a:r>
-          </a:p>
-          <a:p>
-            <a:pPr marL="285750" indent="-285750">
-              <a:buFont typeface="Arial"/>
-              <a:buChar char="•"/>
-            </a:pPr>
-            <a:r>
-              <a:rPr lang="en-US" dirty="0" smtClean="0"/>
-              <a:t>4 nodes, replication factor = 0</a:t>
-            </a:r>
-          </a:p>
-          <a:p>
-            <a:pPr marL="285750" indent="-285750">
-              <a:buFontTx/>
-              <a:buChar char="-"/>
-            </a:pPr>
-            <a:endParaRPr lang="en-US" dirty="0" smtClean="0"/>
-          </a:p>
-        </p:txBody>
-      </p:sp>
-      <p:pic>
-        <p:nvPicPr>
-          <p:cNvPr id="2" name="Picture 1" descr="ramcloud_benchmark_bw_illust_v2.pdf"/>
-          <p:cNvPicPr>
-            <a:picLocks noChangeAspect="1"/>
-          </p:cNvPicPr>
-          <p:nvPr/>
-        </p:nvPicPr>
-        <p:blipFill>
-          <a:blip r:embed="rId4">
-            <a:extLst>
-              <a:ext uri="{28A0092B-C50C-407E-A947-70E740481C1C}">
-                <a14:useLocalDpi xmlns:a14="http://schemas.microsoft.com/office/drawing/2010/main" val="0"/>
-              </a:ext>
-            </a:extLst>
-          </a:blip>
-          <a:stretch>
-            <a:fillRect/>
-          </a:stretch>
-        </p:blipFill>
-        <p:spPr>
-          <a:xfrm>
-            <a:off x="4724400" y="914400"/>
-            <a:ext cx="3665493" cy="3743031"/>
-          </a:xfrm>
-          <a:prstGeom prst="rect">
-            <a:avLst/>
-          </a:prstGeom>
-        </p:spPr>
-      </p:pic>
-    </p:spTree>
-    <p:extLst>
-      <p:ext uri="{BB962C8B-B14F-4D97-AF65-F5344CB8AC3E}">
-        <p14:creationId xmlns:p14="http://schemas.microsoft.com/office/powerpoint/2010/main" val="3294093761"/>
-      </p:ext>
-    </p:extLst>
-  </p:cSld>
-  <p:clrMapOvr>
-    <a:masterClrMapping/>
-  </p:clrMapOvr>
   <p:timing>
     <p:tnLst>
       <p:par>
@@ -15578,7 +17226,437 @@
         </p:nvSpPr>
         <p:spPr>
           <a:xfrm>
-            <a:off x="128046" y="302842"/>
+            <a:off x="3886200" y="304800"/>
+            <a:ext cx="1888483" cy="553998"/>
+          </a:xfrm>
+          <a:prstGeom prst="rect">
+            <a:avLst/>
+          </a:prstGeom>
+          <a:noFill/>
+        </p:spPr>
+        <p:txBody>
+          <a:bodyPr wrap="none" rtlCol="0">
+            <a:spAutoFit/>
+          </a:bodyPr>
+          <a:lstStyle/>
+          <a:p>
+            <a:r>
+              <a:rPr lang="en-US" sz="3000" b="1" dirty="0" err="1" smtClean="0"/>
+              <a:t>RAMCloud</a:t>
+            </a:r>
+            <a:endParaRPr lang="en-US" sz="3000" b="1" dirty="0"/>
+          </a:p>
+        </p:txBody>
+      </p:sp>
+      <p:sp>
+        <p:nvSpPr>
+          <p:cNvPr id="11" name="TextBox 10"/>
+          <p:cNvSpPr txBox="1"/>
+          <p:nvPr/>
+        </p:nvSpPr>
+        <p:spPr>
+          <a:xfrm>
+            <a:off x="4953000" y="4876800"/>
+            <a:ext cx="3581400" cy="1848977"/>
+          </a:xfrm>
+          <a:prstGeom prst="rect">
+            <a:avLst/>
+          </a:prstGeom>
+          <a:noFill/>
+          <a:ln>
+            <a:solidFill>
+              <a:schemeClr val="tx1"/>
+            </a:solidFill>
+          </a:ln>
+        </p:spPr>
+        <p:txBody>
+          <a:bodyPr wrap="none" rtlCol="0">
+            <a:noAutofit/>
+          </a:bodyPr>
+          <a:lstStyle/>
+          <a:p>
+            <a:r>
+              <a:rPr lang="en-US" dirty="0" smtClean="0"/>
+              <a:t>Latency / Bandwidth:</a:t>
+            </a:r>
+          </a:p>
+          <a:p>
+            <a:pPr marL="285750" indent="-285750">
+              <a:buFont typeface="Arial"/>
+              <a:buChar char="•"/>
+            </a:pPr>
+            <a:r>
+              <a:rPr lang="en-US" dirty="0" smtClean="0"/>
+              <a:t>67</a:t>
+            </a:r>
+            <a:r>
+              <a:rPr lang="en-US" dirty="0"/>
+              <a:t>-107% higher read </a:t>
+            </a:r>
+            <a:r>
+              <a:rPr lang="en-US" dirty="0" smtClean="0"/>
+              <a:t>bandwidth</a:t>
+            </a:r>
+          </a:p>
+          <a:p>
+            <a:pPr marL="285750" indent="-285750">
+              <a:buFont typeface="Arial"/>
+              <a:buChar char="•"/>
+            </a:pPr>
+            <a:r>
+              <a:rPr lang="en-US" dirty="0" smtClean="0"/>
+              <a:t>45-</a:t>
+            </a:r>
+            <a:r>
+              <a:rPr lang="en-US" dirty="0"/>
+              <a:t>53% lower read </a:t>
+            </a:r>
+            <a:r>
+              <a:rPr lang="en-US" dirty="0" smtClean="0"/>
+              <a:t>latency</a:t>
+            </a:r>
+          </a:p>
+          <a:p>
+            <a:endParaRPr lang="en-US" dirty="0" smtClean="0"/>
+          </a:p>
+          <a:p>
+            <a:r>
+              <a:rPr lang="en-US" dirty="0" smtClean="0"/>
+              <a:t>Challenges:</a:t>
+            </a:r>
+          </a:p>
+          <a:p>
+            <a:pPr marL="285750" indent="-285750">
+              <a:buFont typeface="Arial"/>
+              <a:buChar char="•"/>
+            </a:pPr>
+            <a:r>
+              <a:rPr lang="en-US" dirty="0" smtClean="0"/>
+              <a:t>ACID multi-key transactions with</a:t>
+            </a:r>
+          </a:p>
+          <a:p>
+            <a:r>
+              <a:rPr lang="en-US" dirty="0" smtClean="0"/>
+              <a:t> low-latency and at scale</a:t>
+            </a:r>
+          </a:p>
+          <a:p>
+            <a:endParaRPr lang="en-US" dirty="0"/>
+          </a:p>
+        </p:txBody>
+      </p:sp>
+      <p:sp>
+        <p:nvSpPr>
+          <p:cNvPr id="13" name="TextBox 12"/>
+          <p:cNvSpPr txBox="1"/>
+          <p:nvPr/>
+        </p:nvSpPr>
+        <p:spPr>
+          <a:xfrm>
+            <a:off x="522111" y="2398889"/>
+            <a:ext cx="184666" cy="369332"/>
+          </a:xfrm>
+          <a:prstGeom prst="rect">
+            <a:avLst/>
+          </a:prstGeom>
+          <a:noFill/>
+        </p:spPr>
+        <p:txBody>
+          <a:bodyPr wrap="none" rtlCol="0">
+            <a:spAutoFit/>
+          </a:bodyPr>
+          <a:lstStyle/>
+          <a:p>
+            <a:endParaRPr lang="en-US" dirty="0"/>
+          </a:p>
+        </p:txBody>
+      </p:sp>
+      <p:sp>
+        <p:nvSpPr>
+          <p:cNvPr id="14" name="TextBox 13"/>
+          <p:cNvSpPr txBox="1"/>
+          <p:nvPr/>
+        </p:nvSpPr>
+        <p:spPr>
+          <a:xfrm>
+            <a:off x="818444" y="3048000"/>
+            <a:ext cx="184666" cy="369332"/>
+          </a:xfrm>
+          <a:prstGeom prst="rect">
+            <a:avLst/>
+          </a:prstGeom>
+          <a:noFill/>
+        </p:spPr>
+        <p:txBody>
+          <a:bodyPr wrap="none" rtlCol="0">
+            <a:spAutoFit/>
+          </a:bodyPr>
+          <a:lstStyle/>
+          <a:p>
+            <a:endParaRPr lang="en-US" dirty="0"/>
+          </a:p>
+        </p:txBody>
+      </p:sp>
+      <p:sp>
+        <p:nvSpPr>
+          <p:cNvPr id="8" name="TextBox 7"/>
+          <p:cNvSpPr txBox="1"/>
+          <p:nvPr/>
+        </p:nvSpPr>
+        <p:spPr>
+          <a:xfrm>
+            <a:off x="228600" y="4876800"/>
+            <a:ext cx="4495800" cy="1848977"/>
+          </a:xfrm>
+          <a:prstGeom prst="rect">
+            <a:avLst/>
+          </a:prstGeom>
+          <a:noFill/>
+          <a:ln>
+            <a:solidFill>
+              <a:schemeClr val="tx1"/>
+            </a:solidFill>
+          </a:ln>
+        </p:spPr>
+        <p:txBody>
+          <a:bodyPr wrap="none" rtlCol="0">
+            <a:noAutofit/>
+          </a:bodyPr>
+          <a:lstStyle/>
+          <a:p>
+            <a:r>
+              <a:rPr lang="en-US" dirty="0" err="1" smtClean="0"/>
+              <a:t>ClusterPerf</a:t>
+            </a:r>
+            <a:r>
+              <a:rPr lang="en-US" dirty="0" smtClean="0"/>
+              <a:t>: </a:t>
+            </a:r>
+          </a:p>
+          <a:p>
+            <a:pPr marL="285750" indent="-285750">
+              <a:buFont typeface="Arial"/>
+              <a:buChar char="•"/>
+            </a:pPr>
+            <a:r>
+              <a:rPr lang="en-US" dirty="0" err="1" smtClean="0"/>
+              <a:t>RAMCloud</a:t>
+            </a:r>
+            <a:r>
+              <a:rPr lang="en-US" dirty="0" smtClean="0"/>
+              <a:t> test suite (</a:t>
+            </a:r>
+            <a:r>
+              <a:rPr lang="en-US" dirty="0" err="1" smtClean="0"/>
+              <a:t>eg</a:t>
+            </a:r>
+            <a:r>
+              <a:rPr lang="en-US" dirty="0" smtClean="0"/>
+              <a:t>., </a:t>
+            </a:r>
+            <a:r>
+              <a:rPr lang="en-US" dirty="0" err="1" smtClean="0"/>
+              <a:t>multiReads</a:t>
+            </a:r>
+            <a:r>
+              <a:rPr lang="en-US" dirty="0" smtClean="0"/>
+              <a:t>, broadcasts)</a:t>
+            </a:r>
+          </a:p>
+          <a:p>
+            <a:pPr marL="285750" indent="-285750">
+              <a:buFont typeface="Arial"/>
+              <a:buChar char="•"/>
+            </a:pPr>
+            <a:r>
+              <a:rPr lang="en-US" dirty="0" smtClean="0"/>
+              <a:t>We use one test (sequential read/write of </a:t>
+            </a:r>
+          </a:p>
+          <a:p>
+            <a:r>
+              <a:rPr lang="en-US" dirty="0" smtClean="0"/>
+              <a:t>random objects)</a:t>
+            </a:r>
+          </a:p>
+          <a:p>
+            <a:pPr marL="285750" indent="-285750">
+              <a:buFontTx/>
+              <a:buChar char="-"/>
+            </a:pPr>
+            <a:endParaRPr lang="en-US" dirty="0"/>
+          </a:p>
+          <a:p>
+            <a:r>
+              <a:rPr lang="en-US" dirty="0" err="1" smtClean="0"/>
+              <a:t>RAMCloud</a:t>
+            </a:r>
+            <a:r>
+              <a:rPr lang="en-US" dirty="0" smtClean="0"/>
+              <a:t>:</a:t>
+            </a:r>
+          </a:p>
+          <a:p>
+            <a:pPr marL="285750" indent="-285750">
+              <a:buFont typeface="Arial"/>
+              <a:buChar char="•"/>
+            </a:pPr>
+            <a:r>
+              <a:rPr lang="en-US" dirty="0" smtClean="0"/>
+              <a:t>4 nodes, replication factor = 0</a:t>
+            </a:r>
+          </a:p>
+          <a:p>
+            <a:pPr marL="285750" indent="-285750">
+              <a:buFontTx/>
+              <a:buChar char="-"/>
+            </a:pPr>
+            <a:endParaRPr lang="en-US" dirty="0" smtClean="0"/>
+          </a:p>
+        </p:txBody>
+      </p:sp>
+      <p:pic>
+        <p:nvPicPr>
+          <p:cNvPr id="4" name="Picture 3" descr="ramcloud_benchmark_bw_illust_v3.pdf"/>
+          <p:cNvPicPr>
+            <a:picLocks noChangeAspect="1"/>
+          </p:cNvPicPr>
+          <p:nvPr/>
+        </p:nvPicPr>
+        <p:blipFill>
+          <a:blip r:embed="rId3">
+            <a:extLst>
+              <a:ext uri="{28A0092B-C50C-407E-A947-70E740481C1C}">
+                <a14:useLocalDpi xmlns:a14="http://schemas.microsoft.com/office/drawing/2010/main" val="0"/>
+              </a:ext>
+            </a:extLst>
+          </a:blip>
+          <a:stretch>
+            <a:fillRect/>
+          </a:stretch>
+        </p:blipFill>
+        <p:spPr>
+          <a:xfrm>
+            <a:off x="4572000" y="990600"/>
+            <a:ext cx="4495800" cy="3817517"/>
+          </a:xfrm>
+          <a:prstGeom prst="rect">
+            <a:avLst/>
+          </a:prstGeom>
+        </p:spPr>
+      </p:pic>
+      <p:pic>
+        <p:nvPicPr>
+          <p:cNvPr id="5" name="Picture 4" descr="ramcloud_benchmark_lat_illus_v3.pdf"/>
+          <p:cNvPicPr>
+            <a:picLocks noChangeAspect="1"/>
+          </p:cNvPicPr>
+          <p:nvPr/>
+        </p:nvPicPr>
+        <p:blipFill>
+          <a:blip r:embed="rId4">
+            <a:extLst>
+              <a:ext uri="{28A0092B-C50C-407E-A947-70E740481C1C}">
+                <a14:useLocalDpi xmlns:a14="http://schemas.microsoft.com/office/drawing/2010/main" val="0"/>
+              </a:ext>
+            </a:extLst>
+          </a:blip>
+          <a:stretch>
+            <a:fillRect/>
+          </a:stretch>
+        </p:blipFill>
+        <p:spPr>
+          <a:xfrm>
+            <a:off x="76200" y="990600"/>
+            <a:ext cx="4343400" cy="3830825"/>
+          </a:xfrm>
+          <a:prstGeom prst="rect">
+            <a:avLst/>
+          </a:prstGeom>
+        </p:spPr>
+      </p:pic>
+      <p:sp>
+        <p:nvSpPr>
+          <p:cNvPr id="12" name="Slide Number Placeholder 2"/>
+          <p:cNvSpPr>
+            <a:spLocks noGrp="1"/>
+          </p:cNvSpPr>
+          <p:nvPr>
+            <p:ph type="sldNum" idx="12"/>
+          </p:nvPr>
+        </p:nvSpPr>
+        <p:spPr>
+          <a:xfrm>
+            <a:off x="6781800" y="6400800"/>
+            <a:ext cx="2133599" cy="365099"/>
+          </a:xfrm>
+        </p:spPr>
+        <p:txBody>
+          <a:bodyPr/>
+          <a:lstStyle/>
+          <a:p>
+            <a:pPr marL="0" lvl="0" indent="0">
+              <a:spcBef>
+                <a:spcPts val="0"/>
+              </a:spcBef>
+              <a:buSzPct val="25000"/>
+              <a:buNone/>
+            </a:pPr>
+            <a:fld id="{00000000-1234-1234-1234-123412341234}" type="slidenum">
+              <a:rPr lang="en-US" smtClean="0"/>
+              <a:t>15</a:t>
+            </a:fld>
+            <a:endParaRPr lang="en-US" dirty="0"/>
+          </a:p>
+        </p:txBody>
+      </p:sp>
+    </p:spTree>
+    <p:extLst>
+      <p:ext uri="{BB962C8B-B14F-4D97-AF65-F5344CB8AC3E}">
+        <p14:creationId xmlns:p14="http://schemas.microsoft.com/office/powerpoint/2010/main" val="3294093761"/>
+      </p:ext>
+    </p:extLst>
+  </p:cSld>
+  <p:clrMapOvr>
+    <a:masterClrMapping/>
+  </p:clrMapOvr>
+  <p:timing>
+    <p:tnLst>
+      <p:par>
+        <p:cTn xmlns:p14="http://schemas.microsoft.com/office/powerpoint/2010/main" id="1" dur="indefinite" restart="never" nodeType="tmRoot"/>
+      </p:par>
+    </p:tnLst>
+  </p:timing>
+</p:sld>
+</file>
+
+<file path=ppt/slides/slide16.xml><?xml version="1.0" encoding="utf-8"?>
+<p:sld xmlns:a="http://schemas.openxmlformats.org/drawingml/2006/main" xmlns:r="http://schemas.openxmlformats.org/officeDocument/2006/relationships" xmlns:p="http://schemas.openxmlformats.org/presentationml/2006/main">
+  <p:cSld>
+    <p:spTree>
+      <p:nvGrpSpPr>
+        <p:cNvPr id="1" name=""/>
+        <p:cNvGrpSpPr/>
+        <p:nvPr/>
+      </p:nvGrpSpPr>
+      <p:grpSpPr>
+        <a:xfrm>
+          <a:off x="0" y="0"/>
+          <a:ext cx="0" cy="0"/>
+          <a:chOff x="0" y="0"/>
+          <a:chExt cx="0" cy="0"/>
+        </a:xfrm>
+      </p:grpSpPr>
+      <p:sp>
+        <p:nvSpPr>
+          <p:cNvPr id="7" name="TextBox 6"/>
+          <p:cNvSpPr txBox="1"/>
+          <p:nvPr/>
+        </p:nvSpPr>
+        <p:spPr>
+          <a:xfrm>
+            <a:off x="2414046" y="302842"/>
             <a:ext cx="6272754" cy="553998"/>
           </a:xfrm>
           <a:prstGeom prst="rect">
@@ -15613,7 +17691,7 @@
         <p:spPr>
           <a:xfrm>
             <a:off x="304800" y="4800600"/>
-            <a:ext cx="4249569" cy="1738910"/>
+            <a:ext cx="4249569" cy="1676400"/>
           </a:xfrm>
           <a:prstGeom prst="rect">
             <a:avLst/>
@@ -15772,7 +17850,7 @@
         <p:spPr>
           <a:xfrm>
             <a:off x="4724400" y="4800600"/>
-            <a:ext cx="4249569" cy="1738910"/>
+            <a:ext cx="4249569" cy="1676400"/>
           </a:xfrm>
           <a:prstGeom prst="rect">
             <a:avLst/>
@@ -15825,10 +17903,70 @@
             </a:r>
             <a:r>
               <a:rPr lang="en-US" dirty="0"/>
-              <a:t> and Cassandra</a:t>
-            </a:r>
-          </a:p>
-          <a:p>
+              <a:t> and </a:t>
+            </a:r>
+            <a:r>
+              <a:rPr lang="en-US" dirty="0" smtClean="0"/>
+              <a:t>Cassandra</a:t>
+            </a:r>
+          </a:p>
+          <a:p>
+            <a:pPr marL="285750" indent="-285750">
+              <a:buFont typeface="Arial"/>
+              <a:buChar char="•"/>
+            </a:pPr>
+            <a:r>
+              <a:rPr lang="en-US" dirty="0" err="1" smtClean="0"/>
+              <a:t>Aerospike</a:t>
+            </a:r>
+            <a:r>
+              <a:rPr lang="en-US" dirty="0" smtClean="0"/>
+              <a:t> with higher throughput for workload </a:t>
+            </a:r>
+          </a:p>
+          <a:p>
+            <a:r>
+              <a:rPr lang="en-US" dirty="0" smtClean="0"/>
+              <a:t>D (read latest) and E (short ranges)</a:t>
+            </a:r>
+            <a:endParaRPr lang="en-US" dirty="0"/>
+          </a:p>
+          <a:p>
+            <a:endParaRPr lang="en-US" dirty="0"/>
+          </a:p>
+        </p:txBody>
+      </p:sp>
+      <p:sp>
+        <p:nvSpPr>
+          <p:cNvPr id="10" name="Slide Number Placeholder 2"/>
+          <p:cNvSpPr>
+            <a:spLocks noGrp="1"/>
+          </p:cNvSpPr>
+          <p:nvPr>
+            <p:ph type="sldNum" idx="12"/>
+          </p:nvPr>
+        </p:nvSpPr>
+        <p:spPr>
+          <a:xfrm>
+            <a:off x="6781800" y="6400800"/>
+            <a:ext cx="2133599" cy="365099"/>
+          </a:xfrm>
+        </p:spPr>
+        <p:txBody>
+          <a:bodyPr/>
+          <a:lstStyle/>
+          <a:p>
+            <a:pPr marL="0" lvl="0" indent="0">
+              <a:spcBef>
+                <a:spcPts val="0"/>
+              </a:spcBef>
+              <a:buSzPct val="25000"/>
+              <a:buNone/>
+            </a:pPr>
+            <a:fld id="{00000000-1234-1234-1234-123412341234}" type="slidenum">
+              <a:rPr lang="en-US" smtClean="0"/>
+              <a:t>16</a:t>
+            </a:fld>
             <a:endParaRPr lang="en-US" dirty="0"/>
           </a:p>
         </p:txBody>
@@ -15853,7 +17991,7 @@
 </p:sld>
 </file>
 
-<file path=ppt/slides/slide16.xml><?xml version="1.0" encoding="utf-8"?>
+<file path=ppt/slides/slide17.xml><?xml version="1.0" encoding="utf-8"?>
 <p:sld xmlns:a="http://schemas.openxmlformats.org/drawingml/2006/main" xmlns:r="http://schemas.openxmlformats.org/officeDocument/2006/relationships" xmlns:p="http://schemas.openxmlformats.org/presentationml/2006/main">
   <p:cSld>
     <p:spTree>
@@ -17038,6 +19176,151 @@
           </a:p>
         </p:txBody>
       </p:sp>
+      <p:sp>
+        <p:nvSpPr>
+          <p:cNvPr id="19" name="Shape 178"/>
+          <p:cNvSpPr/>
+          <p:nvPr/>
+        </p:nvSpPr>
+        <p:spPr>
+          <a:xfrm>
+            <a:off x="609600" y="6096000"/>
+            <a:ext cx="7086600" cy="531122"/>
+          </a:xfrm>
+          <a:prstGeom prst="rect">
+            <a:avLst/>
+          </a:prstGeom>
+          <a:solidFill>
+            <a:srgbClr val="93B3D7"/>
+          </a:solidFill>
+          <a:ln w="9525" cap="flat">
+            <a:solidFill>
+              <a:schemeClr val="dk1"/>
+            </a:solidFill>
+            <a:prstDash val="solid"/>
+            <a:round/>
+            <a:headEnd type="none" w="med" len="med"/>
+            <a:tailEnd type="none" w="med" len="med"/>
+          </a:ln>
+        </p:spPr>
+        <p:txBody>
+          <a:bodyPr lIns="91425" tIns="45700" rIns="91425" bIns="45700" anchor="ctr" anchorCtr="0">
+            <a:noAutofit/>
+          </a:bodyPr>
+          <a:lstStyle/>
+          <a:p>
+            <a:pPr marL="0" marR="0" lvl="0" indent="0" algn="ctr" rtl="0">
+              <a:lnSpc>
+                <a:spcPct val="100000"/>
+              </a:lnSpc>
+              <a:spcBef>
+                <a:spcPts val="0"/>
+              </a:spcBef>
+              <a:spcAft>
+                <a:spcPts val="0"/>
+              </a:spcAft>
+              <a:buClr>
+                <a:schemeClr val="dk1"/>
+              </a:buClr>
+              <a:buSzPct val="25000"/>
+              <a:buFont typeface="Arial"/>
+              <a:buNone/>
+            </a:pPr>
+            <a:r>
+              <a:rPr lang="en-US" sz="1600" b="0" i="0" u="none" strike="noStrike" cap="none" baseline="0" dirty="0" smtClean="0">
+                <a:solidFill>
+                  <a:schemeClr val="dk1"/>
+                </a:solidFill>
+                <a:latin typeface="Arial"/>
+                <a:ea typeface="Arial"/>
+                <a:cs typeface="Arial"/>
+                <a:sym typeface="Arial"/>
+              </a:rPr>
+              <a:t>Network</a:t>
+            </a:r>
+            <a:r>
+              <a:rPr lang="en-US" sz="1600" b="0" i="0" u="none" strike="noStrike" cap="none" dirty="0" smtClean="0">
+                <a:solidFill>
+                  <a:schemeClr val="dk1"/>
+                </a:solidFill>
+                <a:latin typeface="Arial"/>
+                <a:ea typeface="Arial"/>
+                <a:cs typeface="Arial"/>
+                <a:sym typeface="Arial"/>
+              </a:rPr>
+              <a:t> (Ethernet + </a:t>
+            </a:r>
+            <a:r>
+              <a:rPr lang="en-US" sz="1600" b="0" i="0" u="none" strike="noStrike" cap="none" dirty="0" err="1" smtClean="0">
+                <a:solidFill>
+                  <a:schemeClr val="dk1"/>
+                </a:solidFill>
+                <a:latin typeface="Arial"/>
+                <a:ea typeface="Arial"/>
+                <a:cs typeface="Arial"/>
+                <a:sym typeface="Arial"/>
+              </a:rPr>
+              <a:t>Infiniband</a:t>
+            </a:r>
+            <a:r>
+              <a:rPr lang="en-US" sz="1600" b="0" i="0" u="none" strike="noStrike" cap="none" baseline="0" dirty="0" smtClean="0">
+                <a:solidFill>
+                  <a:schemeClr val="dk1"/>
+                </a:solidFill>
+                <a:latin typeface="Arial"/>
+                <a:ea typeface="Arial"/>
+                <a:cs typeface="Arial"/>
+                <a:sym typeface="Arial"/>
+              </a:rPr>
+              <a:t>)</a:t>
+            </a:r>
+            <a:endParaRPr lang="en-US" sz="1600" b="0" i="0" u="none" strike="noStrike" cap="none" baseline="0" dirty="0">
+              <a:solidFill>
+                <a:schemeClr val="dk1"/>
+              </a:solidFill>
+              <a:latin typeface="Arial"/>
+              <a:ea typeface="Arial"/>
+              <a:cs typeface="Arial"/>
+              <a:sym typeface="Arial"/>
+            </a:endParaRPr>
+          </a:p>
+        </p:txBody>
+      </p:sp>
+      <p:sp>
+        <p:nvSpPr>
+          <p:cNvPr id="22" name="Slide Number Placeholder 2"/>
+          <p:cNvSpPr>
+            <a:spLocks noGrp="1"/>
+          </p:cNvSpPr>
+          <p:nvPr>
+            <p:ph type="sldNum" idx="12"/>
+          </p:nvPr>
+        </p:nvSpPr>
+        <p:spPr>
+          <a:xfrm>
+            <a:off x="6781800" y="6416701"/>
+            <a:ext cx="2133599" cy="365099"/>
+          </a:xfrm>
+        </p:spPr>
+        <p:txBody>
+          <a:bodyPr/>
+          <a:lstStyle/>
+          <a:p>
+            <a:pPr marL="0" lvl="0" indent="0">
+              <a:spcBef>
+                <a:spcPts val="0"/>
+              </a:spcBef>
+              <a:buSzPct val="25000"/>
+              <a:buNone/>
+            </a:pPr>
+            <a:fld id="{00000000-1234-1234-1234-123412341234}" type="slidenum">
+              <a:rPr lang="en-US" smtClean="0"/>
+              <a:t>17</a:t>
+            </a:fld>
+            <a:endParaRPr lang="en-US" dirty="0"/>
+          </a:p>
+        </p:txBody>
+      </p:sp>
     </p:spTree>
   </p:cSld>
   <p:clrMapOvr>
@@ -17056,7 +19339,7 @@
 </p:sld>
 </file>
 
-<file path=ppt/slides/slide17.xml><?xml version="1.0" encoding="utf-8"?>
+<file path=ppt/slides/slide18.xml><?xml version="1.0" encoding="utf-8"?>
 <p:sld xmlns:a="http://schemas.openxmlformats.org/drawingml/2006/main" xmlns:r="http://schemas.openxmlformats.org/officeDocument/2006/relationships" xmlns:p="http://schemas.openxmlformats.org/presentationml/2006/main">
   <p:cSld>
     <p:spTree>
@@ -17324,6 +19607,41 @@
           </a:ln>
         </p:spPr>
       </p:pic>
+      <p:sp>
+        <p:nvSpPr>
+          <p:cNvPr id="7" name="Slide Number Placeholder 2"/>
+          <p:cNvSpPr>
+            <a:spLocks noGrp="1"/>
+          </p:cNvSpPr>
+          <p:nvPr>
+            <p:ph type="sldNum" idx="12"/>
+          </p:nvPr>
+        </p:nvSpPr>
+        <p:spPr>
+          <a:xfrm>
+            <a:off x="6781800" y="6400800"/>
+            <a:ext cx="2133599" cy="365099"/>
+          </a:xfrm>
+        </p:spPr>
+        <p:txBody>
+          <a:bodyPr/>
+          <a:lstStyle/>
+          <a:p>
+            <a:pPr marL="0" lvl="0" indent="0">
+              <a:spcBef>
+                <a:spcPts val="0"/>
+              </a:spcBef>
+              <a:buSzPct val="25000"/>
+              <a:buNone/>
+            </a:pPr>
+            <a:fld id="{00000000-1234-1234-1234-123412341234}" type="slidenum">
+              <a:rPr lang="en-US" smtClean="0"/>
+              <a:t>18</a:t>
+            </a:fld>
+            <a:endParaRPr lang="en-US" dirty="0"/>
+          </a:p>
+        </p:txBody>
+      </p:sp>
     </p:spTree>
   </p:cSld>
   <p:clrMapOvr>
@@ -17342,7 +19660,7 @@
 </p:sld>
 </file>
 
-<file path=ppt/slides/slide18.xml><?xml version="1.0" encoding="utf-8"?>
+<file path=ppt/slides/slide19.xml><?xml version="1.0" encoding="utf-8"?>
 <p:sld xmlns:a="http://schemas.openxmlformats.org/drawingml/2006/main" xmlns:r="http://schemas.openxmlformats.org/officeDocument/2006/relationships" xmlns:p="http://schemas.openxmlformats.org/presentationml/2006/main">
   <p:cSld>
     <p:spTree>
@@ -17625,359 +19943,38 @@
           </a:ln>
         </p:spPr>
       </p:pic>
-    </p:spTree>
-  </p:cSld>
-  <p:clrMapOvr>
-    <a:masterClrMapping/>
-  </p:clrMapOvr>
-  <p:transition xmlns:p14="http://schemas.microsoft.com/office/powerpoint/2010/main" spd="slow">
-    <p:cut/>
-  </p:transition>
-  <p:timing>
-    <p:tnLst>
-      <p:par>
-        <p:cTn xmlns:p14="http://schemas.microsoft.com/office/powerpoint/2010/main" id="1" dur="indefinite" restart="never" nodeType="tmRoot"/>
-      </p:par>
-    </p:tnLst>
-  </p:timing>
-</p:sld>
-</file>
-
-<file path=ppt/slides/slide19.xml><?xml version="1.0" encoding="utf-8"?>
-<p:sld xmlns:a="http://schemas.openxmlformats.org/drawingml/2006/main" xmlns:r="http://schemas.openxmlformats.org/officeDocument/2006/relationships" xmlns:p="http://schemas.openxmlformats.org/presentationml/2006/main">
-  <p:cSld>
-    <p:spTree>
-      <p:nvGrpSpPr>
-        <p:cNvPr id="1" name="Shape 388"/>
-        <p:cNvGrpSpPr/>
-        <p:nvPr/>
-      </p:nvGrpSpPr>
-      <p:grpSpPr>
-        <a:xfrm>
-          <a:off x="0" y="0"/>
-          <a:ext cx="0" cy="0"/>
-          <a:chOff x="0" y="0"/>
-          <a:chExt cx="0" cy="0"/>
-        </a:xfrm>
-      </p:grpSpPr>
       <p:sp>
         <p:nvSpPr>
-          <p:cNvPr id="389" name="Shape 389"/>
-          <p:cNvSpPr txBox="1">
+          <p:cNvPr id="5" name="Slide Number Placeholder 2"/>
+          <p:cNvSpPr>
             <a:spLocks noGrp="1"/>
           </p:cNvSpPr>
           <p:nvPr>
-            <p:ph type="title" idx="4294967295"/>
+            <p:ph type="sldNum" idx="12"/>
           </p:nvPr>
         </p:nvSpPr>
         <p:spPr>
           <a:xfrm>
-            <a:off x="457200" y="-30163"/>
-            <a:ext cx="8229600" cy="1143001"/>
-          </a:xfrm>
-          <a:prstGeom prst="rect">
-            <a:avLst/>
-          </a:prstGeom>
+            <a:off x="6781800" y="6400800"/>
+            <a:ext cx="2133599" cy="365099"/>
+          </a:xfrm>
         </p:spPr>
         <p:txBody>
-          <a:bodyPr lIns="91425" tIns="91425" rIns="91425" bIns="91425" anchor="ctr" anchorCtr="0">
-            <a:noAutofit/>
-          </a:bodyPr>
+          <a:bodyPr/>
           <a:lstStyle/>
           <a:p>
-            <a:pPr lvl="0" rtl="0">
-              <a:spcBef>
-                <a:spcPts val="0"/>
-              </a:spcBef>
-              <a:buNone/>
-            </a:pPr>
-            <a:r>
-              <a:rPr lang="en-US" sz="2400" b="1" dirty="0">
-                <a:solidFill>
-                  <a:srgbClr val="1B3384"/>
-                </a:solidFill>
-              </a:rPr>
-              <a:t>Experiment: Latency and IO</a:t>
-            </a:r>
-          </a:p>
-        </p:txBody>
-      </p:sp>
-      <p:sp>
-        <p:nvSpPr>
-          <p:cNvPr id="390" name="Shape 390"/>
-          <p:cNvSpPr/>
-          <p:nvPr/>
-        </p:nvSpPr>
-        <p:spPr>
-          <a:xfrm>
-            <a:off x="256950" y="4987100"/>
-            <a:ext cx="8586600" cy="1557300"/>
-          </a:xfrm>
-          <a:prstGeom prst="rect">
-            <a:avLst/>
-          </a:prstGeom>
-          <a:noFill/>
-          <a:ln w="19050" cap="flat">
-            <a:solidFill>
-              <a:schemeClr val="dk2"/>
-            </a:solidFill>
-            <a:prstDash val="solid"/>
-            <a:round/>
-            <a:headEnd type="none" w="med" len="med"/>
-            <a:tailEnd type="none" w="med" len="med"/>
-          </a:ln>
-        </p:spPr>
-        <p:txBody>
-          <a:bodyPr lIns="91425" tIns="91425" rIns="91425" bIns="91425" anchor="ctr" anchorCtr="0">
-            <a:noAutofit/>
-          </a:bodyPr>
-          <a:lstStyle/>
-          <a:p>
-            <a:pPr>
-              <a:spcBef>
-                <a:spcPts val="0"/>
-              </a:spcBef>
-              <a:buNone/>
-            </a:pPr>
-            <a:endParaRPr/>
-          </a:p>
-        </p:txBody>
-      </p:sp>
-      <p:sp>
-        <p:nvSpPr>
-          <p:cNvPr id="391" name="Shape 391"/>
-          <p:cNvSpPr txBox="1"/>
-          <p:nvPr/>
-        </p:nvSpPr>
-        <p:spPr>
-          <a:xfrm>
-            <a:off x="256950" y="5062400"/>
-            <a:ext cx="8630099" cy="1500000"/>
-          </a:xfrm>
-          <a:prstGeom prst="rect">
-            <a:avLst/>
-          </a:prstGeom>
-          <a:noFill/>
-          <a:ln>
-            <a:noFill/>
-          </a:ln>
-        </p:spPr>
-        <p:txBody>
-          <a:bodyPr lIns="91425" tIns="91425" rIns="91425" bIns="91425" anchor="t" anchorCtr="0">
-            <a:noAutofit/>
-          </a:bodyPr>
-          <a:lstStyle/>
-          <a:p>
-            <a:pPr lvl="0" rtl="0">
-              <a:spcBef>
-                <a:spcPts val="0"/>
-              </a:spcBef>
-              <a:buNone/>
-            </a:pPr>
-            <a:r>
-              <a:rPr lang="en-US"/>
-              <a:t>Challenges benchmarking large distributed systems</a:t>
-            </a:r>
-          </a:p>
-          <a:p>
-            <a:pPr marL="457200" lvl="0" indent="-317500" rtl="0">
-              <a:spcBef>
-                <a:spcPts val="0"/>
-              </a:spcBef>
-              <a:buClr>
-                <a:srgbClr val="000000"/>
-              </a:buClr>
-              <a:buSzPct val="100000"/>
-              <a:buFont typeface="Arial"/>
-              <a:buChar char="●"/>
-            </a:pPr>
-            <a:r>
-              <a:rPr lang="en-US"/>
-              <a:t>many free parameters </a:t>
-            </a:r>
-          </a:p>
-          <a:p>
-            <a:pPr marL="457200" lvl="0" indent="-317500" rtl="0">
-              <a:spcBef>
-                <a:spcPts val="0"/>
-              </a:spcBef>
-              <a:buClr>
-                <a:srgbClr val="000000"/>
-              </a:buClr>
-              <a:buSzPct val="100000"/>
-              <a:buFont typeface="Arial"/>
-              <a:buChar char="●"/>
-            </a:pPr>
-            <a:r>
-              <a:rPr lang="en-US"/>
-              <a:t>exogeneous factors that disrupt performance can be hard to find and diagnose</a:t>
-            </a:r>
-          </a:p>
-          <a:p>
-            <a:pPr marL="457200" lvl="0" indent="-317500" rtl="0">
-              <a:spcBef>
-                <a:spcPts val="0"/>
-              </a:spcBef>
-              <a:buClr>
-                <a:srgbClr val="000000"/>
-              </a:buClr>
-              <a:buSzPct val="100000"/>
-              <a:buFont typeface="Arial"/>
-              <a:buChar char="●"/>
-            </a:pPr>
-            <a:r>
-              <a:rPr lang="en-US"/>
-              <a:t>Caching effects at the disk, OS, and program level have a significant impact on latency</a:t>
-            </a:r>
-          </a:p>
-          <a:p>
-            <a:pPr marL="457200" lvl="0" indent="-317500" rtl="0">
-              <a:spcBef>
-                <a:spcPts val="0"/>
-              </a:spcBef>
-              <a:buClr>
-                <a:srgbClr val="000000"/>
-              </a:buClr>
-              <a:buSzPct val="100000"/>
-              <a:buFont typeface="Arial"/>
-              <a:buChar char="●"/>
-            </a:pPr>
-            <a:r>
-              <a:rPr lang="en-US"/>
-              <a:t>Java GC is unpredictable</a:t>
-            </a:r>
-          </a:p>
-        </p:txBody>
-      </p:sp>
-      <p:pic>
-        <p:nvPicPr>
-          <p:cNvPr id="392" name="Shape 392"/>
-          <p:cNvPicPr preferRelativeResize="0"/>
-          <p:nvPr/>
-        </p:nvPicPr>
-        <p:blipFill>
-          <a:blip r:embed="rId3">
-            <a:alphaModFix/>
-          </a:blip>
-          <a:stretch>
-            <a:fillRect/>
-          </a:stretch>
-        </p:blipFill>
-        <p:spPr>
-          <a:xfrm>
-            <a:off x="285651" y="1455200"/>
-            <a:ext cx="4133348" cy="3100062"/>
-          </a:xfrm>
-          <a:prstGeom prst="rect">
-            <a:avLst/>
-          </a:prstGeom>
-          <a:noFill/>
-          <a:ln>
-            <a:noFill/>
-          </a:ln>
-        </p:spPr>
-      </p:pic>
-      <p:pic>
-        <p:nvPicPr>
-          <p:cNvPr id="393" name="Shape 393"/>
-          <p:cNvPicPr preferRelativeResize="0"/>
-          <p:nvPr/>
-        </p:nvPicPr>
-        <p:blipFill>
-          <a:blip r:embed="rId4">
-            <a:alphaModFix/>
-          </a:blip>
-          <a:stretch>
-            <a:fillRect/>
-          </a:stretch>
-        </p:blipFill>
-        <p:spPr>
-          <a:xfrm>
-            <a:off x="4725000" y="1447800"/>
-            <a:ext cx="4133349" cy="3100035"/>
-          </a:xfrm>
-          <a:prstGeom prst="rect">
-            <a:avLst/>
-          </a:prstGeom>
-          <a:noFill/>
-          <a:ln>
-            <a:noFill/>
-          </a:ln>
-        </p:spPr>
-      </p:pic>
-      <p:sp>
-        <p:nvSpPr>
-          <p:cNvPr id="394" name="Shape 394"/>
-          <p:cNvSpPr txBox="1"/>
-          <p:nvPr/>
-        </p:nvSpPr>
-        <p:spPr>
-          <a:xfrm>
-            <a:off x="1324500" y="829933"/>
-            <a:ext cx="6494999" cy="401700"/>
-          </a:xfrm>
-          <a:prstGeom prst="rect">
-            <a:avLst/>
-          </a:prstGeom>
-          <a:noFill/>
-          <a:ln>
-            <a:noFill/>
-          </a:ln>
-        </p:spPr>
-        <p:txBody>
-          <a:bodyPr lIns="91425" tIns="91425" rIns="91425" bIns="91425" anchor="t" anchorCtr="0">
-            <a:noAutofit/>
-          </a:bodyPr>
-          <a:lstStyle/>
-          <a:p>
-            <a:pPr lvl="0" algn="ctr" rtl="0">
-              <a:spcBef>
-                <a:spcPts val="0"/>
-              </a:spcBef>
-              <a:buNone/>
-            </a:pPr>
-            <a:r>
-              <a:rPr lang="en-US"/>
-              <a:t>SATA vs. PCIe, 2 shards, no replicas, 50 million indexed documents, 4 GB heap max, default GC settings</a:t>
-            </a:r>
-          </a:p>
-        </p:txBody>
-      </p:sp>
-      <p:sp>
-        <p:nvSpPr>
-          <p:cNvPr id="395" name="Shape 395"/>
-          <p:cNvSpPr txBox="1"/>
-          <p:nvPr/>
-        </p:nvSpPr>
-        <p:spPr>
-          <a:xfrm>
-            <a:off x="833250" y="4571500"/>
-            <a:ext cx="7477500" cy="358799"/>
-          </a:xfrm>
-          <a:prstGeom prst="rect">
-            <a:avLst/>
-          </a:prstGeom>
-          <a:noFill/>
-          <a:ln>
-            <a:noFill/>
-          </a:ln>
-        </p:spPr>
-        <p:txBody>
-          <a:bodyPr lIns="91425" tIns="91425" rIns="91425" bIns="91425" anchor="t" anchorCtr="0">
-            <a:noAutofit/>
-          </a:bodyPr>
-          <a:lstStyle/>
-          <a:p>
-            <a:pPr lvl="0" algn="ctr" rtl="0">
-              <a:spcBef>
-                <a:spcPts val="0"/>
-              </a:spcBef>
-              <a:buNone/>
-            </a:pPr>
-            <a:r>
-              <a:rPr lang="en-US"/>
-              <a:t>PCI-Express ~25% lower latency</a:t>
-            </a:r>
+            <a:pPr marL="0" lvl="0" indent="0">
+              <a:spcBef>
+                <a:spcPts val="0"/>
+              </a:spcBef>
+              <a:buSzPct val="25000"/>
+              <a:buNone/>
+            </a:pPr>
+            <a:fld id="{00000000-1234-1234-1234-123412341234}" type="slidenum">
+              <a:rPr lang="en-US" smtClean="0"/>
+              <a:t>19</a:t>
+            </a:fld>
+            <a:endParaRPr lang="en-US" dirty="0"/>
           </a:p>
         </p:txBody>
       </p:sp>
@@ -18469,6 +20466,41 @@
           </a:ln>
         </p:spPr>
       </p:cxnSp>
+      <p:sp>
+        <p:nvSpPr>
+          <p:cNvPr id="14" name="Slide Number Placeholder 2"/>
+          <p:cNvSpPr>
+            <a:spLocks noGrp="1"/>
+          </p:cNvSpPr>
+          <p:nvPr>
+            <p:ph type="sldNum" idx="12"/>
+          </p:nvPr>
+        </p:nvSpPr>
+        <p:spPr>
+          <a:xfrm>
+            <a:off x="6781800" y="6400800"/>
+            <a:ext cx="2133599" cy="365099"/>
+          </a:xfrm>
+        </p:spPr>
+        <p:txBody>
+          <a:bodyPr/>
+          <a:lstStyle/>
+          <a:p>
+            <a:pPr marL="0" lvl="0" indent="0">
+              <a:spcBef>
+                <a:spcPts val="0"/>
+              </a:spcBef>
+              <a:buSzPct val="25000"/>
+              <a:buNone/>
+            </a:pPr>
+            <a:fld id="{00000000-1234-1234-1234-123412341234}" type="slidenum">
+              <a:rPr lang="en-US" smtClean="0"/>
+              <a:t>2</a:t>
+            </a:fld>
+            <a:endParaRPr lang="en-US" dirty="0"/>
+          </a:p>
+        </p:txBody>
+      </p:sp>
     </p:spTree>
   </p:cSld>
   <p:clrMapOvr>
@@ -18488,6 +20520,409 @@
 </file>
 
 <file path=ppt/slides/slide20.xml><?xml version="1.0" encoding="utf-8"?>
+<p:sld xmlns:a="http://schemas.openxmlformats.org/drawingml/2006/main" xmlns:r="http://schemas.openxmlformats.org/officeDocument/2006/relationships" xmlns:p="http://schemas.openxmlformats.org/presentationml/2006/main">
+  <p:cSld>
+    <p:spTree>
+      <p:nvGrpSpPr>
+        <p:cNvPr id="1" name="Shape 388"/>
+        <p:cNvGrpSpPr/>
+        <p:nvPr/>
+      </p:nvGrpSpPr>
+      <p:grpSpPr>
+        <a:xfrm>
+          <a:off x="0" y="0"/>
+          <a:ext cx="0" cy="0"/>
+          <a:chOff x="0" y="0"/>
+          <a:chExt cx="0" cy="0"/>
+        </a:xfrm>
+      </p:grpSpPr>
+      <p:sp>
+        <p:nvSpPr>
+          <p:cNvPr id="389" name="Shape 389"/>
+          <p:cNvSpPr txBox="1">
+            <a:spLocks noGrp="1"/>
+          </p:cNvSpPr>
+          <p:nvPr>
+            <p:ph type="title" idx="4294967295"/>
+          </p:nvPr>
+        </p:nvSpPr>
+        <p:spPr>
+          <a:xfrm>
+            <a:off x="457200" y="-30163"/>
+            <a:ext cx="8229600" cy="1143001"/>
+          </a:xfrm>
+          <a:prstGeom prst="rect">
+            <a:avLst/>
+          </a:prstGeom>
+        </p:spPr>
+        <p:txBody>
+          <a:bodyPr lIns="91425" tIns="91425" rIns="91425" bIns="91425" anchor="ctr" anchorCtr="0">
+            <a:noAutofit/>
+          </a:bodyPr>
+          <a:lstStyle/>
+          <a:p>
+            <a:pPr lvl="0" rtl="0">
+              <a:spcBef>
+                <a:spcPts val="0"/>
+              </a:spcBef>
+              <a:buNone/>
+            </a:pPr>
+            <a:r>
+              <a:rPr lang="en-US" sz="2400" b="1" dirty="0">
+                <a:solidFill>
+                  <a:srgbClr val="1B3384"/>
+                </a:solidFill>
+              </a:rPr>
+              <a:t>Experiment: Latency and IO</a:t>
+            </a:r>
+          </a:p>
+        </p:txBody>
+      </p:sp>
+      <p:sp>
+        <p:nvSpPr>
+          <p:cNvPr id="390" name="Shape 390"/>
+          <p:cNvSpPr/>
+          <p:nvPr/>
+        </p:nvSpPr>
+        <p:spPr>
+          <a:xfrm>
+            <a:off x="256950" y="4987100"/>
+            <a:ext cx="8586600" cy="1337500"/>
+          </a:xfrm>
+          <a:prstGeom prst="rect">
+            <a:avLst/>
+          </a:prstGeom>
+          <a:noFill/>
+          <a:ln w="19050" cap="flat">
+            <a:solidFill>
+              <a:schemeClr val="dk2"/>
+            </a:solidFill>
+            <a:prstDash val="solid"/>
+            <a:round/>
+            <a:headEnd type="none" w="med" len="med"/>
+            <a:tailEnd type="none" w="med" len="med"/>
+          </a:ln>
+        </p:spPr>
+        <p:txBody>
+          <a:bodyPr lIns="91425" tIns="91425" rIns="91425" bIns="91425" anchor="ctr" anchorCtr="0">
+            <a:noAutofit/>
+          </a:bodyPr>
+          <a:lstStyle/>
+          <a:p>
+            <a:pPr>
+              <a:spcBef>
+                <a:spcPts val="0"/>
+              </a:spcBef>
+              <a:buNone/>
+            </a:pPr>
+            <a:endParaRPr/>
+          </a:p>
+        </p:txBody>
+      </p:sp>
+      <p:sp>
+        <p:nvSpPr>
+          <p:cNvPr id="391" name="Shape 391"/>
+          <p:cNvSpPr txBox="1"/>
+          <p:nvPr/>
+        </p:nvSpPr>
+        <p:spPr>
+          <a:xfrm>
+            <a:off x="256950" y="5062400"/>
+            <a:ext cx="8630099" cy="1338400"/>
+          </a:xfrm>
+          <a:prstGeom prst="rect">
+            <a:avLst/>
+          </a:prstGeom>
+          <a:noFill/>
+          <a:ln>
+            <a:noFill/>
+          </a:ln>
+        </p:spPr>
+        <p:txBody>
+          <a:bodyPr lIns="91425" tIns="91425" rIns="91425" bIns="91425" anchor="t" anchorCtr="0">
+            <a:noAutofit/>
+          </a:bodyPr>
+          <a:lstStyle/>
+          <a:p>
+            <a:pPr lvl="0" rtl="0">
+              <a:spcBef>
+                <a:spcPts val="0"/>
+              </a:spcBef>
+              <a:buNone/>
+            </a:pPr>
+            <a:r>
+              <a:rPr lang="en-US"/>
+              <a:t>Challenges benchmarking large distributed systems</a:t>
+            </a:r>
+          </a:p>
+          <a:p>
+            <a:pPr marL="457200" lvl="0" indent="-317500" rtl="0">
+              <a:spcBef>
+                <a:spcPts val="0"/>
+              </a:spcBef>
+              <a:buClr>
+                <a:srgbClr val="000000"/>
+              </a:buClr>
+              <a:buSzPct val="100000"/>
+              <a:buFont typeface="Arial"/>
+              <a:buChar char="●"/>
+            </a:pPr>
+            <a:r>
+              <a:rPr lang="en-US"/>
+              <a:t>many free parameters </a:t>
+            </a:r>
+          </a:p>
+          <a:p>
+            <a:pPr marL="457200" lvl="0" indent="-317500" rtl="0">
+              <a:spcBef>
+                <a:spcPts val="0"/>
+              </a:spcBef>
+              <a:buClr>
+                <a:srgbClr val="000000"/>
+              </a:buClr>
+              <a:buSzPct val="100000"/>
+              <a:buFont typeface="Arial"/>
+              <a:buChar char="●"/>
+            </a:pPr>
+            <a:r>
+              <a:rPr lang="en-US"/>
+              <a:t>exogeneous factors that disrupt performance can be hard to find and diagnose</a:t>
+            </a:r>
+          </a:p>
+          <a:p>
+            <a:pPr marL="457200" lvl="0" indent="-317500" rtl="0">
+              <a:spcBef>
+                <a:spcPts val="0"/>
+              </a:spcBef>
+              <a:buClr>
+                <a:srgbClr val="000000"/>
+              </a:buClr>
+              <a:buSzPct val="100000"/>
+              <a:buFont typeface="Arial"/>
+              <a:buChar char="●"/>
+            </a:pPr>
+            <a:r>
+              <a:rPr lang="en-US"/>
+              <a:t>Caching effects at the disk, OS, and program level have a significant impact on latency</a:t>
+            </a:r>
+          </a:p>
+          <a:p>
+            <a:pPr marL="457200" lvl="0" indent="-317500" rtl="0">
+              <a:spcBef>
+                <a:spcPts val="0"/>
+              </a:spcBef>
+              <a:buClr>
+                <a:srgbClr val="000000"/>
+              </a:buClr>
+              <a:buSzPct val="100000"/>
+              <a:buFont typeface="Arial"/>
+              <a:buChar char="●"/>
+            </a:pPr>
+            <a:r>
+              <a:rPr lang="en-US"/>
+              <a:t>Java GC is unpredictable</a:t>
+            </a:r>
+          </a:p>
+        </p:txBody>
+      </p:sp>
+      <p:pic>
+        <p:nvPicPr>
+          <p:cNvPr id="392" name="Shape 392"/>
+          <p:cNvPicPr preferRelativeResize="0"/>
+          <p:nvPr/>
+        </p:nvPicPr>
+        <p:blipFill>
+          <a:blip r:embed="rId3">
+            <a:alphaModFix/>
+          </a:blip>
+          <a:stretch>
+            <a:fillRect/>
+          </a:stretch>
+        </p:blipFill>
+        <p:spPr>
+          <a:xfrm>
+            <a:off x="285651" y="1455200"/>
+            <a:ext cx="4133348" cy="3100062"/>
+          </a:xfrm>
+          <a:prstGeom prst="rect">
+            <a:avLst/>
+          </a:prstGeom>
+          <a:noFill/>
+          <a:ln>
+            <a:noFill/>
+          </a:ln>
+        </p:spPr>
+      </p:pic>
+      <p:pic>
+        <p:nvPicPr>
+          <p:cNvPr id="393" name="Shape 393"/>
+          <p:cNvPicPr preferRelativeResize="0"/>
+          <p:nvPr/>
+        </p:nvPicPr>
+        <p:blipFill>
+          <a:blip r:embed="rId4">
+            <a:alphaModFix/>
+          </a:blip>
+          <a:stretch>
+            <a:fillRect/>
+          </a:stretch>
+        </p:blipFill>
+        <p:spPr>
+          <a:xfrm>
+            <a:off x="4725000" y="1447800"/>
+            <a:ext cx="4133349" cy="3100035"/>
+          </a:xfrm>
+          <a:prstGeom prst="rect">
+            <a:avLst/>
+          </a:prstGeom>
+          <a:noFill/>
+          <a:ln>
+            <a:noFill/>
+          </a:ln>
+        </p:spPr>
+      </p:pic>
+      <p:sp>
+        <p:nvSpPr>
+          <p:cNvPr id="394" name="Shape 394"/>
+          <p:cNvSpPr txBox="1"/>
+          <p:nvPr/>
+        </p:nvSpPr>
+        <p:spPr>
+          <a:xfrm>
+            <a:off x="1324500" y="829933"/>
+            <a:ext cx="6494999" cy="401700"/>
+          </a:xfrm>
+          <a:prstGeom prst="rect">
+            <a:avLst/>
+          </a:prstGeom>
+          <a:noFill/>
+          <a:ln>
+            <a:noFill/>
+          </a:ln>
+        </p:spPr>
+        <p:txBody>
+          <a:bodyPr lIns="91425" tIns="91425" rIns="91425" bIns="91425" anchor="t" anchorCtr="0">
+            <a:noAutofit/>
+          </a:bodyPr>
+          <a:lstStyle/>
+          <a:p>
+            <a:pPr lvl="0" algn="ctr" rtl="0">
+              <a:spcBef>
+                <a:spcPts val="0"/>
+              </a:spcBef>
+              <a:buNone/>
+            </a:pPr>
+            <a:r>
+              <a:rPr lang="en-US" dirty="0" smtClean="0"/>
+              <a:t>Samsung SATA </a:t>
+            </a:r>
+            <a:r>
+              <a:rPr lang="en-US" dirty="0"/>
+              <a:t>vs. </a:t>
+            </a:r>
+            <a:r>
+              <a:rPr lang="en-US" dirty="0" err="1"/>
+              <a:t>PCIe</a:t>
+            </a:r>
+            <a:r>
+              <a:rPr lang="en-US" dirty="0"/>
+              <a:t>, 2 shards, no replicas, 50 million indexed documents, 4 GB heap max, default GC settings</a:t>
+            </a:r>
+          </a:p>
+        </p:txBody>
+      </p:sp>
+      <p:sp>
+        <p:nvSpPr>
+          <p:cNvPr id="395" name="Shape 395"/>
+          <p:cNvSpPr txBox="1"/>
+          <p:nvPr/>
+        </p:nvSpPr>
+        <p:spPr>
+          <a:xfrm>
+            <a:off x="833250" y="4571500"/>
+            <a:ext cx="7477500" cy="358799"/>
+          </a:xfrm>
+          <a:prstGeom prst="rect">
+            <a:avLst/>
+          </a:prstGeom>
+          <a:noFill/>
+          <a:ln>
+            <a:noFill/>
+          </a:ln>
+        </p:spPr>
+        <p:txBody>
+          <a:bodyPr lIns="91425" tIns="91425" rIns="91425" bIns="91425" anchor="t" anchorCtr="0">
+            <a:noAutofit/>
+          </a:bodyPr>
+          <a:lstStyle/>
+          <a:p>
+            <a:pPr lvl="0" algn="ctr" rtl="0">
+              <a:spcBef>
+                <a:spcPts val="0"/>
+              </a:spcBef>
+              <a:buNone/>
+            </a:pPr>
+            <a:r>
+              <a:rPr lang="en-US"/>
+              <a:t>PCI-Express ~25% lower latency</a:t>
+            </a:r>
+          </a:p>
+        </p:txBody>
+      </p:sp>
+      <p:sp>
+        <p:nvSpPr>
+          <p:cNvPr id="9" name="Slide Number Placeholder 2"/>
+          <p:cNvSpPr>
+            <a:spLocks noGrp="1"/>
+          </p:cNvSpPr>
+          <p:nvPr>
+            <p:ph type="sldNum" idx="12"/>
+          </p:nvPr>
+        </p:nvSpPr>
+        <p:spPr>
+          <a:xfrm>
+            <a:off x="6781800" y="6400800"/>
+            <a:ext cx="2133599" cy="365099"/>
+          </a:xfrm>
+        </p:spPr>
+        <p:txBody>
+          <a:bodyPr/>
+          <a:lstStyle/>
+          <a:p>
+            <a:pPr marL="0" lvl="0" indent="0">
+              <a:spcBef>
+                <a:spcPts val="0"/>
+              </a:spcBef>
+              <a:buSzPct val="25000"/>
+              <a:buNone/>
+            </a:pPr>
+            <a:fld id="{00000000-1234-1234-1234-123412341234}" type="slidenum">
+              <a:rPr lang="en-US" smtClean="0"/>
+              <a:t>20</a:t>
+            </a:fld>
+            <a:endParaRPr lang="en-US" dirty="0"/>
+          </a:p>
+        </p:txBody>
+      </p:sp>
+    </p:spTree>
+  </p:cSld>
+  <p:clrMapOvr>
+    <a:masterClrMapping/>
+  </p:clrMapOvr>
+  <p:transition xmlns:p14="http://schemas.microsoft.com/office/powerpoint/2010/main" spd="slow">
+    <p:cut/>
+  </p:transition>
+  <p:timing>
+    <p:tnLst>
+      <p:par>
+        <p:cTn xmlns:p14="http://schemas.microsoft.com/office/powerpoint/2010/main" id="1" dur="indefinite" restart="never" nodeType="tmRoot"/>
+      </p:par>
+    </p:tnLst>
+  </p:timing>
+</p:sld>
+</file>
+
+<file path=ppt/slides/slide21.xml><?xml version="1.0" encoding="utf-8"?>
 <p:sld xmlns:a="http://schemas.openxmlformats.org/drawingml/2006/main" xmlns:r="http://schemas.openxmlformats.org/officeDocument/2006/relationships" xmlns:p="http://schemas.openxmlformats.org/presentationml/2006/main">
   <p:cSld>
     <p:spTree>
@@ -18953,136 +21388,38 @@
           </a:p>
         </p:txBody>
       </p:sp>
-    </p:spTree>
-  </p:cSld>
-  <p:clrMapOvr>
-    <a:masterClrMapping/>
-  </p:clrMapOvr>
-  <p:transition xmlns:p14="http://schemas.microsoft.com/office/powerpoint/2010/main" spd="slow">
-    <p:cut/>
-  </p:transition>
-  <p:timing>
-    <p:tnLst>
-      <p:par>
-        <p:cTn xmlns:p14="http://schemas.microsoft.com/office/powerpoint/2010/main" id="1" dur="indefinite" restart="never" nodeType="tmRoot"/>
-      </p:par>
-    </p:tnLst>
-  </p:timing>
-</p:sld>
-</file>
-
-<file path=ppt/slides/slide21.xml><?xml version="1.0" encoding="utf-8"?>
-<p:sld xmlns:a="http://schemas.openxmlformats.org/drawingml/2006/main" xmlns:r="http://schemas.openxmlformats.org/officeDocument/2006/relationships" xmlns:p="http://schemas.openxmlformats.org/presentationml/2006/main">
-  <p:cSld>
-    <p:spTree>
-      <p:nvGrpSpPr>
-        <p:cNvPr id="1" name="Shape 399"/>
-        <p:cNvGrpSpPr/>
-        <p:nvPr/>
-      </p:nvGrpSpPr>
-      <p:grpSpPr>
-        <a:xfrm>
-          <a:off x="0" y="0"/>
-          <a:ext cx="0" cy="0"/>
-          <a:chOff x="0" y="0"/>
-          <a:chExt cx="0" cy="0"/>
-        </a:xfrm>
-      </p:grpSpPr>
       <p:sp>
         <p:nvSpPr>
-          <p:cNvPr id="400" name="Shape 400"/>
-          <p:cNvSpPr txBox="1"/>
-          <p:nvPr/>
+          <p:cNvPr id="6" name="Slide Number Placeholder 2"/>
+          <p:cNvSpPr>
+            <a:spLocks noGrp="1"/>
+          </p:cNvSpPr>
+          <p:nvPr>
+            <p:ph type="sldNum" idx="12"/>
+          </p:nvPr>
         </p:nvSpPr>
         <p:spPr>
           <a:xfrm>
-            <a:off x="228600" y="2438400"/>
-            <a:ext cx="8732836" cy="762000"/>
-          </a:xfrm>
-          <a:prstGeom prst="rect">
-            <a:avLst/>
-          </a:prstGeom>
-          <a:noFill/>
-          <a:ln>
-            <a:noFill/>
-          </a:ln>
+            <a:off x="6781800" y="6400800"/>
+            <a:ext cx="2133599" cy="365099"/>
+          </a:xfrm>
         </p:spPr>
         <p:txBody>
-          <a:bodyPr lIns="91425" tIns="45700" rIns="91425" bIns="45700" anchor="t" anchorCtr="0">
-            <a:noAutofit/>
-          </a:bodyPr>
+          <a:bodyPr/>
           <a:lstStyle/>
           <a:p>
-            <a:pPr marL="0" marR="0" lvl="0" indent="0" algn="ctr" rtl="0">
-              <a:spcBef>
-                <a:spcPts val="0"/>
-              </a:spcBef>
-              <a:buClr>
-                <a:schemeClr val="dk1"/>
-              </a:buClr>
+            <a:pPr marL="0" lvl="0" indent="0">
+              <a:spcBef>
+                <a:spcPts val="0"/>
+              </a:spcBef>
               <a:buSzPct val="25000"/>
-              <a:buFont typeface="Calibri"/>
-              <a:buNone/>
-            </a:pPr>
-            <a:r>
-              <a:rPr lang="en-US" sz="4400" b="0" i="0" u="none" strike="noStrike" cap="none" baseline="0">
-                <a:solidFill>
-                  <a:schemeClr val="dk1"/>
-                </a:solidFill>
-                <a:latin typeface="Calibri"/>
-                <a:ea typeface="Calibri"/>
-                <a:cs typeface="Calibri"/>
-                <a:sym typeface="Calibri"/>
-              </a:rPr>
-              <a:t>Future Work</a:t>
-            </a:r>
-          </a:p>
-        </p:txBody>
-      </p:sp>
-      <p:sp>
-        <p:nvSpPr>
-          <p:cNvPr id="401" name="Shape 401"/>
-          <p:cNvSpPr txBox="1"/>
-          <p:nvPr/>
-        </p:nvSpPr>
-        <p:spPr>
-          <a:xfrm>
-            <a:off x="457200" y="1276350"/>
-            <a:ext cx="8153399" cy="5043488"/>
-          </a:xfrm>
-          <a:prstGeom prst="rect">
-            <a:avLst/>
-          </a:prstGeom>
-          <a:noFill/>
-          <a:ln>
-            <a:noFill/>
-          </a:ln>
-        </p:spPr>
-        <p:txBody>
-          <a:bodyPr lIns="91425" tIns="45700" rIns="91425" bIns="45700" anchor="t" anchorCtr="0">
-            <a:noAutofit/>
-          </a:bodyPr>
-          <a:lstStyle/>
-          <a:p>
-            <a:pPr marL="342900" marR="0" lvl="0" indent="-139700" algn="l" rtl="0">
-              <a:spcBef>
-                <a:spcPts val="0"/>
-              </a:spcBef>
-              <a:buClr>
-                <a:schemeClr val="dk1"/>
-              </a:buClr>
-              <a:buFont typeface="Arial"/>
-              <a:buNone/>
-            </a:pPr>
-            <a:endParaRPr sz="3200" b="0" i="0" u="none" strike="noStrike" cap="none" baseline="0">
-              <a:solidFill>
-                <a:schemeClr val="dk1"/>
-              </a:solidFill>
-              <a:latin typeface="Calibri"/>
-              <a:ea typeface="Calibri"/>
-              <a:cs typeface="Calibri"/>
-              <a:sym typeface="Calibri"/>
-            </a:endParaRPr>
+              <a:buNone/>
+            </a:pPr>
+            <a:fld id="{00000000-1234-1234-1234-123412341234}" type="slidenum">
+              <a:rPr lang="en-US" smtClean="0"/>
+              <a:t>21</a:t>
+            </a:fld>
+            <a:endParaRPr lang="en-US" dirty="0"/>
           </a:p>
         </p:txBody>
       </p:sp>
@@ -19109,7 +21446,7 @@
   <p:cSld>
     <p:spTree>
       <p:nvGrpSpPr>
-        <p:cNvPr id="1" name="Shape 406"/>
+        <p:cNvPr id="1" name="Shape 399"/>
         <p:cNvGrpSpPr/>
         <p:nvPr/>
       </p:nvGrpSpPr>
@@ -19123,13 +21460,13 @@
       </p:grpSpPr>
       <p:sp>
         <p:nvSpPr>
-          <p:cNvPr id="407" name="Shape 407"/>
+          <p:cNvPr id="400" name="Shape 400"/>
           <p:cNvSpPr txBox="1"/>
           <p:nvPr/>
         </p:nvSpPr>
         <p:spPr>
           <a:xfrm>
-            <a:off x="182561" y="533400"/>
+            <a:off x="228600" y="2438400"/>
             <a:ext cx="8732836" cy="762000"/>
           </a:xfrm>
           <a:prstGeom prst="rect">
@@ -19174,7 +21511,7 @@
       </p:sp>
       <p:sp>
         <p:nvSpPr>
-          <p:cNvPr id="408" name="Shape 408"/>
+          <p:cNvPr id="401" name="Shape 401"/>
           <p:cNvSpPr txBox="1"/>
           <p:nvPr/>
         </p:nvSpPr>
@@ -19221,77 +21558,36 @@
       </p:sp>
       <p:sp>
         <p:nvSpPr>
-          <p:cNvPr id="409" name="Shape 409"/>
-          <p:cNvSpPr txBox="1"/>
-          <p:nvPr/>
+          <p:cNvPr id="4" name="Slide Number Placeholder 2"/>
+          <p:cNvSpPr>
+            <a:spLocks noGrp="1"/>
+          </p:cNvSpPr>
+          <p:nvPr>
+            <p:ph type="sldNum" idx="12"/>
+          </p:nvPr>
         </p:nvSpPr>
         <p:spPr>
           <a:xfrm>
-            <a:off x="609600" y="1524000"/>
-            <a:ext cx="7924799" cy="646331"/>
-          </a:xfrm>
-          <a:prstGeom prst="rect">
-            <a:avLst/>
-          </a:prstGeom>
-          <a:noFill/>
-          <a:ln>
-            <a:noFill/>
-          </a:ln>
+            <a:off x="6781800" y="6400800"/>
+            <a:ext cx="2133599" cy="365099"/>
+          </a:xfrm>
         </p:spPr>
         <p:txBody>
-          <a:bodyPr lIns="91425" tIns="45700" rIns="91425" bIns="45700" anchor="t" anchorCtr="0">
-            <a:noAutofit/>
-          </a:bodyPr>
+          <a:bodyPr/>
           <a:lstStyle/>
           <a:p>
-            <a:pPr marL="285750" marR="0" lvl="0" indent="-285750" algn="l" rtl="0">
-              <a:spcBef>
-                <a:spcPts val="0"/>
-              </a:spcBef>
-              <a:buClr>
-                <a:schemeClr val="dk1"/>
-              </a:buClr>
-              <a:buSzPct val="100000"/>
-              <a:buFont typeface="Arial"/>
-              <a:buChar char="•"/>
-            </a:pPr>
-            <a:r>
-              <a:rPr lang="en-US" sz="1800" b="0" i="0" u="none" strike="noStrike" cap="none" baseline="0">
-                <a:solidFill>
-                  <a:schemeClr val="dk1"/>
-                </a:solidFill>
-                <a:latin typeface="Calibri"/>
-                <a:ea typeface="Calibri"/>
-                <a:cs typeface="Calibri"/>
-                <a:sym typeface="Calibri"/>
-              </a:rPr>
-              <a:t>I can put something about Tess here but I don’t know the other stuff</a:t>
-            </a:r>
-          </a:p>
-          <a:p>
-            <a:pPr marL="285750" marR="0" lvl="0" indent="-285750" algn="l" rtl="0">
-              <a:spcBef>
-                <a:spcPts val="0"/>
-              </a:spcBef>
-              <a:buClr>
-                <a:schemeClr val="dk1"/>
-              </a:buClr>
-              <a:buSzPct val="100000"/>
-              <a:buFont typeface="Arial"/>
-              <a:buChar char="•"/>
-            </a:pPr>
-            <a:r>
-              <a:rPr lang="en-US" sz="1800" b="0" i="0" u="none" strike="noStrike" cap="none" baseline="0">
-                <a:solidFill>
-                  <a:schemeClr val="dk1"/>
-                </a:solidFill>
-                <a:latin typeface="Calibri"/>
-                <a:ea typeface="Calibri"/>
-                <a:cs typeface="Calibri"/>
-                <a:sym typeface="Calibri"/>
-              </a:rPr>
-              <a:t>Lets fill this in together when we meet up</a:t>
-            </a:r>
+            <a:pPr marL="0" lvl="0" indent="0">
+              <a:spcBef>
+                <a:spcPts val="0"/>
+              </a:spcBef>
+              <a:buSzPct val="25000"/>
+              <a:buNone/>
+            </a:pPr>
+            <a:fld id="{00000000-1234-1234-1234-123412341234}" type="slidenum">
+              <a:rPr lang="en-US" smtClean="0"/>
+              <a:t>22</a:t>
+            </a:fld>
+            <a:endParaRPr lang="en-US" dirty="0"/>
           </a:p>
         </p:txBody>
       </p:sp>
@@ -19314,6 +21610,250 @@
 </file>
 
 <file path=ppt/slides/slide23.xml><?xml version="1.0" encoding="utf-8"?>
+<p:sld xmlns:a="http://schemas.openxmlformats.org/drawingml/2006/main" xmlns:r="http://schemas.openxmlformats.org/officeDocument/2006/relationships" xmlns:p="http://schemas.openxmlformats.org/presentationml/2006/main">
+  <p:cSld>
+    <p:spTree>
+      <p:nvGrpSpPr>
+        <p:cNvPr id="1" name="Shape 406"/>
+        <p:cNvGrpSpPr/>
+        <p:nvPr/>
+      </p:nvGrpSpPr>
+      <p:grpSpPr>
+        <a:xfrm>
+          <a:off x="0" y="0"/>
+          <a:ext cx="0" cy="0"/>
+          <a:chOff x="0" y="0"/>
+          <a:chExt cx="0" cy="0"/>
+        </a:xfrm>
+      </p:grpSpPr>
+      <p:sp>
+        <p:nvSpPr>
+          <p:cNvPr id="407" name="Shape 407"/>
+          <p:cNvSpPr txBox="1"/>
+          <p:nvPr/>
+        </p:nvSpPr>
+        <p:spPr>
+          <a:xfrm>
+            <a:off x="182561" y="533400"/>
+            <a:ext cx="8732836" cy="762000"/>
+          </a:xfrm>
+          <a:prstGeom prst="rect">
+            <a:avLst/>
+          </a:prstGeom>
+          <a:noFill/>
+          <a:ln>
+            <a:noFill/>
+          </a:ln>
+        </p:spPr>
+        <p:txBody>
+          <a:bodyPr lIns="91425" tIns="45700" rIns="91425" bIns="45700" anchor="t" anchorCtr="0">
+            <a:noAutofit/>
+          </a:bodyPr>
+          <a:lstStyle/>
+          <a:p>
+            <a:pPr marL="0" marR="0" lvl="0" indent="0" algn="ctr" rtl="0">
+              <a:spcBef>
+                <a:spcPts val="0"/>
+              </a:spcBef>
+              <a:buClr>
+                <a:schemeClr val="dk1"/>
+              </a:buClr>
+              <a:buSzPct val="25000"/>
+              <a:buFont typeface="Calibri"/>
+              <a:buNone/>
+            </a:pPr>
+            <a:r>
+              <a:rPr lang="en-US" sz="4400" b="0" i="0" u="none" strike="noStrike" cap="none" baseline="0">
+                <a:solidFill>
+                  <a:schemeClr val="dk1"/>
+                </a:solidFill>
+                <a:latin typeface="Calibri"/>
+                <a:ea typeface="Calibri"/>
+                <a:cs typeface="Calibri"/>
+                <a:sym typeface="Calibri"/>
+              </a:rPr>
+              <a:t>Future Work</a:t>
+            </a:r>
+          </a:p>
+        </p:txBody>
+      </p:sp>
+      <p:sp>
+        <p:nvSpPr>
+          <p:cNvPr id="408" name="Shape 408"/>
+          <p:cNvSpPr txBox="1"/>
+          <p:nvPr/>
+        </p:nvSpPr>
+        <p:spPr>
+          <a:xfrm>
+            <a:off x="457200" y="1276350"/>
+            <a:ext cx="8153399" cy="5043488"/>
+          </a:xfrm>
+          <a:prstGeom prst="rect">
+            <a:avLst/>
+          </a:prstGeom>
+          <a:noFill/>
+          <a:ln>
+            <a:noFill/>
+          </a:ln>
+        </p:spPr>
+        <p:txBody>
+          <a:bodyPr lIns="91425" tIns="45700" rIns="91425" bIns="45700" anchor="t" anchorCtr="0">
+            <a:noAutofit/>
+          </a:bodyPr>
+          <a:lstStyle/>
+          <a:p>
+            <a:pPr marL="342900" marR="0" lvl="0" indent="-139700" algn="l" rtl="0">
+              <a:spcBef>
+                <a:spcPts val="0"/>
+              </a:spcBef>
+              <a:buClr>
+                <a:schemeClr val="dk1"/>
+              </a:buClr>
+              <a:buFont typeface="Arial"/>
+              <a:buNone/>
+            </a:pPr>
+            <a:endParaRPr sz="3200" b="0" i="0" u="none" strike="noStrike" cap="none" baseline="0">
+              <a:solidFill>
+                <a:schemeClr val="dk1"/>
+              </a:solidFill>
+              <a:latin typeface="Calibri"/>
+              <a:ea typeface="Calibri"/>
+              <a:cs typeface="Calibri"/>
+              <a:sym typeface="Calibri"/>
+            </a:endParaRPr>
+          </a:p>
+        </p:txBody>
+      </p:sp>
+      <p:sp>
+        <p:nvSpPr>
+          <p:cNvPr id="409" name="Shape 409"/>
+          <p:cNvSpPr txBox="1"/>
+          <p:nvPr/>
+        </p:nvSpPr>
+        <p:spPr>
+          <a:xfrm>
+            <a:off x="609600" y="1524000"/>
+            <a:ext cx="7924799" cy="646331"/>
+          </a:xfrm>
+          <a:prstGeom prst="rect">
+            <a:avLst/>
+          </a:prstGeom>
+          <a:noFill/>
+          <a:ln>
+            <a:noFill/>
+          </a:ln>
+        </p:spPr>
+        <p:txBody>
+          <a:bodyPr lIns="91425" tIns="45700" rIns="91425" bIns="45700" anchor="t" anchorCtr="0">
+            <a:noAutofit/>
+          </a:bodyPr>
+          <a:lstStyle/>
+          <a:p>
+            <a:pPr marL="285750" marR="0" lvl="0" indent="-285750" algn="l" rtl="0">
+              <a:spcBef>
+                <a:spcPts val="0"/>
+              </a:spcBef>
+              <a:buClr>
+                <a:schemeClr val="dk1"/>
+              </a:buClr>
+              <a:buSzPct val="100000"/>
+              <a:buFont typeface="Arial"/>
+              <a:buChar char="•"/>
+            </a:pPr>
+            <a:r>
+              <a:rPr lang="en-US" sz="1800" b="0" i="0" u="none" strike="noStrike" cap="none" baseline="0">
+                <a:solidFill>
+                  <a:schemeClr val="dk1"/>
+                </a:solidFill>
+                <a:latin typeface="Calibri"/>
+                <a:ea typeface="Calibri"/>
+                <a:cs typeface="Calibri"/>
+                <a:sym typeface="Calibri"/>
+              </a:rPr>
+              <a:t>I can put something about Tess here but I don’t know the other stuff</a:t>
+            </a:r>
+          </a:p>
+          <a:p>
+            <a:pPr marL="285750" marR="0" lvl="0" indent="-285750" algn="l" rtl="0">
+              <a:spcBef>
+                <a:spcPts val="0"/>
+              </a:spcBef>
+              <a:buClr>
+                <a:schemeClr val="dk1"/>
+              </a:buClr>
+              <a:buSzPct val="100000"/>
+              <a:buFont typeface="Arial"/>
+              <a:buChar char="•"/>
+            </a:pPr>
+            <a:r>
+              <a:rPr lang="en-US" sz="1800" b="0" i="0" u="none" strike="noStrike" cap="none" baseline="0">
+                <a:solidFill>
+                  <a:schemeClr val="dk1"/>
+                </a:solidFill>
+                <a:latin typeface="Calibri"/>
+                <a:ea typeface="Calibri"/>
+                <a:cs typeface="Calibri"/>
+                <a:sym typeface="Calibri"/>
+              </a:rPr>
+              <a:t>Lets fill this in together when we meet up</a:t>
+            </a:r>
+          </a:p>
+        </p:txBody>
+      </p:sp>
+      <p:sp>
+        <p:nvSpPr>
+          <p:cNvPr id="5" name="Slide Number Placeholder 2"/>
+          <p:cNvSpPr>
+            <a:spLocks noGrp="1"/>
+          </p:cNvSpPr>
+          <p:nvPr>
+            <p:ph type="sldNum" idx="12"/>
+          </p:nvPr>
+        </p:nvSpPr>
+        <p:spPr>
+          <a:xfrm>
+            <a:off x="6781800" y="6400800"/>
+            <a:ext cx="2133599" cy="365099"/>
+          </a:xfrm>
+        </p:spPr>
+        <p:txBody>
+          <a:bodyPr/>
+          <a:lstStyle/>
+          <a:p>
+            <a:pPr marL="0" lvl="0" indent="0">
+              <a:spcBef>
+                <a:spcPts val="0"/>
+              </a:spcBef>
+              <a:buSzPct val="25000"/>
+              <a:buNone/>
+            </a:pPr>
+            <a:fld id="{00000000-1234-1234-1234-123412341234}" type="slidenum">
+              <a:rPr lang="en-US" smtClean="0"/>
+              <a:t>23</a:t>
+            </a:fld>
+            <a:endParaRPr lang="en-US" dirty="0"/>
+          </a:p>
+        </p:txBody>
+      </p:sp>
+    </p:spTree>
+  </p:cSld>
+  <p:clrMapOvr>
+    <a:masterClrMapping/>
+  </p:clrMapOvr>
+  <p:transition xmlns:p14="http://schemas.microsoft.com/office/powerpoint/2010/main" spd="slow">
+    <p:cut/>
+  </p:transition>
+  <p:timing>
+    <p:tnLst>
+      <p:par>
+        <p:cTn xmlns:p14="http://schemas.microsoft.com/office/powerpoint/2010/main" id="1" dur="indefinite" restart="never" nodeType="tmRoot"/>
+      </p:par>
+    </p:tnLst>
+  </p:timing>
+</p:sld>
+</file>
+
+<file path=ppt/slides/slide24.xml><?xml version="1.0" encoding="utf-8"?>
 <p:sld xmlns:a="http://schemas.openxmlformats.org/drawingml/2006/main" xmlns:r="http://schemas.openxmlformats.org/officeDocument/2006/relationships" xmlns:p="http://schemas.openxmlformats.org/presentationml/2006/main">
   <p:cSld>
     <p:spTree>
@@ -19454,7 +21994,7 @@
 </p:sld>
 </file>
 
-<file path=ppt/slides/slide24.xml><?xml version="1.0" encoding="utf-8"?>
+<file path=ppt/slides/slide25.xml><?xml version="1.0" encoding="utf-8"?>
 <p:sld xmlns:a="http://schemas.openxmlformats.org/drawingml/2006/main" xmlns:r="http://schemas.openxmlformats.org/officeDocument/2006/relationships" xmlns:p="http://schemas.openxmlformats.org/presentationml/2006/main">
   <p:cSld>
     <p:spTree>
@@ -19577,6 +22117,36 @@
           </a:p>
         </p:txBody>
       </p:sp>
+      <p:sp>
+        <p:nvSpPr>
+          <p:cNvPr id="2" name="Slide Number Placeholder 1"/>
+          <p:cNvSpPr>
+            <a:spLocks noGrp="1"/>
+          </p:cNvSpPr>
+          <p:nvPr>
+            <p:ph type="sldNum" idx="12"/>
+          </p:nvPr>
+        </p:nvSpPr>
+        <p:spPr/>
+        <p:txBody>
+          <a:bodyPr/>
+          <a:lstStyle/>
+          <a:p>
+            <a:pPr marL="0" lvl="0" indent="0">
+              <a:spcBef>
+                <a:spcPts val="0"/>
+              </a:spcBef>
+              <a:buSzPct val="25000"/>
+              <a:buNone/>
+            </a:pPr>
+            <a:fld id="{00000000-1234-1234-1234-123412341234}" type="slidenum">
+              <a:rPr lang="en-US" smtClean="0"/>
+              <a:t>25</a:t>
+            </a:fld>
+            <a:endParaRPr lang="en-US"/>
+          </a:p>
+        </p:txBody>
+      </p:sp>
     </p:spTree>
   </p:cSld>
   <p:clrMapOvr>
@@ -19595,7 +22165,7 @@
 </p:sld>
 </file>
 
-<file path=ppt/slides/slide25.xml><?xml version="1.0" encoding="utf-8"?>
+<file path=ppt/slides/slide26.xml><?xml version="1.0" encoding="utf-8"?>
 <p:sld xmlns:a="http://schemas.openxmlformats.org/drawingml/2006/main" xmlns:r="http://schemas.openxmlformats.org/officeDocument/2006/relationships" xmlns:p="http://schemas.openxmlformats.org/presentationml/2006/main">
   <p:cSld>
     <p:spTree>
@@ -19973,6 +22543,36 @@
           </a:p>
         </p:txBody>
       </p:sp>
+      <p:sp>
+        <p:nvSpPr>
+          <p:cNvPr id="2" name="Slide Number Placeholder 1"/>
+          <p:cNvSpPr>
+            <a:spLocks noGrp="1"/>
+          </p:cNvSpPr>
+          <p:nvPr>
+            <p:ph type="sldNum" idx="12"/>
+          </p:nvPr>
+        </p:nvSpPr>
+        <p:spPr/>
+        <p:txBody>
+          <a:bodyPr/>
+          <a:lstStyle/>
+          <a:p>
+            <a:pPr marL="0" lvl="0" indent="0">
+              <a:spcBef>
+                <a:spcPts val="0"/>
+              </a:spcBef>
+              <a:buSzPct val="25000"/>
+              <a:buNone/>
+            </a:pPr>
+            <a:fld id="{00000000-1234-1234-1234-123412341234}" type="slidenum">
+              <a:rPr lang="en-US" smtClean="0"/>
+              <a:t>26</a:t>
+            </a:fld>
+            <a:endParaRPr lang="en-US"/>
+          </a:p>
+        </p:txBody>
+      </p:sp>
     </p:spTree>
   </p:cSld>
   <p:clrMapOvr>
@@ -19991,7 +22591,7 @@
 </p:sld>
 </file>
 
-<file path=ppt/slides/slide26.xml><?xml version="1.0" encoding="utf-8"?>
+<file path=ppt/slides/slide27.xml><?xml version="1.0" encoding="utf-8"?>
 <p:sld xmlns:a="http://schemas.openxmlformats.org/drawingml/2006/main" xmlns:r="http://schemas.openxmlformats.org/officeDocument/2006/relationships" xmlns:p="http://schemas.openxmlformats.org/presentationml/2006/main">
   <p:cSld>
     <p:spTree>
@@ -20141,6 +22741,36 @@
           </a:ln>
         </p:spPr>
       </p:pic>
+      <p:sp>
+        <p:nvSpPr>
+          <p:cNvPr id="2" name="Slide Number Placeholder 1"/>
+          <p:cNvSpPr>
+            <a:spLocks noGrp="1"/>
+          </p:cNvSpPr>
+          <p:nvPr>
+            <p:ph type="sldNum" idx="12"/>
+          </p:nvPr>
+        </p:nvSpPr>
+        <p:spPr/>
+        <p:txBody>
+          <a:bodyPr/>
+          <a:lstStyle/>
+          <a:p>
+            <a:pPr marL="0" lvl="0" indent="0">
+              <a:spcBef>
+                <a:spcPts val="0"/>
+              </a:spcBef>
+              <a:buSzPct val="25000"/>
+              <a:buNone/>
+            </a:pPr>
+            <a:fld id="{00000000-1234-1234-1234-123412341234}" type="slidenum">
+              <a:rPr lang="en-US" smtClean="0"/>
+              <a:t>27</a:t>
+            </a:fld>
+            <a:endParaRPr lang="en-US"/>
+          </a:p>
+        </p:txBody>
+      </p:sp>
     </p:spTree>
   </p:cSld>
   <p:clrMapOvr>
@@ -20159,7 +22789,7 @@
 </p:sld>
 </file>
 
-<file path=ppt/slides/slide27.xml><?xml version="1.0" encoding="utf-8"?>
+<file path=ppt/slides/slide28.xml><?xml version="1.0" encoding="utf-8"?>
 <p:sld xmlns:a="http://schemas.openxmlformats.org/drawingml/2006/main" xmlns:r="http://schemas.openxmlformats.org/officeDocument/2006/relationships" xmlns:p="http://schemas.openxmlformats.org/presentationml/2006/main">
   <p:cSld>
     <p:spTree>
@@ -20258,6 +22888,36 @@
           </a:ln>
         </p:spPr>
       </p:pic>
+      <p:sp>
+        <p:nvSpPr>
+          <p:cNvPr id="2" name="Slide Number Placeholder 1"/>
+          <p:cNvSpPr>
+            <a:spLocks noGrp="1"/>
+          </p:cNvSpPr>
+          <p:nvPr>
+            <p:ph type="sldNum" idx="12"/>
+          </p:nvPr>
+        </p:nvSpPr>
+        <p:spPr/>
+        <p:txBody>
+          <a:bodyPr/>
+          <a:lstStyle/>
+          <a:p>
+            <a:pPr marL="0" lvl="0" indent="0">
+              <a:spcBef>
+                <a:spcPts val="0"/>
+              </a:spcBef>
+              <a:buSzPct val="25000"/>
+              <a:buNone/>
+            </a:pPr>
+            <a:fld id="{00000000-1234-1234-1234-123412341234}" type="slidenum">
+              <a:rPr lang="en-US" smtClean="0"/>
+              <a:t>28</a:t>
+            </a:fld>
+            <a:endParaRPr lang="en-US"/>
+          </a:p>
+        </p:txBody>
+      </p:sp>
     </p:spTree>
   </p:cSld>
   <p:clrMapOvr>
@@ -20276,7 +22936,7 @@
 </p:sld>
 </file>
 
-<file path=ppt/slides/slide28.xml><?xml version="1.0" encoding="utf-8"?>
+<file path=ppt/slides/slide29.xml><?xml version="1.0" encoding="utf-8"?>
 <p:sld xmlns:a="http://schemas.openxmlformats.org/drawingml/2006/main" xmlns:r="http://schemas.openxmlformats.org/officeDocument/2006/relationships" xmlns:p="http://schemas.openxmlformats.org/presentationml/2006/main">
   <p:cSld>
     <p:spTree>
@@ -20699,115 +23359,36 @@
           </a:p>
         </p:txBody>
       </p:sp>
-    </p:spTree>
-  </p:cSld>
-  <p:clrMapOvr>
-    <a:masterClrMapping/>
-  </p:clrMapOvr>
-  <p:transition xmlns:p14="http://schemas.microsoft.com/office/powerpoint/2010/main" spd="slow">
-    <p:cut/>
-  </p:transition>
-  <p:timing>
-    <p:tnLst>
-      <p:par>
-        <p:cTn xmlns:p14="http://schemas.microsoft.com/office/powerpoint/2010/main" id="1" dur="indefinite" restart="never" nodeType="tmRoot"/>
-      </p:par>
-    </p:tnLst>
-  </p:timing>
-</p:sld>
-</file>
-
-<file path=ppt/slides/slide29.xml><?xml version="1.0" encoding="utf-8"?>
-<p:sld xmlns:a="http://schemas.openxmlformats.org/drawingml/2006/main" xmlns:r="http://schemas.openxmlformats.org/officeDocument/2006/relationships" xmlns:p="http://schemas.openxmlformats.org/presentationml/2006/main">
-  <p:cSld>
-    <p:spTree>
-      <p:nvGrpSpPr>
-        <p:cNvPr id="1" name="Shape 456"/>
-        <p:cNvGrpSpPr/>
-        <p:nvPr/>
-      </p:nvGrpSpPr>
-      <p:grpSpPr>
-        <a:xfrm>
-          <a:off x="0" y="0"/>
-          <a:ext cx="0" cy="0"/>
-          <a:chOff x="0" y="0"/>
-          <a:chExt cx="0" cy="0"/>
-        </a:xfrm>
-      </p:grpSpPr>
       <p:sp>
         <p:nvSpPr>
-          <p:cNvPr id="457" name="Shape 457"/>
-          <p:cNvSpPr txBox="1"/>
-          <p:nvPr/>
+          <p:cNvPr id="2" name="Slide Number Placeholder 1"/>
+          <p:cNvSpPr>
+            <a:spLocks noGrp="1"/>
+          </p:cNvSpPr>
+          <p:nvPr>
+            <p:ph type="sldNum" idx="12"/>
+          </p:nvPr>
         </p:nvSpPr>
-        <p:spPr>
-          <a:xfrm>
-            <a:off x="322431" y="302841"/>
-            <a:ext cx="5893298" cy="553997"/>
-          </a:xfrm>
-          <a:prstGeom prst="rect">
-            <a:avLst/>
-          </a:prstGeom>
-          <a:noFill/>
-          <a:ln>
-            <a:noFill/>
-          </a:ln>
-        </p:spPr>
+        <p:spPr/>
         <p:txBody>
-          <a:bodyPr lIns="91425" tIns="45700" rIns="91425" bIns="45700" anchor="t" anchorCtr="0">
-            <a:noAutofit/>
-          </a:bodyPr>
+          <a:bodyPr/>
           <a:lstStyle/>
           <a:p>
-            <a:pPr marL="0" marR="0" lvl="0" indent="0" algn="l" rtl="0">
+            <a:pPr marL="0" lvl="0" indent="0">
               <a:spcBef>
                 <a:spcPts val="0"/>
               </a:spcBef>
               <a:buSzPct val="25000"/>
               <a:buNone/>
             </a:pPr>
-            <a:r>
-              <a:rPr lang="en-US" sz="3000" b="1" i="0" u="none" strike="noStrike" cap="none" baseline="0">
-                <a:solidFill>
-                  <a:schemeClr val="dk1"/>
-                </a:solidFill>
-                <a:latin typeface="Calibri"/>
-                <a:ea typeface="Calibri"/>
-                <a:cs typeface="Calibri"/>
-                <a:sym typeface="Calibri"/>
-              </a:rPr>
-              <a:t>Aerospike/Cassandra Write Latency</a:t>
-            </a:r>
+            <a:fld id="{00000000-1234-1234-1234-123412341234}" type="slidenum">
+              <a:rPr lang="en-US" smtClean="0"/>
+              <a:t>29</a:t>
+            </a:fld>
+            <a:endParaRPr lang="en-US"/>
           </a:p>
         </p:txBody>
       </p:sp>
-      <p:pic>
-        <p:nvPicPr>
-          <p:cNvPr id="458" name="Shape 458"/>
-          <p:cNvPicPr preferRelativeResize="0"/>
-          <p:nvPr/>
-        </p:nvPicPr>
-        <p:blipFill rotWithShape="1">
-          <a:blip r:embed="rId3">
-            <a:alphaModFix/>
-          </a:blip>
-          <a:srcRect/>
-          <a:stretch/>
-        </p:blipFill>
-        <p:spPr>
-          <a:xfrm>
-            <a:off x="457200" y="1371600"/>
-            <a:ext cx="5148121" cy="4584699"/>
-          </a:xfrm>
-          <a:prstGeom prst="rect">
-            <a:avLst/>
-          </a:prstGeom>
-          <a:noFill/>
-          <a:ln>
-            <a:noFill/>
-          </a:ln>
-        </p:spPr>
-      </p:pic>
     </p:spTree>
   </p:cSld>
   <p:clrMapOvr>
@@ -20923,7 +23504,7 @@
               <a:buNone/>
             </a:pPr>
             <a:r>
-              <a:rPr lang="en-US" sz="1800" b="0" i="0" u="none" strike="noStrike" cap="none" baseline="0">
+              <a:rPr lang="en-US" sz="1800" b="0" i="0" u="none" strike="noStrike" cap="none" baseline="0" dirty="0">
                 <a:solidFill>
                   <a:schemeClr val="dk1"/>
                 </a:solidFill>
@@ -20948,7 +23529,7 @@
               <a:buChar char="•"/>
             </a:pPr>
             <a:r>
-              <a:rPr lang="en-US" sz="1800" b="0" i="0" u="none" strike="noStrike" cap="none" baseline="0">
+              <a:rPr lang="en-US" sz="1800" b="0" i="0" u="none" strike="noStrike" cap="none" baseline="0" dirty="0">
                 <a:solidFill>
                   <a:schemeClr val="dk1"/>
                 </a:solidFill>
@@ -20973,7 +23554,7 @@
               <a:buChar char="•"/>
             </a:pPr>
             <a:r>
-              <a:rPr lang="en-US" sz="1800" b="0" i="0" u="none" strike="noStrike" cap="none" baseline="0">
+              <a:rPr lang="en-US" sz="1800" b="0" i="0" u="none" strike="noStrike" cap="none" baseline="0" dirty="0">
                 <a:solidFill>
                   <a:schemeClr val="dk1"/>
                 </a:solidFill>
@@ -20982,7 +23563,31 @@
                 <a:cs typeface="Calibri"/>
                 <a:sym typeface="Calibri"/>
               </a:rPr>
-              <a:t>1 Infiniband switch</a:t>
+              <a:t>1 </a:t>
+            </a:r>
+            <a:r>
+              <a:rPr lang="en-US" sz="1800" b="0" i="0" u="none" strike="noStrike" cap="none" baseline="0" dirty="0" err="1">
+                <a:solidFill>
+                  <a:schemeClr val="dk1"/>
+                </a:solidFill>
+                <a:latin typeface="Calibri"/>
+                <a:ea typeface="Calibri"/>
+                <a:cs typeface="Calibri"/>
+                <a:sym typeface="Calibri"/>
+              </a:rPr>
+              <a:t>Infiniband</a:t>
+            </a:r>
+            <a:r>
+              <a:rPr lang="en-US" sz="1800" b="0" i="0" u="none" strike="noStrike" cap="none" baseline="0" dirty="0">
+                <a:solidFill>
+                  <a:schemeClr val="dk1"/>
+                </a:solidFill>
+                <a:latin typeface="Calibri"/>
+                <a:ea typeface="Calibri"/>
+                <a:cs typeface="Calibri"/>
+                <a:sym typeface="Calibri"/>
+              </a:rPr>
+              <a:t> switch</a:t>
             </a:r>
           </a:p>
           <a:p>
@@ -20998,7 +23603,7 @@
               <a:buChar char="•"/>
             </a:pPr>
             <a:r>
-              <a:rPr lang="en-US" sz="1800" b="0" i="0" u="none" strike="noStrike" cap="none" baseline="0">
+              <a:rPr lang="en-US" sz="1800" b="0" i="0" u="none" strike="noStrike" cap="none" baseline="0" dirty="0">
                 <a:solidFill>
                   <a:schemeClr val="dk1"/>
                 </a:solidFill>
@@ -21021,7 +23626,7 @@
               <a:buFont typeface="Arial"/>
               <a:buNone/>
             </a:pPr>
-            <a:endParaRPr sz="1800" b="0" i="0" u="none" strike="noStrike" cap="none" baseline="0">
+            <a:endParaRPr sz="1800" b="0" i="0" u="none" strike="noStrike" cap="none" baseline="0" dirty="0">
               <a:solidFill>
                 <a:schemeClr val="dk1"/>
               </a:solidFill>
@@ -21040,7 +23645,7 @@
               <a:buNone/>
             </a:pPr>
             <a:r>
-              <a:rPr lang="en-US" sz="1800" b="0" i="0" u="none" strike="noStrike" cap="none" baseline="0">
+              <a:rPr lang="en-US" sz="1800" b="0" i="0" u="none" strike="noStrike" cap="none" baseline="0" dirty="0">
                 <a:solidFill>
                   <a:schemeClr val="dk1"/>
                 </a:solidFill>
@@ -21065,7 +23670,7 @@
               <a:buChar char="•"/>
             </a:pPr>
             <a:r>
-              <a:rPr lang="en-US" sz="1800" b="0" i="0" u="none" strike="noStrike" cap="none" baseline="0">
+              <a:rPr lang="en-US" sz="1800" b="0" i="0" u="none" strike="noStrike" cap="none" baseline="0" dirty="0">
                 <a:solidFill>
                   <a:schemeClr val="dk1"/>
                 </a:solidFill>
@@ -21090,7 +23695,7 @@
               <a:buChar char="•"/>
             </a:pPr>
             <a:r>
-              <a:rPr lang="en-US" sz="1800" b="0" i="0" u="none" strike="noStrike" cap="none" baseline="0">
+              <a:rPr lang="en-US" sz="1800" b="0" i="0" u="none" strike="noStrike" cap="none" baseline="0" dirty="0">
                 <a:solidFill>
                   <a:schemeClr val="dk1"/>
                 </a:solidFill>
@@ -21115,7 +23720,7 @@
               <a:buChar char="•"/>
             </a:pPr>
             <a:r>
-              <a:rPr lang="en-US" sz="1800" b="0" i="0" u="none" strike="noStrike" cap="none" baseline="0">
+              <a:rPr lang="en-US" sz="1800" b="0" i="0" u="none" strike="noStrike" cap="none" baseline="0" dirty="0">
                 <a:solidFill>
                   <a:schemeClr val="dk1"/>
                 </a:solidFill>
@@ -21124,23 +23729,10 @@
                 <a:cs typeface="Calibri"/>
                 <a:sym typeface="Calibri"/>
               </a:rPr>
-              <a:t>2 SSDs (120GB + 480GB) (9.4TB aggregate)</a:t>
-            </a:r>
-          </a:p>
-          <a:p>
-            <a:pPr marL="169863" marR="0" lvl="0" indent="274637" algn="l" rtl="0">
-              <a:spcBef>
-                <a:spcPts val="0"/>
-              </a:spcBef>
-              <a:buClr>
-                <a:schemeClr val="dk1"/>
-              </a:buClr>
-              <a:buSzPct val="100000"/>
-              <a:buFont typeface="Arial"/>
-              <a:buChar char="•"/>
-            </a:pPr>
-            <a:r>
-              <a:rPr lang="en-US" sz="1800" b="0" i="0" u="none" strike="noStrike" cap="none" baseline="0">
+              <a:t>2 </a:t>
+            </a:r>
+            <a:r>
+              <a:rPr lang="en-US" sz="1800" b="0" i="0" u="none" strike="noStrike" cap="none" baseline="0" dirty="0" smtClean="0">
                 <a:solidFill>
                   <a:schemeClr val="dk1"/>
                 </a:solidFill>
@@ -21149,23 +23741,10 @@
                 <a:cs typeface="Calibri"/>
                 <a:sym typeface="Calibri"/>
               </a:rPr>
-              <a:t>Infiniband: Mellanox ConnectX-3 VPI FDR QSFP 56Gbps</a:t>
-            </a:r>
-          </a:p>
-          <a:p>
-            <a:pPr marL="169863" marR="0" lvl="0" indent="274637" algn="l" rtl="0">
-              <a:spcBef>
-                <a:spcPts val="0"/>
-              </a:spcBef>
-              <a:buClr>
-                <a:schemeClr val="dk1"/>
-              </a:buClr>
-              <a:buSzPct val="100000"/>
-              <a:buFont typeface="Arial"/>
-              <a:buChar char="•"/>
-            </a:pPr>
-            <a:r>
-              <a:rPr lang="en-US" sz="1800" b="0" i="0" u="none" strike="noStrike" cap="none" baseline="0">
+              <a:t>Samsung</a:t>
+            </a:r>
+            <a:r>
+              <a:rPr lang="en-US" sz="1800" b="0" i="0" u="none" strike="noStrike" cap="none" dirty="0" smtClean="0">
                 <a:solidFill>
                   <a:schemeClr val="dk1"/>
                 </a:solidFill>
@@ -21174,7 +23753,31 @@
                 <a:cs typeface="Calibri"/>
                 <a:sym typeface="Calibri"/>
               </a:rPr>
-              <a:t>Ethernet: Mellanox ConnextX-3 EN QSFP 40Gb</a:t>
+              <a:t> </a:t>
+            </a:r>
+            <a:r>
+              <a:rPr lang="en-US" sz="1800" b="0" i="0" u="none" strike="noStrike" cap="none" baseline="0" dirty="0" smtClean="0">
+                <a:solidFill>
+                  <a:schemeClr val="dk1"/>
+                </a:solidFill>
+                <a:latin typeface="Calibri"/>
+                <a:ea typeface="Calibri"/>
+                <a:cs typeface="Calibri"/>
+                <a:sym typeface="Calibri"/>
+              </a:rPr>
+              <a:t>SSDs </a:t>
+            </a:r>
+            <a:r>
+              <a:rPr lang="en-US" sz="1800" b="0" i="0" u="none" strike="noStrike" cap="none" baseline="0" dirty="0">
+                <a:solidFill>
+                  <a:schemeClr val="dk1"/>
+                </a:solidFill>
+                <a:latin typeface="Calibri"/>
+                <a:ea typeface="Calibri"/>
+                <a:cs typeface="Calibri"/>
+                <a:sym typeface="Calibri"/>
+              </a:rPr>
+              <a:t>(120GB + 480GB) (9.4TB aggregate)</a:t>
             </a:r>
           </a:p>
           <a:p>
@@ -21190,7 +23793,117 @@
               <a:buChar char="•"/>
             </a:pPr>
             <a:r>
-              <a:rPr lang="en-US" sz="1800" b="0" i="0" u="none" strike="noStrike" cap="none" baseline="0">
+              <a:rPr lang="en-US" sz="1800" b="0" i="0" u="none" strike="noStrike" cap="none" baseline="0" dirty="0" err="1">
+                <a:solidFill>
+                  <a:schemeClr val="dk1"/>
+                </a:solidFill>
+                <a:latin typeface="Calibri"/>
+                <a:ea typeface="Calibri"/>
+                <a:cs typeface="Calibri"/>
+                <a:sym typeface="Calibri"/>
+              </a:rPr>
+              <a:t>Infiniband</a:t>
+            </a:r>
+            <a:r>
+              <a:rPr lang="en-US" sz="1800" b="0" i="0" u="none" strike="noStrike" cap="none" baseline="0" dirty="0">
+                <a:solidFill>
+                  <a:schemeClr val="dk1"/>
+                </a:solidFill>
+                <a:latin typeface="Calibri"/>
+                <a:ea typeface="Calibri"/>
+                <a:cs typeface="Calibri"/>
+                <a:sym typeface="Calibri"/>
+              </a:rPr>
+              <a:t>: </a:t>
+            </a:r>
+            <a:r>
+              <a:rPr lang="en-US" sz="1800" b="0" i="0" u="none" strike="noStrike" cap="none" baseline="0" dirty="0" err="1">
+                <a:solidFill>
+                  <a:schemeClr val="dk1"/>
+                </a:solidFill>
+                <a:latin typeface="Calibri"/>
+                <a:ea typeface="Calibri"/>
+                <a:cs typeface="Calibri"/>
+                <a:sym typeface="Calibri"/>
+              </a:rPr>
+              <a:t>Mellanox</a:t>
+            </a:r>
+            <a:r>
+              <a:rPr lang="en-US" sz="1800" b="0" i="0" u="none" strike="noStrike" cap="none" baseline="0" dirty="0">
+                <a:solidFill>
+                  <a:schemeClr val="dk1"/>
+                </a:solidFill>
+                <a:latin typeface="Calibri"/>
+                <a:ea typeface="Calibri"/>
+                <a:cs typeface="Calibri"/>
+                <a:sym typeface="Calibri"/>
+              </a:rPr>
+              <a:t> ConnectX-3 VPI FDR QSFP 56Gbps</a:t>
+            </a:r>
+          </a:p>
+          <a:p>
+            <a:pPr marL="169863" marR="0" lvl="0" indent="274637" algn="l" rtl="0">
+              <a:spcBef>
+                <a:spcPts val="0"/>
+              </a:spcBef>
+              <a:buClr>
+                <a:schemeClr val="dk1"/>
+              </a:buClr>
+              <a:buSzPct val="100000"/>
+              <a:buFont typeface="Arial"/>
+              <a:buChar char="•"/>
+            </a:pPr>
+            <a:r>
+              <a:rPr lang="en-US" sz="1800" b="0" i="0" u="none" strike="noStrike" cap="none" baseline="0" dirty="0">
+                <a:solidFill>
+                  <a:schemeClr val="dk1"/>
+                </a:solidFill>
+                <a:latin typeface="Calibri"/>
+                <a:ea typeface="Calibri"/>
+                <a:cs typeface="Calibri"/>
+                <a:sym typeface="Calibri"/>
+              </a:rPr>
+              <a:t>Ethernet: </a:t>
+            </a:r>
+            <a:r>
+              <a:rPr lang="en-US" sz="1800" b="0" i="0" u="none" strike="noStrike" cap="none" baseline="0" dirty="0" err="1">
+                <a:solidFill>
+                  <a:schemeClr val="dk1"/>
+                </a:solidFill>
+                <a:latin typeface="Calibri"/>
+                <a:ea typeface="Calibri"/>
+                <a:cs typeface="Calibri"/>
+                <a:sym typeface="Calibri"/>
+              </a:rPr>
+              <a:t>Mellanox</a:t>
+            </a:r>
+            <a:r>
+              <a:rPr lang="en-US" sz="1800" b="0" i="0" u="none" strike="noStrike" cap="none" baseline="0" dirty="0">
+                <a:solidFill>
+                  <a:schemeClr val="dk1"/>
+                </a:solidFill>
+                <a:latin typeface="Calibri"/>
+                <a:ea typeface="Calibri"/>
+                <a:cs typeface="Calibri"/>
+                <a:sym typeface="Calibri"/>
+              </a:rPr>
+              <a:t> ConnextX-3 EN QSFP 40Gb</a:t>
+            </a:r>
+          </a:p>
+          <a:p>
+            <a:pPr marL="169863" marR="0" lvl="0" indent="274637" algn="l" rtl="0">
+              <a:spcBef>
+                <a:spcPts val="0"/>
+              </a:spcBef>
+              <a:buClr>
+                <a:schemeClr val="dk1"/>
+              </a:buClr>
+              <a:buSzPct val="100000"/>
+              <a:buFont typeface="Arial"/>
+              <a:buChar char="•"/>
+            </a:pPr>
+            <a:r>
+              <a:rPr lang="en-US" sz="1800" b="0" i="0" u="none" strike="noStrike" cap="none" baseline="0" dirty="0">
                 <a:solidFill>
                   <a:schemeClr val="dk1"/>
                 </a:solidFill>
@@ -21209,7 +23922,7 @@
               </a:spcBef>
               <a:buNone/>
             </a:pPr>
-            <a:endParaRPr sz="1800" b="0" i="0" u="none" strike="noStrike" cap="none" baseline="0">
+            <a:endParaRPr sz="1800" b="0" i="0" u="none" strike="noStrike" cap="none" baseline="0" dirty="0">
               <a:solidFill>
                 <a:schemeClr val="dk1"/>
               </a:solidFill>
@@ -21248,6 +23961,180 @@
           </a:ln>
         </p:spPr>
       </p:pic>
+      <p:sp>
+        <p:nvSpPr>
+          <p:cNvPr id="5" name="Slide Number Placeholder 2"/>
+          <p:cNvSpPr>
+            <a:spLocks noGrp="1"/>
+          </p:cNvSpPr>
+          <p:nvPr>
+            <p:ph type="sldNum" idx="12"/>
+          </p:nvPr>
+        </p:nvSpPr>
+        <p:spPr>
+          <a:xfrm>
+            <a:off x="6781800" y="6400800"/>
+            <a:ext cx="2133599" cy="365099"/>
+          </a:xfrm>
+        </p:spPr>
+        <p:txBody>
+          <a:bodyPr/>
+          <a:lstStyle/>
+          <a:p>
+            <a:pPr marL="0" lvl="0" indent="0">
+              <a:spcBef>
+                <a:spcPts val="0"/>
+              </a:spcBef>
+              <a:buSzPct val="25000"/>
+              <a:buNone/>
+            </a:pPr>
+            <a:fld id="{00000000-1234-1234-1234-123412341234}" type="slidenum">
+              <a:rPr lang="en-US" smtClean="0"/>
+              <a:t>3</a:t>
+            </a:fld>
+            <a:endParaRPr lang="en-US" dirty="0"/>
+          </a:p>
+        </p:txBody>
+      </p:sp>
+    </p:spTree>
+  </p:cSld>
+  <p:clrMapOvr>
+    <a:masterClrMapping/>
+  </p:clrMapOvr>
+  <p:transition xmlns:p14="http://schemas.microsoft.com/office/powerpoint/2010/main" spd="slow">
+    <p:cut/>
+  </p:transition>
+  <p:timing>
+    <p:tnLst>
+      <p:par>
+        <p:cTn xmlns:p14="http://schemas.microsoft.com/office/powerpoint/2010/main" id="1" dur="indefinite" restart="never" nodeType="tmRoot"/>
+      </p:par>
+    </p:tnLst>
+  </p:timing>
+</p:sld>
+</file>
+
+<file path=ppt/slides/slide30.xml><?xml version="1.0" encoding="utf-8"?>
+<p:sld xmlns:a="http://schemas.openxmlformats.org/drawingml/2006/main" xmlns:r="http://schemas.openxmlformats.org/officeDocument/2006/relationships" xmlns:p="http://schemas.openxmlformats.org/presentationml/2006/main">
+  <p:cSld>
+    <p:spTree>
+      <p:nvGrpSpPr>
+        <p:cNvPr id="1" name="Shape 456"/>
+        <p:cNvGrpSpPr/>
+        <p:nvPr/>
+      </p:nvGrpSpPr>
+      <p:grpSpPr>
+        <a:xfrm>
+          <a:off x="0" y="0"/>
+          <a:ext cx="0" cy="0"/>
+          <a:chOff x="0" y="0"/>
+          <a:chExt cx="0" cy="0"/>
+        </a:xfrm>
+      </p:grpSpPr>
+      <p:sp>
+        <p:nvSpPr>
+          <p:cNvPr id="457" name="Shape 457"/>
+          <p:cNvSpPr txBox="1"/>
+          <p:nvPr/>
+        </p:nvSpPr>
+        <p:spPr>
+          <a:xfrm>
+            <a:off x="322431" y="302841"/>
+            <a:ext cx="5893298" cy="553997"/>
+          </a:xfrm>
+          <a:prstGeom prst="rect">
+            <a:avLst/>
+          </a:prstGeom>
+          <a:noFill/>
+          <a:ln>
+            <a:noFill/>
+          </a:ln>
+        </p:spPr>
+        <p:txBody>
+          <a:bodyPr lIns="91425" tIns="45700" rIns="91425" bIns="45700" anchor="t" anchorCtr="0">
+            <a:noAutofit/>
+          </a:bodyPr>
+          <a:lstStyle/>
+          <a:p>
+            <a:pPr marL="0" marR="0" lvl="0" indent="0" algn="l" rtl="0">
+              <a:spcBef>
+                <a:spcPts val="0"/>
+              </a:spcBef>
+              <a:buSzPct val="25000"/>
+              <a:buNone/>
+            </a:pPr>
+            <a:r>
+              <a:rPr lang="en-US" sz="3000" b="1" i="0" u="none" strike="noStrike" cap="none" baseline="0">
+                <a:solidFill>
+                  <a:schemeClr val="dk1"/>
+                </a:solidFill>
+                <a:latin typeface="Calibri"/>
+                <a:ea typeface="Calibri"/>
+                <a:cs typeface="Calibri"/>
+                <a:sym typeface="Calibri"/>
+              </a:rPr>
+              <a:t>Aerospike/Cassandra Write Latency</a:t>
+            </a:r>
+          </a:p>
+        </p:txBody>
+      </p:sp>
+      <p:pic>
+        <p:nvPicPr>
+          <p:cNvPr id="458" name="Shape 458"/>
+          <p:cNvPicPr preferRelativeResize="0"/>
+          <p:nvPr/>
+        </p:nvPicPr>
+        <p:blipFill rotWithShape="1">
+          <a:blip r:embed="rId3">
+            <a:alphaModFix/>
+          </a:blip>
+          <a:srcRect/>
+          <a:stretch/>
+        </p:blipFill>
+        <p:spPr>
+          <a:xfrm>
+            <a:off x="457200" y="1371600"/>
+            <a:ext cx="5148121" cy="4584699"/>
+          </a:xfrm>
+          <a:prstGeom prst="rect">
+            <a:avLst/>
+          </a:prstGeom>
+          <a:noFill/>
+          <a:ln>
+            <a:noFill/>
+          </a:ln>
+        </p:spPr>
+      </p:pic>
+      <p:sp>
+        <p:nvSpPr>
+          <p:cNvPr id="2" name="Slide Number Placeholder 1"/>
+          <p:cNvSpPr>
+            <a:spLocks noGrp="1"/>
+          </p:cNvSpPr>
+          <p:nvPr>
+            <p:ph type="sldNum" idx="12"/>
+          </p:nvPr>
+        </p:nvSpPr>
+        <p:spPr/>
+        <p:txBody>
+          <a:bodyPr/>
+          <a:lstStyle/>
+          <a:p>
+            <a:pPr marL="0" lvl="0" indent="0">
+              <a:spcBef>
+                <a:spcPts val="0"/>
+              </a:spcBef>
+              <a:buSzPct val="25000"/>
+              <a:buNone/>
+            </a:pPr>
+            <a:fld id="{00000000-1234-1234-1234-123412341234}" type="slidenum">
+              <a:rPr lang="en-US" smtClean="0"/>
+              <a:t>30</a:t>
+            </a:fld>
+            <a:endParaRPr lang="en-US"/>
+          </a:p>
+        </p:txBody>
+      </p:sp>
     </p:spTree>
   </p:cSld>
   <p:clrMapOvr>
@@ -22532,6 +25419,204 @@
           </a:p>
         </p:txBody>
       </p:sp>
+      <p:sp>
+        <p:nvSpPr>
+          <p:cNvPr id="21" name="Shape 178"/>
+          <p:cNvSpPr/>
+          <p:nvPr/>
+        </p:nvSpPr>
+        <p:spPr>
+          <a:xfrm>
+            <a:off x="609600" y="6096000"/>
+            <a:ext cx="7086600" cy="531122"/>
+          </a:xfrm>
+          <a:prstGeom prst="rect">
+            <a:avLst/>
+          </a:prstGeom>
+          <a:solidFill>
+            <a:srgbClr val="93B3D7"/>
+          </a:solidFill>
+          <a:ln w="9525" cap="flat">
+            <a:solidFill>
+              <a:schemeClr val="dk1"/>
+            </a:solidFill>
+            <a:prstDash val="solid"/>
+            <a:round/>
+            <a:headEnd type="none" w="med" len="med"/>
+            <a:tailEnd type="none" w="med" len="med"/>
+          </a:ln>
+        </p:spPr>
+        <p:txBody>
+          <a:bodyPr lIns="91425" tIns="45700" rIns="91425" bIns="45700" anchor="ctr" anchorCtr="0">
+            <a:noAutofit/>
+          </a:bodyPr>
+          <a:lstStyle/>
+          <a:p>
+            <a:pPr marL="0" marR="0" lvl="0" indent="0" algn="ctr" rtl="0">
+              <a:lnSpc>
+                <a:spcPct val="100000"/>
+              </a:lnSpc>
+              <a:spcBef>
+                <a:spcPts val="0"/>
+              </a:spcBef>
+              <a:spcAft>
+                <a:spcPts val="0"/>
+              </a:spcAft>
+              <a:buClr>
+                <a:schemeClr val="dk1"/>
+              </a:buClr>
+              <a:buSzPct val="25000"/>
+              <a:buFont typeface="Arial"/>
+              <a:buNone/>
+            </a:pPr>
+            <a:r>
+              <a:rPr lang="en-US" sz="1600" b="0" i="0" u="none" strike="noStrike" cap="none" baseline="0" dirty="0" smtClean="0">
+                <a:solidFill>
+                  <a:schemeClr val="dk1"/>
+                </a:solidFill>
+                <a:latin typeface="Arial"/>
+                <a:ea typeface="Arial"/>
+                <a:cs typeface="Arial"/>
+                <a:sym typeface="Arial"/>
+              </a:rPr>
+              <a:t>Network</a:t>
+            </a:r>
+            <a:r>
+              <a:rPr lang="en-US" sz="1600" b="0" i="0" u="none" strike="noStrike" cap="none" dirty="0" smtClean="0">
+                <a:solidFill>
+                  <a:schemeClr val="dk1"/>
+                </a:solidFill>
+                <a:latin typeface="Arial"/>
+                <a:ea typeface="Arial"/>
+                <a:cs typeface="Arial"/>
+                <a:sym typeface="Arial"/>
+              </a:rPr>
+              <a:t> (Ethernet + </a:t>
+            </a:r>
+            <a:r>
+              <a:rPr lang="en-US" sz="1600" b="0" i="0" u="none" strike="noStrike" cap="none" dirty="0" err="1" smtClean="0">
+                <a:solidFill>
+                  <a:schemeClr val="dk1"/>
+                </a:solidFill>
+                <a:latin typeface="Arial"/>
+                <a:ea typeface="Arial"/>
+                <a:cs typeface="Arial"/>
+                <a:sym typeface="Arial"/>
+              </a:rPr>
+              <a:t>Infiniband</a:t>
+            </a:r>
+            <a:r>
+              <a:rPr lang="en-US" sz="1600" b="0" i="0" u="none" strike="noStrike" cap="none" baseline="0" dirty="0" smtClean="0">
+                <a:solidFill>
+                  <a:schemeClr val="dk1"/>
+                </a:solidFill>
+                <a:latin typeface="Arial"/>
+                <a:ea typeface="Arial"/>
+                <a:cs typeface="Arial"/>
+                <a:sym typeface="Arial"/>
+              </a:rPr>
+              <a:t>)</a:t>
+            </a:r>
+            <a:endParaRPr lang="en-US" sz="1600" b="0" i="0" u="none" strike="noStrike" cap="none" baseline="0" dirty="0">
+              <a:solidFill>
+                <a:schemeClr val="dk1"/>
+              </a:solidFill>
+              <a:latin typeface="Arial"/>
+              <a:ea typeface="Arial"/>
+              <a:cs typeface="Arial"/>
+              <a:sym typeface="Arial"/>
+            </a:endParaRPr>
+          </a:p>
+        </p:txBody>
+      </p:sp>
+      <p:sp>
+        <p:nvSpPr>
+          <p:cNvPr id="22" name="Shape 191"/>
+          <p:cNvSpPr/>
+          <p:nvPr/>
+        </p:nvSpPr>
+        <p:spPr>
+          <a:xfrm>
+            <a:off x="533400" y="6019800"/>
+            <a:ext cx="7239000" cy="609599"/>
+          </a:xfrm>
+          <a:prstGeom prst="rect">
+            <a:avLst/>
+          </a:prstGeom>
+          <a:solidFill>
+            <a:srgbClr val="FF0000">
+              <a:alpha val="41960"/>
+            </a:srgbClr>
+          </a:solidFill>
+          <a:ln w="38100" cap="flat">
+            <a:solidFill>
+              <a:srgbClr val="FF0000"/>
+            </a:solidFill>
+            <a:prstDash val="solid"/>
+            <a:round/>
+            <a:headEnd type="none" w="med" len="med"/>
+            <a:tailEnd type="none" w="med" len="med"/>
+          </a:ln>
+        </p:spPr>
+        <p:txBody>
+          <a:bodyPr lIns="91425" tIns="45700" rIns="91425" bIns="45700" anchor="ctr" anchorCtr="0">
+            <a:noAutofit/>
+          </a:bodyPr>
+          <a:lstStyle/>
+          <a:p>
+            <a:pPr marL="0" marR="0" lvl="0" indent="0" algn="ctr" rtl="0">
+              <a:spcBef>
+                <a:spcPts val="0"/>
+              </a:spcBef>
+              <a:buNone/>
+            </a:pPr>
+            <a:endParaRPr sz="1800" b="0" i="0" u="none" strike="noStrike" cap="none" baseline="0">
+              <a:solidFill>
+                <a:schemeClr val="dk1"/>
+              </a:solidFill>
+              <a:latin typeface="Calibri"/>
+              <a:ea typeface="Calibri"/>
+              <a:cs typeface="Calibri"/>
+              <a:sym typeface="Calibri"/>
+            </a:endParaRPr>
+          </a:p>
+        </p:txBody>
+      </p:sp>
+      <p:sp>
+        <p:nvSpPr>
+          <p:cNvPr id="23" name="Slide Number Placeholder 2"/>
+          <p:cNvSpPr>
+            <a:spLocks noGrp="1"/>
+          </p:cNvSpPr>
+          <p:nvPr>
+            <p:ph type="sldNum" idx="12"/>
+          </p:nvPr>
+        </p:nvSpPr>
+        <p:spPr>
+          <a:xfrm>
+            <a:off x="6781800" y="6400800"/>
+            <a:ext cx="2133599" cy="365099"/>
+          </a:xfrm>
+        </p:spPr>
+        <p:txBody>
+          <a:bodyPr/>
+          <a:lstStyle/>
+          <a:p>
+            <a:pPr marL="0" lvl="0" indent="0">
+              <a:spcBef>
+                <a:spcPts val="0"/>
+              </a:spcBef>
+              <a:buSzPct val="25000"/>
+              <a:buNone/>
+            </a:pPr>
+            <a:fld id="{00000000-1234-1234-1234-123412341234}" type="slidenum">
+              <a:rPr lang="en-US" smtClean="0"/>
+              <a:t>4</a:t>
+            </a:fld>
+            <a:endParaRPr lang="en-US" dirty="0"/>
+          </a:p>
+        </p:txBody>
+      </p:sp>
     </p:spTree>
   </p:cSld>
   <p:clrMapOvr>
@@ -23856,6 +26941,204 @@
           </a:p>
         </p:txBody>
       </p:sp>
+      <p:sp>
+        <p:nvSpPr>
+          <p:cNvPr id="19" name="Shape 178"/>
+          <p:cNvSpPr/>
+          <p:nvPr/>
+        </p:nvSpPr>
+        <p:spPr>
+          <a:xfrm>
+            <a:off x="609600" y="6096000"/>
+            <a:ext cx="7086600" cy="531122"/>
+          </a:xfrm>
+          <a:prstGeom prst="rect">
+            <a:avLst/>
+          </a:prstGeom>
+          <a:solidFill>
+            <a:srgbClr val="93B3D7"/>
+          </a:solidFill>
+          <a:ln w="9525" cap="flat">
+            <a:solidFill>
+              <a:schemeClr val="dk1"/>
+            </a:solidFill>
+            <a:prstDash val="solid"/>
+            <a:round/>
+            <a:headEnd type="none" w="med" len="med"/>
+            <a:tailEnd type="none" w="med" len="med"/>
+          </a:ln>
+        </p:spPr>
+        <p:txBody>
+          <a:bodyPr lIns="91425" tIns="45700" rIns="91425" bIns="45700" anchor="ctr" anchorCtr="0">
+            <a:noAutofit/>
+          </a:bodyPr>
+          <a:lstStyle/>
+          <a:p>
+            <a:pPr marL="0" marR="0" lvl="0" indent="0" algn="ctr" rtl="0">
+              <a:lnSpc>
+                <a:spcPct val="100000"/>
+              </a:lnSpc>
+              <a:spcBef>
+                <a:spcPts val="0"/>
+              </a:spcBef>
+              <a:spcAft>
+                <a:spcPts val="0"/>
+              </a:spcAft>
+              <a:buClr>
+                <a:schemeClr val="dk1"/>
+              </a:buClr>
+              <a:buSzPct val="25000"/>
+              <a:buFont typeface="Arial"/>
+              <a:buNone/>
+            </a:pPr>
+            <a:r>
+              <a:rPr lang="en-US" sz="1600" b="0" i="0" u="none" strike="noStrike" cap="none" baseline="0" dirty="0" smtClean="0">
+                <a:solidFill>
+                  <a:schemeClr val="dk1"/>
+                </a:solidFill>
+                <a:latin typeface="Arial"/>
+                <a:ea typeface="Arial"/>
+                <a:cs typeface="Arial"/>
+                <a:sym typeface="Arial"/>
+              </a:rPr>
+              <a:t>Network</a:t>
+            </a:r>
+            <a:r>
+              <a:rPr lang="en-US" sz="1600" b="0" i="0" u="none" strike="noStrike" cap="none" dirty="0" smtClean="0">
+                <a:solidFill>
+                  <a:schemeClr val="dk1"/>
+                </a:solidFill>
+                <a:latin typeface="Arial"/>
+                <a:ea typeface="Arial"/>
+                <a:cs typeface="Arial"/>
+                <a:sym typeface="Arial"/>
+              </a:rPr>
+              <a:t> (Ethernet + </a:t>
+            </a:r>
+            <a:r>
+              <a:rPr lang="en-US" sz="1600" b="0" i="0" u="none" strike="noStrike" cap="none" dirty="0" err="1" smtClean="0">
+                <a:solidFill>
+                  <a:schemeClr val="dk1"/>
+                </a:solidFill>
+                <a:latin typeface="Arial"/>
+                <a:ea typeface="Arial"/>
+                <a:cs typeface="Arial"/>
+                <a:sym typeface="Arial"/>
+              </a:rPr>
+              <a:t>Infiniband</a:t>
+            </a:r>
+            <a:r>
+              <a:rPr lang="en-US" sz="1600" b="0" i="0" u="none" strike="noStrike" cap="none" baseline="0" dirty="0" smtClean="0">
+                <a:solidFill>
+                  <a:schemeClr val="dk1"/>
+                </a:solidFill>
+                <a:latin typeface="Arial"/>
+                <a:ea typeface="Arial"/>
+                <a:cs typeface="Arial"/>
+                <a:sym typeface="Arial"/>
+              </a:rPr>
+              <a:t>)</a:t>
+            </a:r>
+            <a:endParaRPr lang="en-US" sz="1600" b="0" i="0" u="none" strike="noStrike" cap="none" baseline="0" dirty="0">
+              <a:solidFill>
+                <a:schemeClr val="dk1"/>
+              </a:solidFill>
+              <a:latin typeface="Arial"/>
+              <a:ea typeface="Arial"/>
+              <a:cs typeface="Arial"/>
+              <a:sym typeface="Arial"/>
+            </a:endParaRPr>
+          </a:p>
+        </p:txBody>
+      </p:sp>
+      <p:sp>
+        <p:nvSpPr>
+          <p:cNvPr id="20" name="Shape 191"/>
+          <p:cNvSpPr/>
+          <p:nvPr/>
+        </p:nvSpPr>
+        <p:spPr>
+          <a:xfrm>
+            <a:off x="533400" y="6019800"/>
+            <a:ext cx="7239000" cy="609599"/>
+          </a:xfrm>
+          <a:prstGeom prst="rect">
+            <a:avLst/>
+          </a:prstGeom>
+          <a:solidFill>
+            <a:srgbClr val="FF0000">
+              <a:alpha val="41960"/>
+            </a:srgbClr>
+          </a:solidFill>
+          <a:ln w="38100" cap="flat">
+            <a:solidFill>
+              <a:srgbClr val="FF0000"/>
+            </a:solidFill>
+            <a:prstDash val="solid"/>
+            <a:round/>
+            <a:headEnd type="none" w="med" len="med"/>
+            <a:tailEnd type="none" w="med" len="med"/>
+          </a:ln>
+        </p:spPr>
+        <p:txBody>
+          <a:bodyPr lIns="91425" tIns="45700" rIns="91425" bIns="45700" anchor="ctr" anchorCtr="0">
+            <a:noAutofit/>
+          </a:bodyPr>
+          <a:lstStyle/>
+          <a:p>
+            <a:pPr marL="0" marR="0" lvl="0" indent="0" algn="ctr" rtl="0">
+              <a:spcBef>
+                <a:spcPts val="0"/>
+              </a:spcBef>
+              <a:buNone/>
+            </a:pPr>
+            <a:endParaRPr sz="1800" b="0" i="0" u="none" strike="noStrike" cap="none" baseline="0">
+              <a:solidFill>
+                <a:schemeClr val="dk1"/>
+              </a:solidFill>
+              <a:latin typeface="Calibri"/>
+              <a:ea typeface="Calibri"/>
+              <a:cs typeface="Calibri"/>
+              <a:sym typeface="Calibri"/>
+            </a:endParaRPr>
+          </a:p>
+        </p:txBody>
+      </p:sp>
+      <p:sp>
+        <p:nvSpPr>
+          <p:cNvPr id="21" name="Slide Number Placeholder 2"/>
+          <p:cNvSpPr>
+            <a:spLocks noGrp="1"/>
+          </p:cNvSpPr>
+          <p:nvPr>
+            <p:ph type="sldNum" idx="12"/>
+          </p:nvPr>
+        </p:nvSpPr>
+        <p:spPr>
+          <a:xfrm>
+            <a:off x="6781800" y="6400800"/>
+            <a:ext cx="2133599" cy="365099"/>
+          </a:xfrm>
+        </p:spPr>
+        <p:txBody>
+          <a:bodyPr/>
+          <a:lstStyle/>
+          <a:p>
+            <a:pPr marL="0" lvl="0" indent="0">
+              <a:spcBef>
+                <a:spcPts val="0"/>
+              </a:spcBef>
+              <a:buSzPct val="25000"/>
+              <a:buNone/>
+            </a:pPr>
+            <a:fld id="{00000000-1234-1234-1234-123412341234}" type="slidenum">
+              <a:rPr lang="en-US" smtClean="0"/>
+              <a:t>5</a:t>
+            </a:fld>
+            <a:endParaRPr lang="en-US" dirty="0"/>
+          </a:p>
+        </p:txBody>
+      </p:sp>
     </p:spTree>
   </p:cSld>
   <p:clrMapOvr>
@@ -26013,6 +29296,41 @@
               </a:rPr>
               <a:t>Channels</a:t>
             </a:r>
+          </a:p>
+        </p:txBody>
+      </p:sp>
+      <p:sp>
+        <p:nvSpPr>
+          <p:cNvPr id="39" name="Slide Number Placeholder 2"/>
+          <p:cNvSpPr>
+            <a:spLocks noGrp="1"/>
+          </p:cNvSpPr>
+          <p:nvPr>
+            <p:ph type="sldNum" idx="12"/>
+          </p:nvPr>
+        </p:nvSpPr>
+        <p:spPr>
+          <a:xfrm>
+            <a:off x="6781800" y="6400800"/>
+            <a:ext cx="2133599" cy="365099"/>
+          </a:xfrm>
+        </p:spPr>
+        <p:txBody>
+          <a:bodyPr/>
+          <a:lstStyle/>
+          <a:p>
+            <a:pPr marL="0" lvl="0" indent="0">
+              <a:spcBef>
+                <a:spcPts val="0"/>
+              </a:spcBef>
+              <a:buSzPct val="25000"/>
+              <a:buNone/>
+            </a:pPr>
+            <a:fld id="{00000000-1234-1234-1234-123412341234}" type="slidenum">
+              <a:rPr lang="en-US" smtClean="0"/>
+              <a:t>6</a:t>
+            </a:fld>
+            <a:endParaRPr lang="en-US" dirty="0"/>
           </a:p>
         </p:txBody>
       </p:sp>
@@ -26328,6 +29646,41 @@
           </a:p>
         </p:txBody>
       </p:sp>
+      <p:sp>
+        <p:nvSpPr>
+          <p:cNvPr id="4" name="Slide Number Placeholder 2"/>
+          <p:cNvSpPr>
+            <a:spLocks noGrp="1"/>
+          </p:cNvSpPr>
+          <p:nvPr>
+            <p:ph type="sldNum" idx="12"/>
+          </p:nvPr>
+        </p:nvSpPr>
+        <p:spPr>
+          <a:xfrm>
+            <a:off x="6781800" y="6400800"/>
+            <a:ext cx="2133599" cy="365099"/>
+          </a:xfrm>
+        </p:spPr>
+        <p:txBody>
+          <a:bodyPr/>
+          <a:lstStyle/>
+          <a:p>
+            <a:pPr marL="0" lvl="0" indent="0">
+              <a:spcBef>
+                <a:spcPts val="0"/>
+              </a:spcBef>
+              <a:buSzPct val="25000"/>
+              <a:buNone/>
+            </a:pPr>
+            <a:fld id="{00000000-1234-1234-1234-123412341234}" type="slidenum">
+              <a:rPr lang="en-US" smtClean="0"/>
+              <a:t>7</a:t>
+            </a:fld>
+            <a:endParaRPr lang="en-US" dirty="0"/>
+          </a:p>
+        </p:txBody>
+      </p:sp>
     </p:spTree>
   </p:cSld>
   <p:clrMapOvr>
@@ -27917,6 +31270,41 @@
               </a:rPr>
               <a:t>Cell Communication Channels</a:t>
             </a:r>
+          </a:p>
+        </p:txBody>
+      </p:sp>
+      <p:sp>
+        <p:nvSpPr>
+          <p:cNvPr id="30" name="Slide Number Placeholder 2"/>
+          <p:cNvSpPr>
+            <a:spLocks noGrp="1"/>
+          </p:cNvSpPr>
+          <p:nvPr>
+            <p:ph type="sldNum" idx="12"/>
+          </p:nvPr>
+        </p:nvSpPr>
+        <p:spPr>
+          <a:xfrm>
+            <a:off x="6781800" y="6400800"/>
+            <a:ext cx="2133599" cy="365099"/>
+          </a:xfrm>
+        </p:spPr>
+        <p:txBody>
+          <a:bodyPr/>
+          <a:lstStyle/>
+          <a:p>
+            <a:pPr marL="0" lvl="0" indent="0">
+              <a:spcBef>
+                <a:spcPts val="0"/>
+              </a:spcBef>
+              <a:buSzPct val="25000"/>
+              <a:buNone/>
+            </a:pPr>
+            <a:fld id="{00000000-1234-1234-1234-123412341234}" type="slidenum">
+              <a:rPr lang="en-US" smtClean="0"/>
+              <a:t>8</a:t>
+            </a:fld>
+            <a:endParaRPr lang="en-US" dirty="0"/>
           </a:p>
         </p:txBody>
       </p:sp>
@@ -28494,7 +31882,7 @@
               <a:buNone/>
             </a:pPr>
             <a:r>
-              <a:rPr lang="en-US" sz="4400" b="0" i="0" u="none" strike="noStrike" cap="none" baseline="0">
+              <a:rPr lang="en-US" sz="4400" b="0" i="0" u="none" strike="noStrike" cap="none" baseline="0" dirty="0" smtClean="0">
                 <a:solidFill>
                   <a:schemeClr val="dk1"/>
                 </a:solidFill>
@@ -28503,7 +31891,19 @@
                 <a:cs typeface="Calibri"/>
                 <a:sym typeface="Calibri"/>
               </a:rPr>
-              <a:t>Tessellation 2.0: Status</a:t>
+              <a:t>Tessellation: </a:t>
+            </a:r>
+            <a:r>
+              <a:rPr lang="en-US" sz="4400" b="0" i="0" u="none" strike="noStrike" cap="none" baseline="0" dirty="0">
+                <a:solidFill>
+                  <a:schemeClr val="dk1"/>
+                </a:solidFill>
+                <a:latin typeface="Calibri"/>
+                <a:ea typeface="Calibri"/>
+                <a:cs typeface="Calibri"/>
+                <a:sym typeface="Calibri"/>
+              </a:rPr>
+              <a:t>Status</a:t>
             </a:r>
           </a:p>
         </p:txBody>
@@ -28931,6 +32331,41 @@
               </a:rPr>
               <a:t>More work is needed to improve performance and usability</a:t>
             </a:r>
+          </a:p>
+        </p:txBody>
+      </p:sp>
+      <p:sp>
+        <p:nvSpPr>
+          <p:cNvPr id="4" name="Slide Number Placeholder 2"/>
+          <p:cNvSpPr>
+            <a:spLocks noGrp="1"/>
+          </p:cNvSpPr>
+          <p:nvPr>
+            <p:ph type="sldNum" idx="12"/>
+          </p:nvPr>
+        </p:nvSpPr>
+        <p:spPr>
+          <a:xfrm>
+            <a:off x="6781800" y="6400800"/>
+            <a:ext cx="2133599" cy="365099"/>
+          </a:xfrm>
+        </p:spPr>
+        <p:txBody>
+          <a:bodyPr/>
+          <a:lstStyle/>
+          <a:p>
+            <a:pPr marL="0" lvl="0" indent="0">
+              <a:spcBef>
+                <a:spcPts val="0"/>
+              </a:spcBef>
+              <a:buSzPct val="25000"/>
+              <a:buNone/>
+            </a:pPr>
+            <a:fld id="{00000000-1234-1234-1234-123412341234}" type="slidenum">
+              <a:rPr lang="en-US" smtClean="0"/>
+              <a:t>9</a:t>
+            </a:fld>
+            <a:endParaRPr lang="en-US" dirty="0"/>
           </a:p>
         </p:txBody>
       </p:sp>
@@ -29508,4 +32943,324 @@
   <a:objectDefaults/>
   <a:extraClrSchemeLst/>
 </a:theme>
+</file>
+
+<file path=ppt/theme/theme3.xml><?xml version="1.0" encoding="utf-8"?>
+<a:theme xmlns:a="http://schemas.openxmlformats.org/drawingml/2006/main" name="Office Theme">
+  <a:themeElements>
+    <a:clrScheme name="Office">
+      <a:dk1>
+        <a:sysClr val="windowText" lastClr="000000"/>
+      </a:dk1>
+      <a:lt1>
+        <a:sysClr val="window" lastClr="FFFFFF"/>
+      </a:lt1>
+      <a:dk2>
+        <a:srgbClr val="1F497D"/>
+      </a:dk2>
+      <a:lt2>
+        <a:srgbClr val="EEECE1"/>
+      </a:lt2>
+      <a:accent1>
+        <a:srgbClr val="4F81BD"/>
+      </a:accent1>
+      <a:accent2>
+        <a:srgbClr val="C0504D"/>
+      </a:accent2>
+      <a:accent3>
+        <a:srgbClr val="9BBB59"/>
+      </a:accent3>
+      <a:accent4>
+        <a:srgbClr val="8064A2"/>
+      </a:accent4>
+      <a:accent5>
+        <a:srgbClr val="4BACC6"/>
+      </a:accent5>
+      <a:accent6>
+        <a:srgbClr val="F79646"/>
+      </a:accent6>
+      <a:hlink>
+        <a:srgbClr val="0000FF"/>
+      </a:hlink>
+      <a:folHlink>
+        <a:srgbClr val="800080"/>
+      </a:folHlink>
+    </a:clrScheme>
+    <a:fontScheme name="Office">
+      <a:majorFont>
+        <a:latin typeface="Calibri"/>
+        <a:ea typeface=""/>
+        <a:cs typeface=""/>
+        <a:font script="Jpan" typeface="ＭＳ Ｐゴシック"/>
+        <a:font script="Hang" typeface="맑은 고딕"/>
+        <a:font script="Hans" typeface="宋体"/>
+        <a:font script="Hant" typeface="新細明體"/>
+        <a:font script="Arab" typeface="Times New Roman"/>
+        <a:font script="Hebr" typeface="Times New Roman"/>
+        <a:font script="Thai" typeface="Angsana New"/>
+        <a:font script="Ethi" typeface="Nyala"/>
+        <a:font script="Beng" typeface="Vrinda"/>
+        <a:font script="Gujr" typeface="Shruti"/>
+        <a:font script="Khmr" typeface="MoolBoran"/>
+        <a:font script="Knda" typeface="Tunga"/>
+        <a:font script="Guru" typeface="Raavi"/>
+        <a:font script="Cans" typeface="Euphemia"/>
+        <a:font script="Cher" typeface="Plantagenet Cherokee"/>
+        <a:font script="Yiii" typeface="Microsoft Yi Baiti"/>
+        <a:font script="Tibt" typeface="Microsoft Himalaya"/>
+        <a:font script="Thaa" typeface="MV Boli"/>
+        <a:font script="Deva" typeface="Mangal"/>
+        <a:font script="Telu" typeface="Gautami"/>
+        <a:font script="Taml" typeface="Latha"/>
+        <a:font script="Syrc" typeface="Estrangelo Edessa"/>
+        <a:font script="Orya" typeface="Kalinga"/>
+        <a:font script="Mlym" typeface="Kartika"/>
+        <a:font script="Laoo" typeface="DokChampa"/>
+        <a:font script="Sinh" typeface="Iskoola Pota"/>
+        <a:font script="Mong" typeface="Mongolian Baiti"/>
+        <a:font script="Viet" typeface="Times New Roman"/>
+        <a:font script="Uigh" typeface="Microsoft Uighur"/>
+        <a:font script="Geor" typeface="Sylfaen"/>
+      </a:majorFont>
+      <a:minorFont>
+        <a:latin typeface="Calibri"/>
+        <a:ea typeface=""/>
+        <a:cs typeface=""/>
+        <a:font script="Jpan" typeface="ＭＳ Ｐゴシック"/>
+        <a:font script="Hang" typeface="맑은 고딕"/>
+        <a:font script="Hans" typeface="宋体"/>
+        <a:font script="Hant" typeface="新細明體"/>
+        <a:font script="Arab" typeface="Arial"/>
+        <a:font script="Hebr" typeface="Arial"/>
+        <a:font script="Thai" typeface="Cordia New"/>
+        <a:font script="Ethi" typeface="Nyala"/>
+        <a:font script="Beng" typeface="Vrinda"/>
+        <a:font script="Gujr" typeface="Shruti"/>
+        <a:font script="Khmr" typeface="DaunPenh"/>
+        <a:font script="Knda" typeface="Tunga"/>
+        <a:font script="Guru" typeface="Raavi"/>
+        <a:font script="Cans" typeface="Euphemia"/>
+        <a:font script="Cher" typeface="Plantagenet Cherokee"/>
+        <a:font script="Yiii" typeface="Microsoft Yi Baiti"/>
+        <a:font script="Tibt" typeface="Microsoft Himalaya"/>
+        <a:font script="Thaa" typeface="MV Boli"/>
+        <a:font script="Deva" typeface="Mangal"/>
+        <a:font script="Telu" typeface="Gautami"/>
+        <a:font script="Taml" typeface="Latha"/>
+        <a:font script="Syrc" typeface="Estrangelo Edessa"/>
+        <a:font script="Orya" typeface="Kalinga"/>
+        <a:font script="Mlym" typeface="Kartika"/>
+        <a:font script="Laoo" typeface="DokChampa"/>
+        <a:font script="Sinh" typeface="Iskoola Pota"/>
+        <a:font script="Mong" typeface="Mongolian Baiti"/>
+        <a:font script="Viet" typeface="Arial"/>
+        <a:font script="Uigh" typeface="Microsoft Uighur"/>
+        <a:font script="Geor" typeface="Sylfaen"/>
+      </a:minorFont>
+    </a:fontScheme>
+    <a:fmtScheme name="Office">
+      <a:fillStyleLst>
+        <a:solidFill>
+          <a:schemeClr val="phClr"/>
+        </a:solidFill>
+        <a:gradFill rotWithShape="1">
+          <a:gsLst>
+            <a:gs pos="0">
+              <a:schemeClr val="phClr">
+                <a:tint val="50000"/>
+                <a:satMod val="300000"/>
+              </a:schemeClr>
+            </a:gs>
+            <a:gs pos="35000">
+              <a:schemeClr val="phClr">
+                <a:tint val="37000"/>
+                <a:satMod val="300000"/>
+              </a:schemeClr>
+            </a:gs>
+            <a:gs pos="100000">
+              <a:schemeClr val="phClr">
+                <a:tint val="15000"/>
+                <a:satMod val="350000"/>
+              </a:schemeClr>
+            </a:gs>
+          </a:gsLst>
+          <a:lin ang="16200000" scaled="1"/>
+        </a:gradFill>
+        <a:gradFill rotWithShape="1">
+          <a:gsLst>
+            <a:gs pos="0">
+              <a:schemeClr val="phClr">
+                <a:tint val="100000"/>
+                <a:shade val="100000"/>
+                <a:satMod val="130000"/>
+              </a:schemeClr>
+            </a:gs>
+            <a:gs pos="100000">
+              <a:schemeClr val="phClr">
+                <a:tint val="50000"/>
+                <a:shade val="100000"/>
+                <a:satMod val="350000"/>
+              </a:schemeClr>
+            </a:gs>
+          </a:gsLst>
+          <a:lin ang="16200000" scaled="0"/>
+        </a:gradFill>
+      </a:fillStyleLst>
+      <a:lnStyleLst>
+        <a:ln w="9525" cap="flat" cmpd="sng" algn="ctr">
+          <a:solidFill>
+            <a:schemeClr val="phClr">
+              <a:shade val="95000"/>
+              <a:satMod val="105000"/>
+            </a:schemeClr>
+          </a:solidFill>
+          <a:prstDash val="solid"/>
+        </a:ln>
+        <a:ln w="25400" cap="flat" cmpd="sng" algn="ctr">
+          <a:solidFill>
+            <a:schemeClr val="phClr"/>
+          </a:solidFill>
+          <a:prstDash val="solid"/>
+        </a:ln>
+        <a:ln w="38100" cap="flat" cmpd="sng" algn="ctr">
+          <a:solidFill>
+            <a:schemeClr val="phClr"/>
+          </a:solidFill>
+          <a:prstDash val="solid"/>
+        </a:ln>
+      </a:lnStyleLst>
+      <a:effectStyleLst>
+        <a:effectStyle>
+          <a:effectLst>
+            <a:outerShdw blurRad="40000" dist="20000" dir="5400000" rotWithShape="0">
+              <a:srgbClr val="000000">
+                <a:alpha val="38000"/>
+              </a:srgbClr>
+            </a:outerShdw>
+          </a:effectLst>
+        </a:effectStyle>
+        <a:effectStyle>
+          <a:effectLst>
+            <a:outerShdw blurRad="40000" dist="23000" dir="5400000" rotWithShape="0">
+              <a:srgbClr val="000000">
+                <a:alpha val="35000"/>
+              </a:srgbClr>
+            </a:outerShdw>
+          </a:effectLst>
+        </a:effectStyle>
+        <a:effectStyle>
+          <a:effectLst>
+            <a:outerShdw blurRad="40000" dist="23000" dir="5400000" rotWithShape="0">
+              <a:srgbClr val="000000">
+                <a:alpha val="35000"/>
+              </a:srgbClr>
+            </a:outerShdw>
+          </a:effectLst>
+          <a:scene3d>
+            <a:camera prst="orthographicFront">
+              <a:rot lat="0" lon="0" rev="0"/>
+            </a:camera>
+            <a:lightRig rig="threePt" dir="t">
+              <a:rot lat="0" lon="0" rev="1200000"/>
+            </a:lightRig>
+          </a:scene3d>
+          <a:sp3d>
+            <a:bevelT w="63500" h="25400"/>
+          </a:sp3d>
+        </a:effectStyle>
+      </a:effectStyleLst>
+      <a:bgFillStyleLst>
+        <a:solidFill>
+          <a:schemeClr val="phClr"/>
+        </a:solidFill>
+        <a:gradFill rotWithShape="1">
+          <a:gsLst>
+            <a:gs pos="0">
+              <a:schemeClr val="phClr">
+                <a:tint val="40000"/>
+                <a:satMod val="350000"/>
+              </a:schemeClr>
+            </a:gs>
+            <a:gs pos="40000">
+              <a:schemeClr val="phClr">
+                <a:tint val="45000"/>
+                <a:shade val="99000"/>
+                <a:satMod val="350000"/>
+              </a:schemeClr>
+            </a:gs>
+            <a:gs pos="100000">
+              <a:schemeClr val="phClr">
+                <a:shade val="20000"/>
+                <a:satMod val="255000"/>
+              </a:schemeClr>
+            </a:gs>
+          </a:gsLst>
+          <a:path path="circle">
+            <a:fillToRect l="50000" t="-80000" r="50000" b="180000"/>
+          </a:path>
+        </a:gradFill>
+        <a:gradFill rotWithShape="1">
+          <a:gsLst>
+            <a:gs pos="0">
+              <a:schemeClr val="phClr">
+                <a:tint val="80000"/>
+                <a:satMod val="300000"/>
+              </a:schemeClr>
+            </a:gs>
+            <a:gs pos="100000">
+              <a:schemeClr val="phClr">
+                <a:shade val="30000"/>
+                <a:satMod val="200000"/>
+              </a:schemeClr>
+            </a:gs>
+          </a:gsLst>
+          <a:path path="circle">
+            <a:fillToRect l="50000" t="50000" r="50000" b="50000"/>
+          </a:path>
+        </a:gradFill>
+      </a:bgFillStyleLst>
+    </a:fmtScheme>
+  </a:themeElements>
+  <a:objectDefaults>
+    <a:spDef>
+      <a:spPr/>
+      <a:bodyPr/>
+      <a:lstStyle/>
+      <a:style>
+        <a:lnRef idx="1">
+          <a:schemeClr val="accent1"/>
+        </a:lnRef>
+        <a:fillRef idx="3">
+          <a:schemeClr val="accent1"/>
+        </a:fillRef>
+        <a:effectRef idx="2">
+          <a:schemeClr val="accent1"/>
+        </a:effectRef>
+        <a:fontRef idx="minor">
+          <a:schemeClr val="lt1"/>
+        </a:fontRef>
+      </a:style>
+    </a:spDef>
+    <a:lnDef>
+      <a:spPr/>
+      <a:bodyPr/>
+      <a:lstStyle/>
+      <a:style>
+        <a:lnRef idx="2">
+          <a:schemeClr val="accent1"/>
+        </a:lnRef>
+        <a:fillRef idx="0">
+          <a:schemeClr val="accent1"/>
+        </a:fillRef>
+        <a:effectRef idx="1">
+          <a:schemeClr val="accent1"/>
+        </a:effectRef>
+        <a:fontRef idx="minor">
+          <a:schemeClr val="tx1"/>
+        </a:fontRef>
+      </a:style>
+    </a:lnDef>
+  </a:objectDefaults>
+  <a:extraClrSchemeLst/>
+</a:theme>
 </file>